--- a/docs/presentation/Final Fingerprint Lock with LCD Display.pptx
+++ b/docs/presentation/Final Fingerprint Lock with LCD Display.pptx
@@ -20097,7 +20097,7 @@
             <a:endParaRPr b="1"/>
           </a:p>
           <a:p>
-            <a:pPr indent="-381000" lvl="0" marL="457200" rtl="0" algn="l">
+            <a:pPr indent="-368300" lvl="0" marL="457200" rtl="0" algn="l">
               <a:lnSpc>
                 <a:spcPct val="115000"/>
               </a:lnSpc>
@@ -20107,15 +20107,15 @@
               <a:spcAft>
                 <a:spcPts val="0"/>
               </a:spcAft>
-              <a:buSzPts val="2400"/>
+              <a:buSzPts val="2200"/>
               <a:buChar char="●"/>
             </a:pPr>
             <a:r>
-              <a:rPr lang="de-CH" sz="1700"/>
+              <a:rPr lang="de-CH" sz="1500"/>
               <a:t>Arduino UNO R4 </a:t>
             </a:r>
             <a:r>
-              <a:rPr lang="de-CH" sz="1700">
+              <a:rPr lang="de-CH" sz="1500">
                 <a:solidFill>
                   <a:srgbClr val="980000"/>
                 </a:solidFill>
@@ -20123,25 +20123,25 @@
               <a:t>Minima</a:t>
             </a:r>
             <a:r>
-              <a:rPr lang="de-CH" sz="1700"/>
+              <a:rPr lang="de-CH" sz="1500"/>
               <a:t>/</a:t>
             </a:r>
             <a:r>
-              <a:rPr lang="de-CH" sz="1700">
+              <a:rPr lang="de-CH" sz="1500">
                 <a:solidFill>
                   <a:srgbClr val="38761D"/>
                 </a:solidFill>
               </a:rPr>
               <a:t>WIFI</a:t>
             </a:r>
-            <a:endParaRPr sz="1700">
+            <a:endParaRPr sz="1500">
               <a:solidFill>
                 <a:srgbClr val="38761D"/>
               </a:solidFill>
             </a:endParaRPr>
           </a:p>
           <a:p>
-            <a:pPr indent="-381000" lvl="0" marL="457200" rtl="0" algn="l">
+            <a:pPr indent="-368300" lvl="0" marL="457200" rtl="0" algn="l">
               <a:lnSpc>
                 <a:spcPct val="115000"/>
               </a:lnSpc>
@@ -20151,17 +20151,17 @@
               <a:spcAft>
                 <a:spcPts val="0"/>
               </a:spcAft>
-              <a:buSzPts val="2400"/>
+              <a:buSzPts val="2200"/>
               <a:buChar char="●"/>
             </a:pPr>
             <a:r>
-              <a:rPr lang="de-CH" sz="1700"/>
+              <a:rPr lang="de-CH" sz="1500"/>
               <a:t>R307 Fingerprint Reader</a:t>
             </a:r>
-            <a:endParaRPr sz="1700"/>
+            <a:endParaRPr sz="1500"/>
           </a:p>
           <a:p>
-            <a:pPr indent="-381000" lvl="0" marL="457200" rtl="0" algn="l">
+            <a:pPr indent="-368300" lvl="0" marL="457200" rtl="0" algn="l">
               <a:lnSpc>
                 <a:spcPct val="115000"/>
               </a:lnSpc>
@@ -20171,17 +20171,17 @@
               <a:spcAft>
                 <a:spcPts val="0"/>
               </a:spcAft>
-              <a:buSzPts val="2400"/>
+              <a:buSzPts val="2200"/>
               <a:buChar char="●"/>
             </a:pPr>
             <a:r>
-              <a:rPr lang="de-CH" sz="1700"/>
+              <a:rPr lang="de-CH" sz="1500"/>
               <a:t>16x2 I2C LCD Display </a:t>
             </a:r>
-            <a:endParaRPr sz="1700"/>
+            <a:endParaRPr sz="1500"/>
           </a:p>
           <a:p>
-            <a:pPr indent="-381000" lvl="0" marL="457200" rtl="0" algn="l">
+            <a:pPr indent="-368300" lvl="0" marL="457200" rtl="0" algn="l">
               <a:lnSpc>
                 <a:spcPct val="115000"/>
               </a:lnSpc>
@@ -20191,17 +20191,17 @@
               <a:spcAft>
                 <a:spcPts val="0"/>
               </a:spcAft>
-              <a:buSzPts val="2400"/>
+              <a:buSzPts val="2200"/>
               <a:buChar char="●"/>
             </a:pPr>
             <a:r>
-              <a:rPr lang="de-CH" sz="1700"/>
+              <a:rPr lang="de-CH" sz="1500"/>
               <a:t>12V DC Electromagnetic Lock</a:t>
             </a:r>
-            <a:endParaRPr sz="1700"/>
+            <a:endParaRPr sz="1500"/>
           </a:p>
           <a:p>
-            <a:pPr indent="-381000" lvl="0" marL="457200" rtl="0" algn="l">
+            <a:pPr indent="-368300" lvl="0" marL="457200" rtl="0" algn="l">
               <a:lnSpc>
                 <a:spcPct val="115000"/>
               </a:lnSpc>
@@ -20211,17 +20211,17 @@
               <a:spcAft>
                 <a:spcPts val="0"/>
               </a:spcAft>
-              <a:buSzPts val="2400"/>
+              <a:buSzPts val="2200"/>
               <a:buChar char="●"/>
             </a:pPr>
             <a:r>
-              <a:rPr lang="de-CH" sz="1700"/>
+              <a:rPr lang="de-CH" sz="1500"/>
               <a:t>2-Channel Relay Module</a:t>
             </a:r>
-            <a:endParaRPr sz="1700"/>
+            <a:endParaRPr sz="1500"/>
           </a:p>
           <a:p>
-            <a:pPr indent="-381000" lvl="0" marL="457200" rtl="0" algn="l">
+            <a:pPr indent="-368300" lvl="0" marL="457200" rtl="0" algn="l">
               <a:lnSpc>
                 <a:spcPct val="115000"/>
               </a:lnSpc>
@@ -20231,17 +20231,17 @@
               <a:spcAft>
                 <a:spcPts val="0"/>
               </a:spcAft>
-              <a:buSzPts val="2400"/>
+              <a:buSzPts val="2200"/>
               <a:buChar char="●"/>
             </a:pPr>
             <a:r>
-              <a:rPr lang="de-CH" sz="1700"/>
+              <a:rPr lang="de-CH" sz="1500"/>
               <a:t>12V DC Power Supply</a:t>
             </a:r>
-            <a:endParaRPr sz="1700"/>
+            <a:endParaRPr sz="1500"/>
           </a:p>
           <a:p>
-            <a:pPr indent="-381000" lvl="0" marL="457200" rtl="0" algn="l">
+            <a:pPr indent="-368300" lvl="0" marL="457200" rtl="0" algn="l">
               <a:lnSpc>
                 <a:spcPct val="115000"/>
               </a:lnSpc>
@@ -20251,17 +20251,17 @@
               <a:spcAft>
                 <a:spcPts val="0"/>
               </a:spcAft>
-              <a:buSzPts val="2400"/>
+              <a:buSzPts val="2200"/>
               <a:buChar char="●"/>
             </a:pPr>
             <a:r>
-              <a:rPr lang="de-CH" sz="1700"/>
+              <a:rPr lang="de-CH" sz="1500"/>
               <a:t>Jumper Wires &amp; Breadboard</a:t>
             </a:r>
-            <a:endParaRPr sz="1700"/>
+            <a:endParaRPr sz="1500"/>
           </a:p>
           <a:p>
-            <a:pPr indent="-381000" lvl="0" marL="457200" rtl="0" algn="l">
+            <a:pPr indent="-368300" lvl="0" marL="457200" rtl="0" algn="l">
               <a:lnSpc>
                 <a:spcPct val="115000"/>
               </a:lnSpc>
@@ -20274,25 +20274,25 @@
               <a:buClr>
                 <a:srgbClr val="980000"/>
               </a:buClr>
-              <a:buSzPts val="2400"/>
+              <a:buSzPts val="2200"/>
               <a:buChar char="●"/>
             </a:pPr>
             <a:r>
-              <a:rPr lang="de-CH" sz="1700">
+              <a:rPr lang="de-CH" sz="1500">
                 <a:solidFill>
                   <a:srgbClr val="980000"/>
                 </a:solidFill>
               </a:rPr>
               <a:t>RTC SD3031</a:t>
             </a:r>
-            <a:endParaRPr sz="1700">
+            <a:endParaRPr sz="1500">
               <a:solidFill>
                 <a:srgbClr val="980000"/>
               </a:solidFill>
             </a:endParaRPr>
           </a:p>
           <a:p>
-            <a:pPr indent="-381000" lvl="0" marL="457200" rtl="0" algn="l">
+            <a:pPr indent="-368300" lvl="0" marL="457200" rtl="0" algn="l">
               <a:lnSpc>
                 <a:spcPct val="115000"/>
               </a:lnSpc>
@@ -20305,18 +20305,49 @@
               <a:buClr>
                 <a:srgbClr val="38761D"/>
               </a:buClr>
-              <a:buSzPts val="2400"/>
+              <a:buSzPts val="2200"/>
               <a:buChar char="●"/>
             </a:pPr>
             <a:r>
-              <a:rPr lang="de-CH" sz="1700">
+              <a:rPr lang="de-CH" sz="1500">
+                <a:solidFill>
+                  <a:srgbClr val="38761D"/>
+                </a:solidFill>
+              </a:rPr>
+              <a:t>Keypad 4x4 Matrix</a:t>
+            </a:r>
+            <a:endParaRPr sz="1500">
+              <a:solidFill>
+                <a:srgbClr val="980000"/>
+              </a:solidFill>
+            </a:endParaRPr>
+          </a:p>
+          <a:p>
+            <a:pPr indent="-368300" lvl="0" marL="457200" rtl="0" algn="l">
+              <a:lnSpc>
+                <a:spcPct val="115000"/>
+              </a:lnSpc>
+              <a:spcBef>
+                <a:spcPts val="0"/>
+              </a:spcBef>
+              <a:spcAft>
+                <a:spcPts val="0"/>
+              </a:spcAft>
+              <a:buClr>
+                <a:srgbClr val="38761D"/>
+              </a:buClr>
+              <a:buSzPts val="2200"/>
+              <a:buChar char="●"/>
+            </a:pPr>
+            <a:r>
+              <a:rPr lang="de-CH" sz="1500">
                 <a:solidFill>
                   <a:srgbClr val="38761D"/>
                 </a:solidFill>
               </a:rPr>
               <a:t>Wood, Hinge, Door Handle</a:t>
             </a:r>
-            <a:endParaRPr sz="1700">
+            <a:endParaRPr sz="1500">
               <a:solidFill>
                 <a:srgbClr val="38761D"/>
               </a:solidFill>
@@ -20339,7 +20370,7 @@
             <a:r>
               <a:t/>
             </a:r>
-            <a:endParaRPr sz="1700"/>
+            <a:endParaRPr sz="1500"/>
           </a:p>
           <a:p>
             <a:pPr indent="0" lvl="0" marL="0" rtl="0" algn="l">
@@ -20356,10 +20387,10 @@
               <a:buNone/>
             </a:pPr>
             <a:r>
-              <a:rPr lang="de-CH" sz="1700"/>
+              <a:rPr lang="de-CH" sz="1500"/>
               <a:t>Total HW Costs: 236.66 CHF (initially Planned: 106 CHF)</a:t>
             </a:r>
-            <a:endParaRPr sz="1700"/>
+            <a:endParaRPr sz="1500"/>
           </a:p>
           <a:p>
             <a:pPr indent="0" lvl="0" marL="457200" rtl="0" algn="l">
@@ -22977,6 +23008,285 @@
 </file>
 
 <file path=ppt/theme/theme1.xml><?xml version="1.0" encoding="utf-8"?>
+<a:theme xmlns:a="http://schemas.openxmlformats.org/drawingml/2006/main" xmlns:r="http://schemas.openxmlformats.org/officeDocument/2006/relationships" name="Larissa">
+  <a:themeElements>
+    <a:clrScheme name="Larissa">
+      <a:dk1>
+        <a:srgbClr val="000000"/>
+      </a:dk1>
+      <a:lt1>
+        <a:srgbClr val="FFFFFF"/>
+      </a:lt1>
+      <a:dk2>
+        <a:srgbClr val="1F497D"/>
+      </a:dk2>
+      <a:lt2>
+        <a:srgbClr val="EEECE1"/>
+      </a:lt2>
+      <a:accent1>
+        <a:srgbClr val="4F81BD"/>
+      </a:accent1>
+      <a:accent2>
+        <a:srgbClr val="C0504D"/>
+      </a:accent2>
+      <a:accent3>
+        <a:srgbClr val="9BBB59"/>
+      </a:accent3>
+      <a:accent4>
+        <a:srgbClr val="8064A2"/>
+      </a:accent4>
+      <a:accent5>
+        <a:srgbClr val="4BACC6"/>
+      </a:accent5>
+      <a:accent6>
+        <a:srgbClr val="F79646"/>
+      </a:accent6>
+      <a:hlink>
+        <a:srgbClr val="0000FF"/>
+      </a:hlink>
+      <a:folHlink>
+        <a:srgbClr val="800080"/>
+      </a:folHlink>
+    </a:clrScheme>
+    <a:fontScheme name="Office">
+      <a:majorFont>
+        <a:latin typeface="Arial"/>
+        <a:ea typeface=""/>
+        <a:cs typeface=""/>
+        <a:font script="Jpan" typeface="ＭＳ Ｐゴシック"/>
+        <a:font script="Hang" typeface="맑은 고딕"/>
+        <a:font script="Hans" typeface="宋体"/>
+        <a:font script="Hant" typeface="新細明體"/>
+        <a:font script="Arab" typeface="Times New Roman"/>
+        <a:font script="Hebr" typeface="Times New Roman"/>
+        <a:font script="Thai" typeface="Angsana New"/>
+        <a:font script="Ethi" typeface="Nyala"/>
+        <a:font script="Beng" typeface="Vrinda"/>
+        <a:font script="Gujr" typeface="Shruti"/>
+        <a:font script="Khmr" typeface="MoolBoran"/>
+        <a:font script="Knda" typeface="Tunga"/>
+        <a:font script="Guru" typeface="Raavi"/>
+        <a:font script="Cans" typeface="Euphemia"/>
+        <a:font script="Cher" typeface="Plantagenet Cherokee"/>
+        <a:font script="Yiii" typeface="Microsoft Yi Baiti"/>
+        <a:font script="Tibt" typeface="Microsoft Himalaya"/>
+        <a:font script="Thaa" typeface="MV Boli"/>
+        <a:font script="Deva" typeface="Mangal"/>
+        <a:font script="Telu" typeface="Gautami"/>
+        <a:font script="Taml" typeface="Latha"/>
+        <a:font script="Syrc" typeface="Estrangelo Edessa"/>
+        <a:font script="Orya" typeface="Kalinga"/>
+        <a:font script="Mlym" typeface="Kartika"/>
+        <a:font script="Laoo" typeface="DokChampa"/>
+        <a:font script="Sinh" typeface="Iskoola Pota"/>
+        <a:font script="Mong" typeface="Mongolian Baiti"/>
+        <a:font script="Viet" typeface="Times New Roman"/>
+        <a:font script="Uigh" typeface="Microsoft Uighur"/>
+        <a:font script="Geor" typeface="Sylfaen"/>
+      </a:majorFont>
+      <a:minorFont>
+        <a:latin typeface="Arial"/>
+        <a:ea typeface=""/>
+        <a:cs typeface=""/>
+        <a:font script="Jpan" typeface="ＭＳ Ｐゴシック"/>
+        <a:font script="Hang" typeface="맑은 고딕"/>
+        <a:font script="Hans" typeface="宋体"/>
+        <a:font script="Hant" typeface="新細明體"/>
+        <a:font script="Arab" typeface="Arial"/>
+        <a:font script="Hebr" typeface="Arial"/>
+        <a:font script="Thai" typeface="Cordia New"/>
+        <a:font script="Ethi" typeface="Nyala"/>
+        <a:font script="Beng" typeface="Vrinda"/>
+        <a:font script="Gujr" typeface="Shruti"/>
+        <a:font script="Khmr" typeface="DaunPenh"/>
+        <a:font script="Knda" typeface="Tunga"/>
+        <a:font script="Guru" typeface="Raavi"/>
+        <a:font script="Cans" typeface="Euphemia"/>
+        <a:font script="Cher" typeface="Plantagenet Cherokee"/>
+        <a:font script="Yiii" typeface="Microsoft Yi Baiti"/>
+        <a:font script="Tibt" typeface="Microsoft Himalaya"/>
+        <a:font script="Thaa" typeface="MV Boli"/>
+        <a:font script="Deva" typeface="Mangal"/>
+        <a:font script="Telu" typeface="Gautami"/>
+        <a:font script="Taml" typeface="Latha"/>
+        <a:font script="Syrc" typeface="Estrangelo Edessa"/>
+        <a:font script="Orya" typeface="Kalinga"/>
+        <a:font script="Mlym" typeface="Kartika"/>
+        <a:font script="Laoo" typeface="DokChampa"/>
+        <a:font script="Sinh" typeface="Iskoola Pota"/>
+        <a:font script="Mong" typeface="Mongolian Baiti"/>
+        <a:font script="Viet" typeface="Arial"/>
+        <a:font script="Uigh" typeface="Microsoft Uighur"/>
+        <a:font script="Geor" typeface="Sylfaen"/>
+      </a:minorFont>
+    </a:fontScheme>
+    <a:fmtScheme name="Office">
+      <a:fillStyleLst>
+        <a:solidFill>
+          <a:schemeClr val="phClr"/>
+        </a:solidFill>
+        <a:gradFill rotWithShape="1">
+          <a:gsLst>
+            <a:gs pos="0">
+              <a:schemeClr val="phClr">
+                <a:tint val="50000"/>
+                <a:satMod val="300000"/>
+              </a:schemeClr>
+            </a:gs>
+            <a:gs pos="35000">
+              <a:schemeClr val="phClr">
+                <a:tint val="37000"/>
+                <a:satMod val="300000"/>
+              </a:schemeClr>
+            </a:gs>
+            <a:gs pos="100000">
+              <a:schemeClr val="phClr">
+                <a:tint val="15000"/>
+                <a:satMod val="350000"/>
+              </a:schemeClr>
+            </a:gs>
+          </a:gsLst>
+          <a:lin ang="16200000" scaled="1"/>
+        </a:gradFill>
+        <a:gradFill rotWithShape="1">
+          <a:gsLst>
+            <a:gs pos="0">
+              <a:schemeClr val="phClr">
+                <a:tint val="100000"/>
+                <a:shade val="100000"/>
+                <a:satMod val="130000"/>
+              </a:schemeClr>
+            </a:gs>
+            <a:gs pos="100000">
+              <a:schemeClr val="phClr">
+                <a:tint val="50000"/>
+                <a:shade val="100000"/>
+                <a:satMod val="350000"/>
+              </a:schemeClr>
+            </a:gs>
+          </a:gsLst>
+          <a:lin ang="16200000" scaled="0"/>
+        </a:gradFill>
+      </a:fillStyleLst>
+      <a:lnStyleLst>
+        <a:ln w="9525" cap="flat" cmpd="sng" algn="ctr">
+          <a:solidFill>
+            <a:schemeClr val="phClr">
+              <a:shade val="95000"/>
+              <a:satMod val="105000"/>
+            </a:schemeClr>
+          </a:solidFill>
+          <a:prstDash val="solid"/>
+        </a:ln>
+        <a:ln w="25400" cap="flat" cmpd="sng" algn="ctr">
+          <a:solidFill>
+            <a:schemeClr val="phClr"/>
+          </a:solidFill>
+          <a:prstDash val="solid"/>
+        </a:ln>
+        <a:ln w="38100" cap="flat" cmpd="sng" algn="ctr">
+          <a:solidFill>
+            <a:schemeClr val="phClr"/>
+          </a:solidFill>
+          <a:prstDash val="solid"/>
+        </a:ln>
+      </a:lnStyleLst>
+      <a:effectStyleLst>
+        <a:effectStyle>
+          <a:effectLst>
+            <a:outerShdw blurRad="40000" dist="20000" dir="5400000" rotWithShape="0">
+              <a:srgbClr val="000000">
+                <a:alpha val="38000"/>
+              </a:srgbClr>
+            </a:outerShdw>
+          </a:effectLst>
+        </a:effectStyle>
+        <a:effectStyle>
+          <a:effectLst>
+            <a:outerShdw blurRad="40000" dist="23000" dir="5400000" rotWithShape="0">
+              <a:srgbClr val="000000">
+                <a:alpha val="35000"/>
+              </a:srgbClr>
+            </a:outerShdw>
+          </a:effectLst>
+        </a:effectStyle>
+        <a:effectStyle>
+          <a:effectLst>
+            <a:outerShdw blurRad="40000" dist="23000" dir="5400000" rotWithShape="0">
+              <a:srgbClr val="000000">
+                <a:alpha val="35000"/>
+              </a:srgbClr>
+            </a:outerShdw>
+          </a:effectLst>
+          <a:scene3d>
+            <a:camera prst="orthographicFront">
+              <a:rot lat="0" lon="0" rev="0"/>
+            </a:camera>
+            <a:lightRig rig="threePt" dir="t">
+              <a:rot lat="0" lon="0" rev="1200000"/>
+            </a:lightRig>
+          </a:scene3d>
+          <a:sp3d>
+            <a:bevelT w="63500" h="25400"/>
+          </a:sp3d>
+        </a:effectStyle>
+      </a:effectStyleLst>
+      <a:bgFillStyleLst>
+        <a:solidFill>
+          <a:schemeClr val="phClr"/>
+        </a:solidFill>
+        <a:gradFill rotWithShape="1">
+          <a:gsLst>
+            <a:gs pos="0">
+              <a:schemeClr val="phClr">
+                <a:tint val="40000"/>
+                <a:satMod val="350000"/>
+              </a:schemeClr>
+            </a:gs>
+            <a:gs pos="40000">
+              <a:schemeClr val="phClr">
+                <a:tint val="45000"/>
+                <a:shade val="99000"/>
+                <a:satMod val="350000"/>
+              </a:schemeClr>
+            </a:gs>
+            <a:gs pos="100000">
+              <a:schemeClr val="phClr">
+                <a:shade val="20000"/>
+                <a:satMod val="255000"/>
+              </a:schemeClr>
+            </a:gs>
+          </a:gsLst>
+          <a:path path="circle">
+            <a:fillToRect l="50000" t="-80000" r="50000" b="180000"/>
+          </a:path>
+        </a:gradFill>
+        <a:gradFill rotWithShape="1">
+          <a:gsLst>
+            <a:gs pos="0">
+              <a:schemeClr val="phClr">
+                <a:tint val="80000"/>
+                <a:satMod val="300000"/>
+              </a:schemeClr>
+            </a:gs>
+            <a:gs pos="100000">
+              <a:schemeClr val="phClr">
+                <a:shade val="30000"/>
+                <a:satMod val="200000"/>
+              </a:schemeClr>
+            </a:gs>
+          </a:gsLst>
+          <a:path path="circle">
+            <a:fillToRect l="50000" t="50000" r="50000" b="50000"/>
+          </a:path>
+        </a:gradFill>
+      </a:bgFillStyleLst>
+    </a:fmtScheme>
+  </a:themeElements>
+</a:theme>
+</file>
+
+<file path=ppt/theme/theme2.xml><?xml version="1.0" encoding="utf-8"?>
 <a:theme xmlns:a="http://schemas.openxmlformats.org/drawingml/2006/main" xmlns:r="http://schemas.openxmlformats.org/officeDocument/2006/relationships" name="uni_basel_V04_de">
   <a:themeElements>
     <a:clrScheme name="Uni Basel">
@@ -23253,283 +23563,4 @@
     </a:fmtScheme>
   </a:themeElements>
 </a:theme>
-</file>
-
-<file path=ppt/theme/theme2.xml><?xml version="1.0" encoding="utf-8"?>
-<a:theme xmlns:a="http://schemas.openxmlformats.org/drawingml/2006/main" xmlns:r="http://schemas.openxmlformats.org/officeDocument/2006/relationships" name="Larissa">
-  <a:themeElements>
-    <a:clrScheme name="Larissa">
-      <a:dk1>
-        <a:srgbClr val="000000"/>
-      </a:dk1>
-      <a:lt1>
-        <a:srgbClr val="FFFFFF"/>
-      </a:lt1>
-      <a:dk2>
-        <a:srgbClr val="1F497D"/>
-      </a:dk2>
-      <a:lt2>
-        <a:srgbClr val="EEECE1"/>
-      </a:lt2>
-      <a:accent1>
-        <a:srgbClr val="4F81BD"/>
-      </a:accent1>
-      <a:accent2>
-        <a:srgbClr val="C0504D"/>
-      </a:accent2>
-      <a:accent3>
-        <a:srgbClr val="9BBB59"/>
-      </a:accent3>
-      <a:accent4>
-        <a:srgbClr val="8064A2"/>
-      </a:accent4>
-      <a:accent5>
-        <a:srgbClr val="4BACC6"/>
-      </a:accent5>
-      <a:accent6>
-        <a:srgbClr val="F79646"/>
-      </a:accent6>
-      <a:hlink>
-        <a:srgbClr val="0000FF"/>
-      </a:hlink>
-      <a:folHlink>
-        <a:srgbClr val="800080"/>
-      </a:folHlink>
-    </a:clrScheme>
-    <a:fontScheme name="Office">
-      <a:majorFont>
-        <a:latin typeface="Arial"/>
-        <a:ea typeface=""/>
-        <a:cs typeface=""/>
-        <a:font script="Jpan" typeface="ＭＳ Ｐゴシック"/>
-        <a:font script="Hang" typeface="맑은 고딕"/>
-        <a:font script="Hans" typeface="宋体"/>
-        <a:font script="Hant" typeface="新細明體"/>
-        <a:font script="Arab" typeface="Times New Roman"/>
-        <a:font script="Hebr" typeface="Times New Roman"/>
-        <a:font script="Thai" typeface="Angsana New"/>
-        <a:font script="Ethi" typeface="Nyala"/>
-        <a:font script="Beng" typeface="Vrinda"/>
-        <a:font script="Gujr" typeface="Shruti"/>
-        <a:font script="Khmr" typeface="MoolBoran"/>
-        <a:font script="Knda" typeface="Tunga"/>
-        <a:font script="Guru" typeface="Raavi"/>
-        <a:font script="Cans" typeface="Euphemia"/>
-        <a:font script="Cher" typeface="Plantagenet Cherokee"/>
-        <a:font script="Yiii" typeface="Microsoft Yi Baiti"/>
-        <a:font script="Tibt" typeface="Microsoft Himalaya"/>
-        <a:font script="Thaa" typeface="MV Boli"/>
-        <a:font script="Deva" typeface="Mangal"/>
-        <a:font script="Telu" typeface="Gautami"/>
-        <a:font script="Taml" typeface="Latha"/>
-        <a:font script="Syrc" typeface="Estrangelo Edessa"/>
-        <a:font script="Orya" typeface="Kalinga"/>
-        <a:font script="Mlym" typeface="Kartika"/>
-        <a:font script="Laoo" typeface="DokChampa"/>
-        <a:font script="Sinh" typeface="Iskoola Pota"/>
-        <a:font script="Mong" typeface="Mongolian Baiti"/>
-        <a:font script="Viet" typeface="Times New Roman"/>
-        <a:font script="Uigh" typeface="Microsoft Uighur"/>
-        <a:font script="Geor" typeface="Sylfaen"/>
-      </a:majorFont>
-      <a:minorFont>
-        <a:latin typeface="Arial"/>
-        <a:ea typeface=""/>
-        <a:cs typeface=""/>
-        <a:font script="Jpan" typeface="ＭＳ Ｐゴシック"/>
-        <a:font script="Hang" typeface="맑은 고딕"/>
-        <a:font script="Hans" typeface="宋体"/>
-        <a:font script="Hant" typeface="新細明體"/>
-        <a:font script="Arab" typeface="Arial"/>
-        <a:font script="Hebr" typeface="Arial"/>
-        <a:font script="Thai" typeface="Cordia New"/>
-        <a:font script="Ethi" typeface="Nyala"/>
-        <a:font script="Beng" typeface="Vrinda"/>
-        <a:font script="Gujr" typeface="Shruti"/>
-        <a:font script="Khmr" typeface="DaunPenh"/>
-        <a:font script="Knda" typeface="Tunga"/>
-        <a:font script="Guru" typeface="Raavi"/>
-        <a:font script="Cans" typeface="Euphemia"/>
-        <a:font script="Cher" typeface="Plantagenet Cherokee"/>
-        <a:font script="Yiii" typeface="Microsoft Yi Baiti"/>
-        <a:font script="Tibt" typeface="Microsoft Himalaya"/>
-        <a:font script="Thaa" typeface="MV Boli"/>
-        <a:font script="Deva" typeface="Mangal"/>
-        <a:font script="Telu" typeface="Gautami"/>
-        <a:font script="Taml" typeface="Latha"/>
-        <a:font script="Syrc" typeface="Estrangelo Edessa"/>
-        <a:font script="Orya" typeface="Kalinga"/>
-        <a:font script="Mlym" typeface="Kartika"/>
-        <a:font script="Laoo" typeface="DokChampa"/>
-        <a:font script="Sinh" typeface="Iskoola Pota"/>
-        <a:font script="Mong" typeface="Mongolian Baiti"/>
-        <a:font script="Viet" typeface="Arial"/>
-        <a:font script="Uigh" typeface="Microsoft Uighur"/>
-        <a:font script="Geor" typeface="Sylfaen"/>
-      </a:minorFont>
-    </a:fontScheme>
-    <a:fmtScheme name="Office">
-      <a:fillStyleLst>
-        <a:solidFill>
-          <a:schemeClr val="phClr"/>
-        </a:solidFill>
-        <a:gradFill rotWithShape="1">
-          <a:gsLst>
-            <a:gs pos="0">
-              <a:schemeClr val="phClr">
-                <a:tint val="50000"/>
-                <a:satMod val="300000"/>
-              </a:schemeClr>
-            </a:gs>
-            <a:gs pos="35000">
-              <a:schemeClr val="phClr">
-                <a:tint val="37000"/>
-                <a:satMod val="300000"/>
-              </a:schemeClr>
-            </a:gs>
-            <a:gs pos="100000">
-              <a:schemeClr val="phClr">
-                <a:tint val="15000"/>
-                <a:satMod val="350000"/>
-              </a:schemeClr>
-            </a:gs>
-          </a:gsLst>
-          <a:lin ang="16200000" scaled="1"/>
-        </a:gradFill>
-        <a:gradFill rotWithShape="1">
-          <a:gsLst>
-            <a:gs pos="0">
-              <a:schemeClr val="phClr">
-                <a:tint val="100000"/>
-                <a:shade val="100000"/>
-                <a:satMod val="130000"/>
-              </a:schemeClr>
-            </a:gs>
-            <a:gs pos="100000">
-              <a:schemeClr val="phClr">
-                <a:tint val="50000"/>
-                <a:shade val="100000"/>
-                <a:satMod val="350000"/>
-              </a:schemeClr>
-            </a:gs>
-          </a:gsLst>
-          <a:lin ang="16200000" scaled="0"/>
-        </a:gradFill>
-      </a:fillStyleLst>
-      <a:lnStyleLst>
-        <a:ln w="9525" cap="flat" cmpd="sng" algn="ctr">
-          <a:solidFill>
-            <a:schemeClr val="phClr">
-              <a:shade val="95000"/>
-              <a:satMod val="105000"/>
-            </a:schemeClr>
-          </a:solidFill>
-          <a:prstDash val="solid"/>
-        </a:ln>
-        <a:ln w="25400" cap="flat" cmpd="sng" algn="ctr">
-          <a:solidFill>
-            <a:schemeClr val="phClr"/>
-          </a:solidFill>
-          <a:prstDash val="solid"/>
-        </a:ln>
-        <a:ln w="38100" cap="flat" cmpd="sng" algn="ctr">
-          <a:solidFill>
-            <a:schemeClr val="phClr"/>
-          </a:solidFill>
-          <a:prstDash val="solid"/>
-        </a:ln>
-      </a:lnStyleLst>
-      <a:effectStyleLst>
-        <a:effectStyle>
-          <a:effectLst>
-            <a:outerShdw blurRad="40000" dist="20000" dir="5400000" rotWithShape="0">
-              <a:srgbClr val="000000">
-                <a:alpha val="38000"/>
-              </a:srgbClr>
-            </a:outerShdw>
-          </a:effectLst>
-        </a:effectStyle>
-        <a:effectStyle>
-          <a:effectLst>
-            <a:outerShdw blurRad="40000" dist="23000" dir="5400000" rotWithShape="0">
-              <a:srgbClr val="000000">
-                <a:alpha val="35000"/>
-              </a:srgbClr>
-            </a:outerShdw>
-          </a:effectLst>
-        </a:effectStyle>
-        <a:effectStyle>
-          <a:effectLst>
-            <a:outerShdw blurRad="40000" dist="23000" dir="5400000" rotWithShape="0">
-              <a:srgbClr val="000000">
-                <a:alpha val="35000"/>
-              </a:srgbClr>
-            </a:outerShdw>
-          </a:effectLst>
-          <a:scene3d>
-            <a:camera prst="orthographicFront">
-              <a:rot lat="0" lon="0" rev="0"/>
-            </a:camera>
-            <a:lightRig rig="threePt" dir="t">
-              <a:rot lat="0" lon="0" rev="1200000"/>
-            </a:lightRig>
-          </a:scene3d>
-          <a:sp3d>
-            <a:bevelT w="63500" h="25400"/>
-          </a:sp3d>
-        </a:effectStyle>
-      </a:effectStyleLst>
-      <a:bgFillStyleLst>
-        <a:solidFill>
-          <a:schemeClr val="phClr"/>
-        </a:solidFill>
-        <a:gradFill rotWithShape="1">
-          <a:gsLst>
-            <a:gs pos="0">
-              <a:schemeClr val="phClr">
-                <a:tint val="40000"/>
-                <a:satMod val="350000"/>
-              </a:schemeClr>
-            </a:gs>
-            <a:gs pos="40000">
-              <a:schemeClr val="phClr">
-                <a:tint val="45000"/>
-                <a:shade val="99000"/>
-                <a:satMod val="350000"/>
-              </a:schemeClr>
-            </a:gs>
-            <a:gs pos="100000">
-              <a:schemeClr val="phClr">
-                <a:shade val="20000"/>
-                <a:satMod val="255000"/>
-              </a:schemeClr>
-            </a:gs>
-          </a:gsLst>
-          <a:path path="circle">
-            <a:fillToRect l="50000" t="-80000" r="50000" b="180000"/>
-          </a:path>
-        </a:gradFill>
-        <a:gradFill rotWithShape="1">
-          <a:gsLst>
-            <a:gs pos="0">
-              <a:schemeClr val="phClr">
-                <a:tint val="80000"/>
-                <a:satMod val="300000"/>
-              </a:schemeClr>
-            </a:gs>
-            <a:gs pos="100000">
-              <a:schemeClr val="phClr">
-                <a:shade val="30000"/>
-                <a:satMod val="200000"/>
-              </a:schemeClr>
-            </a:gs>
-          </a:gsLst>
-          <a:path path="circle">
-            <a:fillToRect l="50000" t="50000" r="50000" b="50000"/>
-          </a:path>
-        </a:gradFill>
-      </a:bgFillStyleLst>
-    </a:fmtScheme>
-  </a:themeElements>
-</a:theme>
 </file>
--- a/docs/presentation/Final Fingerprint Lock with LCD Display.pptx
+++ b/docs/presentation/Final Fingerprint Lock with LCD Display.pptx
@@ -19,6 +19,13 @@
     <p:sldId id="264" r:id="rId14"/>
     <p:sldId id="265" r:id="rId15"/>
     <p:sldId id="266" r:id="rId16"/>
+    <p:sldId id="267" r:id="rId17"/>
+    <p:sldId id="268" r:id="rId18"/>
+    <p:sldId id="269" r:id="rId19"/>
+    <p:sldId id="270" r:id="rId20"/>
+    <p:sldId id="271" r:id="rId21"/>
+    <p:sldId id="272" r:id="rId22"/>
+    <p:sldId id="273" r:id="rId23"/>
   </p:sldIdLst>
   <p:sldSz cy="6858000" cx="12192000"/>
   <p:notesSz cx="7099300" cy="10234600"/>
@@ -462,7 +469,7 @@
       </p15:sldGuideLst>
     </p:ext>
     <p:ext uri="GoogleSlidesCustomDataVersion2">
-      <go:slidesCustomData xmlns:go="http://customooxmlschemas.google.com/" r:id="rId17" roundtripDataSignature="AMtx7mgBZyKIN+dvPdAx29x7niWDIxWAzA=="/>
+      <go:slidesCustomData xmlns:go="http://customooxmlschemas.google.com/" r:id="rId24" roundtripDataSignature="AMtx7mh7/X7KvN5OwV2SUw9CbGYMfP3vPA=="/>
     </p:ext>
   </p:extLst>
 </p:presentation>
@@ -2032,7 +2039,7 @@
       </p:grpSpPr>
       <p:sp>
         <p:nvSpPr>
-          <p:cNvPr id="200" name="Google Shape;200;g2af3d7fb70e_0_28:notes"/>
+          <p:cNvPr id="200" name="Google Shape;200;g2af3d7fb70e_0_19:notes"/>
           <p:cNvSpPr/>
           <p:nvPr>
             <p:ph idx="2" type="sldImg"/>
@@ -2077,7 +2084,7 @@
       </p:sp>
       <p:sp>
         <p:nvSpPr>
-          <p:cNvPr id="201" name="Google Shape;201;g2af3d7fb70e_0_28:notes"/>
+          <p:cNvPr id="201" name="Google Shape;201;g2af3d7fb70e_0_19:notes"/>
           <p:cNvSpPr txBox="1"/>
           <p:nvPr>
             <p:ph idx="1" type="body"/>
@@ -2124,7 +2131,7 @@
       </p:sp>
       <p:sp>
         <p:nvSpPr>
-          <p:cNvPr id="202" name="Google Shape;202;g2af3d7fb70e_0_28:notes"/>
+          <p:cNvPr id="202" name="Google Shape;202;g2af3d7fb70e_0_19:notes"/>
           <p:cNvSpPr txBox="1"/>
           <p:nvPr>
             <p:ph idx="12" type="sldNum"/>
@@ -2187,7 +2194,7 @@
   <p:cSld>
     <p:spTree>
       <p:nvGrpSpPr>
-        <p:cNvPr id="209" name="Shape 209"/>
+        <p:cNvPr id="210" name="Shape 210"/>
         <p:cNvGrpSpPr/>
         <p:nvPr/>
       </p:nvGrpSpPr>
@@ -2201,7 +2208,1190 @@
       </p:grpSpPr>
       <p:sp>
         <p:nvSpPr>
-          <p:cNvPr id="210" name="Google Shape;210;p27:notes"/>
+          <p:cNvPr id="211" name="Google Shape;211;g327601c541b_0_78:notes"/>
+          <p:cNvSpPr/>
+          <p:nvPr>
+            <p:ph idx="2" type="sldImg"/>
+          </p:nvPr>
+        </p:nvSpPr>
+        <p:spPr>
+          <a:xfrm>
+            <a:off x="139700" y="768350"/>
+            <a:ext cx="6819900" cy="3837000"/>
+          </a:xfrm>
+          <a:custGeom>
+            <a:rect b="b" l="l" r="r" t="t"/>
+            <a:pathLst>
+              <a:path extrusionOk="0" h="120000" w="120000">
+                <a:moveTo>
+                  <a:pt x="0" y="0"/>
+                </a:moveTo>
+                <a:lnTo>
+                  <a:pt x="120000" y="0"/>
+                </a:lnTo>
+                <a:lnTo>
+                  <a:pt x="120000" y="120000"/>
+                </a:lnTo>
+                <a:lnTo>
+                  <a:pt x="0" y="120000"/>
+                </a:lnTo>
+                <a:close/>
+              </a:path>
+            </a:pathLst>
+          </a:custGeom>
+          <a:noFill/>
+          <a:ln cap="flat" cmpd="sng" w="12700">
+            <a:solidFill>
+              <a:srgbClr val="000000"/>
+            </a:solidFill>
+            <a:prstDash val="solid"/>
+            <a:round/>
+            <a:headEnd len="sm" w="sm" type="none"/>
+            <a:tailEnd len="sm" w="sm" type="none"/>
+          </a:ln>
+        </p:spPr>
+      </p:sp>
+      <p:sp>
+        <p:nvSpPr>
+          <p:cNvPr id="212" name="Google Shape;212;g327601c541b_0_78:notes"/>
+          <p:cNvSpPr txBox="1"/>
+          <p:nvPr>
+            <p:ph idx="1" type="body"/>
+          </p:nvPr>
+        </p:nvSpPr>
+        <p:spPr>
+          <a:xfrm>
+            <a:off x="709930" y="4861441"/>
+            <a:ext cx="5679300" cy="4605600"/>
+          </a:xfrm>
+          <a:prstGeom prst="rect">
+            <a:avLst/>
+          </a:prstGeom>
+          <a:noFill/>
+          <a:ln>
+            <a:noFill/>
+          </a:ln>
+        </p:spPr>
+        <p:txBody>
+          <a:bodyPr anchorCtr="0" anchor="t" bIns="49500" lIns="99025" spcFirstLastPara="1" rIns="99025" wrap="square" tIns="49500">
+            <a:noAutofit/>
+          </a:bodyPr>
+          <a:lstStyle/>
+          <a:p>
+            <a:pPr indent="0" lvl="0" marL="0" rtl="0" algn="l">
+              <a:lnSpc>
+                <a:spcPct val="100000"/>
+              </a:lnSpc>
+              <a:spcBef>
+                <a:spcPts val="0"/>
+              </a:spcBef>
+              <a:spcAft>
+                <a:spcPts val="0"/>
+              </a:spcAft>
+              <a:buSzPts val="1400"/>
+              <a:buNone/>
+            </a:pPr>
+            <a:r>
+              <a:t/>
+            </a:r>
+            <a:endParaRPr/>
+          </a:p>
+        </p:txBody>
+      </p:sp>
+      <p:sp>
+        <p:nvSpPr>
+          <p:cNvPr id="213" name="Google Shape;213;g327601c541b_0_78:notes"/>
+          <p:cNvSpPr txBox="1"/>
+          <p:nvPr>
+            <p:ph idx="12" type="sldNum"/>
+          </p:nvPr>
+        </p:nvSpPr>
+        <p:spPr>
+          <a:xfrm>
+            <a:off x="4021294" y="9721106"/>
+            <a:ext cx="3076500" cy="511800"/>
+          </a:xfrm>
+          <a:prstGeom prst="rect">
+            <a:avLst/>
+          </a:prstGeom>
+          <a:noFill/>
+          <a:ln>
+            <a:noFill/>
+          </a:ln>
+        </p:spPr>
+        <p:txBody>
+          <a:bodyPr anchorCtr="0" anchor="b" bIns="49500" lIns="99025" spcFirstLastPara="1" rIns="99025" wrap="square" tIns="49500">
+            <a:noAutofit/>
+          </a:bodyPr>
+          <a:lstStyle/>
+          <a:p>
+            <a:pPr indent="0" lvl="0" marL="0" rtl="0" algn="r">
+              <a:lnSpc>
+                <a:spcPct val="100000"/>
+              </a:lnSpc>
+              <a:spcBef>
+                <a:spcPts val="0"/>
+              </a:spcBef>
+              <a:spcAft>
+                <a:spcPts val="0"/>
+              </a:spcAft>
+              <a:buClr>
+                <a:srgbClr val="000000"/>
+              </a:buClr>
+              <a:buSzPts val="1300"/>
+              <a:buFont typeface="Arial"/>
+              <a:buNone/>
+            </a:pPr>
+            <a:fld id="{00000000-1234-1234-1234-123412341234}" type="slidenum">
+              <a:rPr lang="de-CH"/>
+              <a:t>‹#›</a:t>
+            </a:fld>
+            <a:endParaRPr/>
+          </a:p>
+        </p:txBody>
+      </p:sp>
+    </p:spTree>
+  </p:cSld>
+  <p:clrMapOvr>
+    <a:masterClrMapping/>
+  </p:clrMapOvr>
+</p:notes>
+</file>
+
+<file path=ppt/notesSlides/notesSlide12.xml><?xml version="1.0" encoding="utf-8"?>
+<p:notes xmlns:a="http://schemas.openxmlformats.org/drawingml/2006/main" xmlns:r="http://schemas.openxmlformats.org/officeDocument/2006/relationships" xmlns:mc="http://schemas.openxmlformats.org/markup-compatibility/2006" xmlns:mv="urn:schemas-microsoft-com:mac:vml" xmlns:p="http://schemas.openxmlformats.org/presentationml/2006/main" xmlns:c="http://schemas.openxmlformats.org/drawingml/2006/chart" xmlns:dgm="http://schemas.openxmlformats.org/drawingml/2006/diagram" xmlns:o="urn:schemas-microsoft-com:office:office" xmlns:v="urn:schemas-microsoft-com:vml" xmlns:pvml="urn:schemas-microsoft-com:office:powerpoint" xmlns:com="http://schemas.openxmlformats.org/drawingml/2006/compatibility" xmlns:p14="http://schemas.microsoft.com/office/powerpoint/2010/main" xmlns:p15="http://schemas.microsoft.com/office/powerpoint/2012/main" xmlns:ahyp="http://schemas.microsoft.com/office/drawing/2018/hyperlinkcolor" showMasterPhAnim="0" showMasterSp="0">
+  <p:cSld>
+    <p:spTree>
+      <p:nvGrpSpPr>
+        <p:cNvPr id="222" name="Shape 222"/>
+        <p:cNvGrpSpPr/>
+        <p:nvPr/>
+      </p:nvGrpSpPr>
+      <p:grpSpPr>
+        <a:xfrm>
+          <a:off x="0" y="0"/>
+          <a:ext cx="0" cy="0"/>
+          <a:chOff x="0" y="0"/>
+          <a:chExt cx="0" cy="0"/>
+        </a:xfrm>
+      </p:grpSpPr>
+      <p:sp>
+        <p:nvSpPr>
+          <p:cNvPr id="223" name="Google Shape;223;g327601c541b_0_24:notes"/>
+          <p:cNvSpPr/>
+          <p:nvPr>
+            <p:ph idx="2" type="sldImg"/>
+          </p:nvPr>
+        </p:nvSpPr>
+        <p:spPr>
+          <a:xfrm>
+            <a:off x="139700" y="768350"/>
+            <a:ext cx="6819900" cy="3837000"/>
+          </a:xfrm>
+          <a:custGeom>
+            <a:rect b="b" l="l" r="r" t="t"/>
+            <a:pathLst>
+              <a:path extrusionOk="0" h="120000" w="120000">
+                <a:moveTo>
+                  <a:pt x="0" y="0"/>
+                </a:moveTo>
+                <a:lnTo>
+                  <a:pt x="120000" y="0"/>
+                </a:lnTo>
+                <a:lnTo>
+                  <a:pt x="120000" y="120000"/>
+                </a:lnTo>
+                <a:lnTo>
+                  <a:pt x="0" y="120000"/>
+                </a:lnTo>
+                <a:close/>
+              </a:path>
+            </a:pathLst>
+          </a:custGeom>
+          <a:noFill/>
+          <a:ln cap="flat" cmpd="sng" w="12700">
+            <a:solidFill>
+              <a:srgbClr val="000000"/>
+            </a:solidFill>
+            <a:prstDash val="solid"/>
+            <a:round/>
+            <a:headEnd len="sm" w="sm" type="none"/>
+            <a:tailEnd len="sm" w="sm" type="none"/>
+          </a:ln>
+        </p:spPr>
+      </p:sp>
+      <p:sp>
+        <p:nvSpPr>
+          <p:cNvPr id="224" name="Google Shape;224;g327601c541b_0_24:notes"/>
+          <p:cNvSpPr txBox="1"/>
+          <p:nvPr>
+            <p:ph idx="1" type="body"/>
+          </p:nvPr>
+        </p:nvSpPr>
+        <p:spPr>
+          <a:xfrm>
+            <a:off x="709930" y="4861441"/>
+            <a:ext cx="5679300" cy="4605600"/>
+          </a:xfrm>
+          <a:prstGeom prst="rect">
+            <a:avLst/>
+          </a:prstGeom>
+          <a:noFill/>
+          <a:ln>
+            <a:noFill/>
+          </a:ln>
+        </p:spPr>
+        <p:txBody>
+          <a:bodyPr anchorCtr="0" anchor="t" bIns="49500" lIns="99025" spcFirstLastPara="1" rIns="99025" wrap="square" tIns="49500">
+            <a:noAutofit/>
+          </a:bodyPr>
+          <a:lstStyle/>
+          <a:p>
+            <a:pPr indent="0" lvl="0" marL="0" rtl="0" algn="l">
+              <a:lnSpc>
+                <a:spcPct val="100000"/>
+              </a:lnSpc>
+              <a:spcBef>
+                <a:spcPts val="0"/>
+              </a:spcBef>
+              <a:spcAft>
+                <a:spcPts val="0"/>
+              </a:spcAft>
+              <a:buSzPts val="1400"/>
+              <a:buNone/>
+            </a:pPr>
+            <a:r>
+              <a:t/>
+            </a:r>
+            <a:endParaRPr/>
+          </a:p>
+        </p:txBody>
+      </p:sp>
+      <p:sp>
+        <p:nvSpPr>
+          <p:cNvPr id="225" name="Google Shape;225;g327601c541b_0_24:notes"/>
+          <p:cNvSpPr txBox="1"/>
+          <p:nvPr>
+            <p:ph idx="12" type="sldNum"/>
+          </p:nvPr>
+        </p:nvSpPr>
+        <p:spPr>
+          <a:xfrm>
+            <a:off x="4021294" y="9721106"/>
+            <a:ext cx="3076500" cy="511800"/>
+          </a:xfrm>
+          <a:prstGeom prst="rect">
+            <a:avLst/>
+          </a:prstGeom>
+          <a:noFill/>
+          <a:ln>
+            <a:noFill/>
+          </a:ln>
+        </p:spPr>
+        <p:txBody>
+          <a:bodyPr anchorCtr="0" anchor="b" bIns="49500" lIns="99025" spcFirstLastPara="1" rIns="99025" wrap="square" tIns="49500">
+            <a:noAutofit/>
+          </a:bodyPr>
+          <a:lstStyle/>
+          <a:p>
+            <a:pPr indent="0" lvl="0" marL="0" rtl="0" algn="r">
+              <a:lnSpc>
+                <a:spcPct val="100000"/>
+              </a:lnSpc>
+              <a:spcBef>
+                <a:spcPts val="0"/>
+              </a:spcBef>
+              <a:spcAft>
+                <a:spcPts val="0"/>
+              </a:spcAft>
+              <a:buClr>
+                <a:srgbClr val="000000"/>
+              </a:buClr>
+              <a:buSzPts val="1300"/>
+              <a:buFont typeface="Arial"/>
+              <a:buNone/>
+            </a:pPr>
+            <a:fld id="{00000000-1234-1234-1234-123412341234}" type="slidenum">
+              <a:rPr lang="de-CH"/>
+              <a:t>‹#›</a:t>
+            </a:fld>
+            <a:endParaRPr/>
+          </a:p>
+        </p:txBody>
+      </p:sp>
+    </p:spTree>
+  </p:cSld>
+  <p:clrMapOvr>
+    <a:masterClrMapping/>
+  </p:clrMapOvr>
+</p:notes>
+</file>
+
+<file path=ppt/notesSlides/notesSlide13.xml><?xml version="1.0" encoding="utf-8"?>
+<p:notes xmlns:a="http://schemas.openxmlformats.org/drawingml/2006/main" xmlns:r="http://schemas.openxmlformats.org/officeDocument/2006/relationships" xmlns:mc="http://schemas.openxmlformats.org/markup-compatibility/2006" xmlns:mv="urn:schemas-microsoft-com:mac:vml" xmlns:p="http://schemas.openxmlformats.org/presentationml/2006/main" xmlns:c="http://schemas.openxmlformats.org/drawingml/2006/chart" xmlns:dgm="http://schemas.openxmlformats.org/drawingml/2006/diagram" xmlns:o="urn:schemas-microsoft-com:office:office" xmlns:v="urn:schemas-microsoft-com:vml" xmlns:pvml="urn:schemas-microsoft-com:office:powerpoint" xmlns:com="http://schemas.openxmlformats.org/drawingml/2006/compatibility" xmlns:p14="http://schemas.microsoft.com/office/powerpoint/2010/main" xmlns:p15="http://schemas.microsoft.com/office/powerpoint/2012/main" xmlns:ahyp="http://schemas.microsoft.com/office/drawing/2018/hyperlinkcolor" showMasterPhAnim="0" showMasterSp="0">
+  <p:cSld>
+    <p:spTree>
+      <p:nvGrpSpPr>
+        <p:cNvPr id="235" name="Shape 235"/>
+        <p:cNvGrpSpPr/>
+        <p:nvPr/>
+      </p:nvGrpSpPr>
+      <p:grpSpPr>
+        <a:xfrm>
+          <a:off x="0" y="0"/>
+          <a:ext cx="0" cy="0"/>
+          <a:chOff x="0" y="0"/>
+          <a:chExt cx="0" cy="0"/>
+        </a:xfrm>
+      </p:grpSpPr>
+      <p:sp>
+        <p:nvSpPr>
+          <p:cNvPr id="236" name="Google Shape;236;g327601c541b_0_89:notes"/>
+          <p:cNvSpPr/>
+          <p:nvPr>
+            <p:ph idx="2" type="sldImg"/>
+          </p:nvPr>
+        </p:nvSpPr>
+        <p:spPr>
+          <a:xfrm>
+            <a:off x="139700" y="768350"/>
+            <a:ext cx="6819900" cy="3837000"/>
+          </a:xfrm>
+          <a:custGeom>
+            <a:rect b="b" l="l" r="r" t="t"/>
+            <a:pathLst>
+              <a:path extrusionOk="0" h="120000" w="120000">
+                <a:moveTo>
+                  <a:pt x="0" y="0"/>
+                </a:moveTo>
+                <a:lnTo>
+                  <a:pt x="120000" y="0"/>
+                </a:lnTo>
+                <a:lnTo>
+                  <a:pt x="120000" y="120000"/>
+                </a:lnTo>
+                <a:lnTo>
+                  <a:pt x="0" y="120000"/>
+                </a:lnTo>
+                <a:close/>
+              </a:path>
+            </a:pathLst>
+          </a:custGeom>
+          <a:noFill/>
+          <a:ln cap="flat" cmpd="sng" w="12700">
+            <a:solidFill>
+              <a:srgbClr val="000000"/>
+            </a:solidFill>
+            <a:prstDash val="solid"/>
+            <a:round/>
+            <a:headEnd len="sm" w="sm" type="none"/>
+            <a:tailEnd len="sm" w="sm" type="none"/>
+          </a:ln>
+        </p:spPr>
+      </p:sp>
+      <p:sp>
+        <p:nvSpPr>
+          <p:cNvPr id="237" name="Google Shape;237;g327601c541b_0_89:notes"/>
+          <p:cNvSpPr txBox="1"/>
+          <p:nvPr>
+            <p:ph idx="1" type="body"/>
+          </p:nvPr>
+        </p:nvSpPr>
+        <p:spPr>
+          <a:xfrm>
+            <a:off x="709930" y="4861441"/>
+            <a:ext cx="5679300" cy="4605600"/>
+          </a:xfrm>
+          <a:prstGeom prst="rect">
+            <a:avLst/>
+          </a:prstGeom>
+          <a:noFill/>
+          <a:ln>
+            <a:noFill/>
+          </a:ln>
+        </p:spPr>
+        <p:txBody>
+          <a:bodyPr anchorCtr="0" anchor="t" bIns="49500" lIns="99025" spcFirstLastPara="1" rIns="99025" wrap="square" tIns="49500">
+            <a:noAutofit/>
+          </a:bodyPr>
+          <a:lstStyle/>
+          <a:p>
+            <a:pPr indent="0" lvl="0" marL="0" rtl="0" algn="l">
+              <a:lnSpc>
+                <a:spcPct val="100000"/>
+              </a:lnSpc>
+              <a:spcBef>
+                <a:spcPts val="0"/>
+              </a:spcBef>
+              <a:spcAft>
+                <a:spcPts val="0"/>
+              </a:spcAft>
+              <a:buSzPts val="1400"/>
+              <a:buNone/>
+            </a:pPr>
+            <a:r>
+              <a:t/>
+            </a:r>
+            <a:endParaRPr/>
+          </a:p>
+        </p:txBody>
+      </p:sp>
+      <p:sp>
+        <p:nvSpPr>
+          <p:cNvPr id="238" name="Google Shape;238;g327601c541b_0_89:notes"/>
+          <p:cNvSpPr txBox="1"/>
+          <p:nvPr>
+            <p:ph idx="12" type="sldNum"/>
+          </p:nvPr>
+        </p:nvSpPr>
+        <p:spPr>
+          <a:xfrm>
+            <a:off x="4021294" y="9721106"/>
+            <a:ext cx="3076500" cy="511800"/>
+          </a:xfrm>
+          <a:prstGeom prst="rect">
+            <a:avLst/>
+          </a:prstGeom>
+          <a:noFill/>
+          <a:ln>
+            <a:noFill/>
+          </a:ln>
+        </p:spPr>
+        <p:txBody>
+          <a:bodyPr anchorCtr="0" anchor="b" bIns="49500" lIns="99025" spcFirstLastPara="1" rIns="99025" wrap="square" tIns="49500">
+            <a:noAutofit/>
+          </a:bodyPr>
+          <a:lstStyle/>
+          <a:p>
+            <a:pPr indent="0" lvl="0" marL="0" rtl="0" algn="r">
+              <a:lnSpc>
+                <a:spcPct val="100000"/>
+              </a:lnSpc>
+              <a:spcBef>
+                <a:spcPts val="0"/>
+              </a:spcBef>
+              <a:spcAft>
+                <a:spcPts val="0"/>
+              </a:spcAft>
+              <a:buClr>
+                <a:srgbClr val="000000"/>
+              </a:buClr>
+              <a:buSzPts val="1300"/>
+              <a:buFont typeface="Arial"/>
+              <a:buNone/>
+            </a:pPr>
+            <a:fld id="{00000000-1234-1234-1234-123412341234}" type="slidenum">
+              <a:rPr lang="de-CH"/>
+              <a:t>‹#›</a:t>
+            </a:fld>
+            <a:endParaRPr/>
+          </a:p>
+        </p:txBody>
+      </p:sp>
+    </p:spTree>
+  </p:cSld>
+  <p:clrMapOvr>
+    <a:masterClrMapping/>
+  </p:clrMapOvr>
+</p:notes>
+</file>
+
+<file path=ppt/notesSlides/notesSlide14.xml><?xml version="1.0" encoding="utf-8"?>
+<p:notes xmlns:a="http://schemas.openxmlformats.org/drawingml/2006/main" xmlns:r="http://schemas.openxmlformats.org/officeDocument/2006/relationships" xmlns:mc="http://schemas.openxmlformats.org/markup-compatibility/2006" xmlns:mv="urn:schemas-microsoft-com:mac:vml" xmlns:p="http://schemas.openxmlformats.org/presentationml/2006/main" xmlns:c="http://schemas.openxmlformats.org/drawingml/2006/chart" xmlns:dgm="http://schemas.openxmlformats.org/drawingml/2006/diagram" xmlns:o="urn:schemas-microsoft-com:office:office" xmlns:v="urn:schemas-microsoft-com:vml" xmlns:pvml="urn:schemas-microsoft-com:office:powerpoint" xmlns:com="http://schemas.openxmlformats.org/drawingml/2006/compatibility" xmlns:p14="http://schemas.microsoft.com/office/powerpoint/2010/main" xmlns:p15="http://schemas.microsoft.com/office/powerpoint/2012/main" xmlns:ahyp="http://schemas.microsoft.com/office/drawing/2018/hyperlinkcolor" showMasterPhAnim="0" showMasterSp="0">
+  <p:cSld>
+    <p:spTree>
+      <p:nvGrpSpPr>
+        <p:cNvPr id="247" name="Shape 247"/>
+        <p:cNvGrpSpPr/>
+        <p:nvPr/>
+      </p:nvGrpSpPr>
+      <p:grpSpPr>
+        <a:xfrm>
+          <a:off x="0" y="0"/>
+          <a:ext cx="0" cy="0"/>
+          <a:chOff x="0" y="0"/>
+          <a:chExt cx="0" cy="0"/>
+        </a:xfrm>
+      </p:grpSpPr>
+      <p:sp>
+        <p:nvSpPr>
+          <p:cNvPr id="248" name="Google Shape;248;g327601c541b_0_67:notes"/>
+          <p:cNvSpPr/>
+          <p:nvPr>
+            <p:ph idx="2" type="sldImg"/>
+          </p:nvPr>
+        </p:nvSpPr>
+        <p:spPr>
+          <a:xfrm>
+            <a:off x="139700" y="768350"/>
+            <a:ext cx="6819900" cy="3837000"/>
+          </a:xfrm>
+          <a:custGeom>
+            <a:rect b="b" l="l" r="r" t="t"/>
+            <a:pathLst>
+              <a:path extrusionOk="0" h="120000" w="120000">
+                <a:moveTo>
+                  <a:pt x="0" y="0"/>
+                </a:moveTo>
+                <a:lnTo>
+                  <a:pt x="120000" y="0"/>
+                </a:lnTo>
+                <a:lnTo>
+                  <a:pt x="120000" y="120000"/>
+                </a:lnTo>
+                <a:lnTo>
+                  <a:pt x="0" y="120000"/>
+                </a:lnTo>
+                <a:close/>
+              </a:path>
+            </a:pathLst>
+          </a:custGeom>
+          <a:noFill/>
+          <a:ln cap="flat" cmpd="sng" w="12700">
+            <a:solidFill>
+              <a:srgbClr val="000000"/>
+            </a:solidFill>
+            <a:prstDash val="solid"/>
+            <a:round/>
+            <a:headEnd len="sm" w="sm" type="none"/>
+            <a:tailEnd len="sm" w="sm" type="none"/>
+          </a:ln>
+        </p:spPr>
+      </p:sp>
+      <p:sp>
+        <p:nvSpPr>
+          <p:cNvPr id="249" name="Google Shape;249;g327601c541b_0_67:notes"/>
+          <p:cNvSpPr txBox="1"/>
+          <p:nvPr>
+            <p:ph idx="1" type="body"/>
+          </p:nvPr>
+        </p:nvSpPr>
+        <p:spPr>
+          <a:xfrm>
+            <a:off x="709930" y="4861441"/>
+            <a:ext cx="5679300" cy="4605600"/>
+          </a:xfrm>
+          <a:prstGeom prst="rect">
+            <a:avLst/>
+          </a:prstGeom>
+          <a:noFill/>
+          <a:ln>
+            <a:noFill/>
+          </a:ln>
+        </p:spPr>
+        <p:txBody>
+          <a:bodyPr anchorCtr="0" anchor="t" bIns="49500" lIns="99025" spcFirstLastPara="1" rIns="99025" wrap="square" tIns="49500">
+            <a:noAutofit/>
+          </a:bodyPr>
+          <a:lstStyle/>
+          <a:p>
+            <a:pPr indent="0" lvl="0" marL="0" rtl="0" algn="l">
+              <a:lnSpc>
+                <a:spcPct val="100000"/>
+              </a:lnSpc>
+              <a:spcBef>
+                <a:spcPts val="0"/>
+              </a:spcBef>
+              <a:spcAft>
+                <a:spcPts val="0"/>
+              </a:spcAft>
+              <a:buSzPts val="1400"/>
+              <a:buNone/>
+            </a:pPr>
+            <a:r>
+              <a:t/>
+            </a:r>
+            <a:endParaRPr/>
+          </a:p>
+        </p:txBody>
+      </p:sp>
+      <p:sp>
+        <p:nvSpPr>
+          <p:cNvPr id="250" name="Google Shape;250;g327601c541b_0_67:notes"/>
+          <p:cNvSpPr txBox="1"/>
+          <p:nvPr>
+            <p:ph idx="12" type="sldNum"/>
+          </p:nvPr>
+        </p:nvSpPr>
+        <p:spPr>
+          <a:xfrm>
+            <a:off x="4021294" y="9721106"/>
+            <a:ext cx="3076500" cy="511800"/>
+          </a:xfrm>
+          <a:prstGeom prst="rect">
+            <a:avLst/>
+          </a:prstGeom>
+          <a:noFill/>
+          <a:ln>
+            <a:noFill/>
+          </a:ln>
+        </p:spPr>
+        <p:txBody>
+          <a:bodyPr anchorCtr="0" anchor="b" bIns="49500" lIns="99025" spcFirstLastPara="1" rIns="99025" wrap="square" tIns="49500">
+            <a:noAutofit/>
+          </a:bodyPr>
+          <a:lstStyle/>
+          <a:p>
+            <a:pPr indent="0" lvl="0" marL="0" rtl="0" algn="r">
+              <a:lnSpc>
+                <a:spcPct val="100000"/>
+              </a:lnSpc>
+              <a:spcBef>
+                <a:spcPts val="0"/>
+              </a:spcBef>
+              <a:spcAft>
+                <a:spcPts val="0"/>
+              </a:spcAft>
+              <a:buClr>
+                <a:srgbClr val="000000"/>
+              </a:buClr>
+              <a:buSzPts val="1300"/>
+              <a:buFont typeface="Arial"/>
+              <a:buNone/>
+            </a:pPr>
+            <a:fld id="{00000000-1234-1234-1234-123412341234}" type="slidenum">
+              <a:rPr lang="de-CH"/>
+              <a:t>‹#›</a:t>
+            </a:fld>
+            <a:endParaRPr/>
+          </a:p>
+        </p:txBody>
+      </p:sp>
+    </p:spTree>
+  </p:cSld>
+  <p:clrMapOvr>
+    <a:masterClrMapping/>
+  </p:clrMapOvr>
+</p:notes>
+</file>
+
+<file path=ppt/notesSlides/notesSlide15.xml><?xml version="1.0" encoding="utf-8"?>
+<p:notes xmlns:a="http://schemas.openxmlformats.org/drawingml/2006/main" xmlns:r="http://schemas.openxmlformats.org/officeDocument/2006/relationships" xmlns:mc="http://schemas.openxmlformats.org/markup-compatibility/2006" xmlns:mv="urn:schemas-microsoft-com:mac:vml" xmlns:p="http://schemas.openxmlformats.org/presentationml/2006/main" xmlns:c="http://schemas.openxmlformats.org/drawingml/2006/chart" xmlns:dgm="http://schemas.openxmlformats.org/drawingml/2006/diagram" xmlns:o="urn:schemas-microsoft-com:office:office" xmlns:v="urn:schemas-microsoft-com:vml" xmlns:pvml="urn:schemas-microsoft-com:office:powerpoint" xmlns:com="http://schemas.openxmlformats.org/drawingml/2006/compatibility" xmlns:p14="http://schemas.microsoft.com/office/powerpoint/2010/main" xmlns:p15="http://schemas.microsoft.com/office/powerpoint/2012/main" xmlns:ahyp="http://schemas.microsoft.com/office/drawing/2018/hyperlinkcolor" showMasterPhAnim="0" showMasterSp="0">
+  <p:cSld>
+    <p:spTree>
+      <p:nvGrpSpPr>
+        <p:cNvPr id="259" name="Shape 259"/>
+        <p:cNvGrpSpPr/>
+        <p:nvPr/>
+      </p:nvGrpSpPr>
+      <p:grpSpPr>
+        <a:xfrm>
+          <a:off x="0" y="0"/>
+          <a:ext cx="0" cy="0"/>
+          <a:chOff x="0" y="0"/>
+          <a:chExt cx="0" cy="0"/>
+        </a:xfrm>
+      </p:grpSpPr>
+      <p:sp>
+        <p:nvSpPr>
+          <p:cNvPr id="260" name="Google Shape;260;g327601c541b_0_111:notes"/>
+          <p:cNvSpPr/>
+          <p:nvPr>
+            <p:ph idx="2" type="sldImg"/>
+          </p:nvPr>
+        </p:nvSpPr>
+        <p:spPr>
+          <a:xfrm>
+            <a:off x="139700" y="768350"/>
+            <a:ext cx="6819900" cy="3837000"/>
+          </a:xfrm>
+          <a:custGeom>
+            <a:rect b="b" l="l" r="r" t="t"/>
+            <a:pathLst>
+              <a:path extrusionOk="0" h="120000" w="120000">
+                <a:moveTo>
+                  <a:pt x="0" y="0"/>
+                </a:moveTo>
+                <a:lnTo>
+                  <a:pt x="120000" y="0"/>
+                </a:lnTo>
+                <a:lnTo>
+                  <a:pt x="120000" y="120000"/>
+                </a:lnTo>
+                <a:lnTo>
+                  <a:pt x="0" y="120000"/>
+                </a:lnTo>
+                <a:close/>
+              </a:path>
+            </a:pathLst>
+          </a:custGeom>
+          <a:noFill/>
+          <a:ln cap="flat" cmpd="sng" w="12700">
+            <a:solidFill>
+              <a:srgbClr val="000000"/>
+            </a:solidFill>
+            <a:prstDash val="solid"/>
+            <a:round/>
+            <a:headEnd len="sm" w="sm" type="none"/>
+            <a:tailEnd len="sm" w="sm" type="none"/>
+          </a:ln>
+        </p:spPr>
+      </p:sp>
+      <p:sp>
+        <p:nvSpPr>
+          <p:cNvPr id="261" name="Google Shape;261;g327601c541b_0_111:notes"/>
+          <p:cNvSpPr txBox="1"/>
+          <p:nvPr>
+            <p:ph idx="1" type="body"/>
+          </p:nvPr>
+        </p:nvSpPr>
+        <p:spPr>
+          <a:xfrm>
+            <a:off x="709930" y="4861441"/>
+            <a:ext cx="5679300" cy="4605600"/>
+          </a:xfrm>
+          <a:prstGeom prst="rect">
+            <a:avLst/>
+          </a:prstGeom>
+          <a:noFill/>
+          <a:ln>
+            <a:noFill/>
+          </a:ln>
+        </p:spPr>
+        <p:txBody>
+          <a:bodyPr anchorCtr="0" anchor="t" bIns="49500" lIns="99025" spcFirstLastPara="1" rIns="99025" wrap="square" tIns="49500">
+            <a:noAutofit/>
+          </a:bodyPr>
+          <a:lstStyle/>
+          <a:p>
+            <a:pPr indent="0" lvl="0" marL="0" rtl="0" algn="l">
+              <a:lnSpc>
+                <a:spcPct val="100000"/>
+              </a:lnSpc>
+              <a:spcBef>
+                <a:spcPts val="0"/>
+              </a:spcBef>
+              <a:spcAft>
+                <a:spcPts val="0"/>
+              </a:spcAft>
+              <a:buSzPts val="1400"/>
+              <a:buNone/>
+            </a:pPr>
+            <a:r>
+              <a:t/>
+            </a:r>
+            <a:endParaRPr/>
+          </a:p>
+        </p:txBody>
+      </p:sp>
+      <p:sp>
+        <p:nvSpPr>
+          <p:cNvPr id="262" name="Google Shape;262;g327601c541b_0_111:notes"/>
+          <p:cNvSpPr txBox="1"/>
+          <p:nvPr>
+            <p:ph idx="12" type="sldNum"/>
+          </p:nvPr>
+        </p:nvSpPr>
+        <p:spPr>
+          <a:xfrm>
+            <a:off x="4021294" y="9721106"/>
+            <a:ext cx="3076500" cy="511800"/>
+          </a:xfrm>
+          <a:prstGeom prst="rect">
+            <a:avLst/>
+          </a:prstGeom>
+          <a:noFill/>
+          <a:ln>
+            <a:noFill/>
+          </a:ln>
+        </p:spPr>
+        <p:txBody>
+          <a:bodyPr anchorCtr="0" anchor="b" bIns="49500" lIns="99025" spcFirstLastPara="1" rIns="99025" wrap="square" tIns="49500">
+            <a:noAutofit/>
+          </a:bodyPr>
+          <a:lstStyle/>
+          <a:p>
+            <a:pPr indent="0" lvl="0" marL="0" rtl="0" algn="r">
+              <a:lnSpc>
+                <a:spcPct val="100000"/>
+              </a:lnSpc>
+              <a:spcBef>
+                <a:spcPts val="0"/>
+              </a:spcBef>
+              <a:spcAft>
+                <a:spcPts val="0"/>
+              </a:spcAft>
+              <a:buClr>
+                <a:srgbClr val="000000"/>
+              </a:buClr>
+              <a:buSzPts val="1300"/>
+              <a:buFont typeface="Arial"/>
+              <a:buNone/>
+            </a:pPr>
+            <a:fld id="{00000000-1234-1234-1234-123412341234}" type="slidenum">
+              <a:rPr lang="de-CH"/>
+              <a:t>‹#›</a:t>
+            </a:fld>
+            <a:endParaRPr/>
+          </a:p>
+        </p:txBody>
+      </p:sp>
+    </p:spTree>
+  </p:cSld>
+  <p:clrMapOvr>
+    <a:masterClrMapping/>
+  </p:clrMapOvr>
+</p:notes>
+</file>
+
+<file path=ppt/notesSlides/notesSlide16.xml><?xml version="1.0" encoding="utf-8"?>
+<p:notes xmlns:a="http://schemas.openxmlformats.org/drawingml/2006/main" xmlns:r="http://schemas.openxmlformats.org/officeDocument/2006/relationships" xmlns:mc="http://schemas.openxmlformats.org/markup-compatibility/2006" xmlns:mv="urn:schemas-microsoft-com:mac:vml" xmlns:p="http://schemas.openxmlformats.org/presentationml/2006/main" xmlns:c="http://schemas.openxmlformats.org/drawingml/2006/chart" xmlns:dgm="http://schemas.openxmlformats.org/drawingml/2006/diagram" xmlns:o="urn:schemas-microsoft-com:office:office" xmlns:v="urn:schemas-microsoft-com:vml" xmlns:pvml="urn:schemas-microsoft-com:office:powerpoint" xmlns:com="http://schemas.openxmlformats.org/drawingml/2006/compatibility" xmlns:p14="http://schemas.microsoft.com/office/powerpoint/2010/main" xmlns:p15="http://schemas.microsoft.com/office/powerpoint/2012/main" xmlns:ahyp="http://schemas.microsoft.com/office/drawing/2018/hyperlinkcolor" showMasterPhAnim="0" showMasterSp="0">
+  <p:cSld>
+    <p:spTree>
+      <p:nvGrpSpPr>
+        <p:cNvPr id="272" name="Shape 272"/>
+        <p:cNvGrpSpPr/>
+        <p:nvPr/>
+      </p:nvGrpSpPr>
+      <p:grpSpPr>
+        <a:xfrm>
+          <a:off x="0" y="0"/>
+          <a:ext cx="0" cy="0"/>
+          <a:chOff x="0" y="0"/>
+          <a:chExt cx="0" cy="0"/>
+        </a:xfrm>
+      </p:grpSpPr>
+      <p:sp>
+        <p:nvSpPr>
+          <p:cNvPr id="273" name="Google Shape;273;g327601c541b_0_56:notes"/>
+          <p:cNvSpPr/>
+          <p:nvPr>
+            <p:ph idx="2" type="sldImg"/>
+          </p:nvPr>
+        </p:nvSpPr>
+        <p:spPr>
+          <a:xfrm>
+            <a:off x="139700" y="768350"/>
+            <a:ext cx="6819900" cy="3837000"/>
+          </a:xfrm>
+          <a:custGeom>
+            <a:rect b="b" l="l" r="r" t="t"/>
+            <a:pathLst>
+              <a:path extrusionOk="0" h="120000" w="120000">
+                <a:moveTo>
+                  <a:pt x="0" y="0"/>
+                </a:moveTo>
+                <a:lnTo>
+                  <a:pt x="120000" y="0"/>
+                </a:lnTo>
+                <a:lnTo>
+                  <a:pt x="120000" y="120000"/>
+                </a:lnTo>
+                <a:lnTo>
+                  <a:pt x="0" y="120000"/>
+                </a:lnTo>
+                <a:close/>
+              </a:path>
+            </a:pathLst>
+          </a:custGeom>
+          <a:noFill/>
+          <a:ln cap="flat" cmpd="sng" w="12700">
+            <a:solidFill>
+              <a:srgbClr val="000000"/>
+            </a:solidFill>
+            <a:prstDash val="solid"/>
+            <a:round/>
+            <a:headEnd len="sm" w="sm" type="none"/>
+            <a:tailEnd len="sm" w="sm" type="none"/>
+          </a:ln>
+        </p:spPr>
+      </p:sp>
+      <p:sp>
+        <p:nvSpPr>
+          <p:cNvPr id="274" name="Google Shape;274;g327601c541b_0_56:notes"/>
+          <p:cNvSpPr txBox="1"/>
+          <p:nvPr>
+            <p:ph idx="1" type="body"/>
+          </p:nvPr>
+        </p:nvSpPr>
+        <p:spPr>
+          <a:xfrm>
+            <a:off x="709930" y="4861441"/>
+            <a:ext cx="5679300" cy="4605600"/>
+          </a:xfrm>
+          <a:prstGeom prst="rect">
+            <a:avLst/>
+          </a:prstGeom>
+          <a:noFill/>
+          <a:ln>
+            <a:noFill/>
+          </a:ln>
+        </p:spPr>
+        <p:txBody>
+          <a:bodyPr anchorCtr="0" anchor="t" bIns="49500" lIns="99025" spcFirstLastPara="1" rIns="99025" wrap="square" tIns="49500">
+            <a:noAutofit/>
+          </a:bodyPr>
+          <a:lstStyle/>
+          <a:p>
+            <a:pPr indent="0" lvl="0" marL="0" rtl="0" algn="l">
+              <a:lnSpc>
+                <a:spcPct val="100000"/>
+              </a:lnSpc>
+              <a:spcBef>
+                <a:spcPts val="0"/>
+              </a:spcBef>
+              <a:spcAft>
+                <a:spcPts val="0"/>
+              </a:spcAft>
+              <a:buSzPts val="1400"/>
+              <a:buNone/>
+            </a:pPr>
+            <a:r>
+              <a:t/>
+            </a:r>
+            <a:endParaRPr/>
+          </a:p>
+        </p:txBody>
+      </p:sp>
+      <p:sp>
+        <p:nvSpPr>
+          <p:cNvPr id="275" name="Google Shape;275;g327601c541b_0_56:notes"/>
+          <p:cNvSpPr txBox="1"/>
+          <p:nvPr>
+            <p:ph idx="12" type="sldNum"/>
+          </p:nvPr>
+        </p:nvSpPr>
+        <p:spPr>
+          <a:xfrm>
+            <a:off x="4021294" y="9721106"/>
+            <a:ext cx="3076500" cy="511800"/>
+          </a:xfrm>
+          <a:prstGeom prst="rect">
+            <a:avLst/>
+          </a:prstGeom>
+          <a:noFill/>
+          <a:ln>
+            <a:noFill/>
+          </a:ln>
+        </p:spPr>
+        <p:txBody>
+          <a:bodyPr anchorCtr="0" anchor="b" bIns="49500" lIns="99025" spcFirstLastPara="1" rIns="99025" wrap="square" tIns="49500">
+            <a:noAutofit/>
+          </a:bodyPr>
+          <a:lstStyle/>
+          <a:p>
+            <a:pPr indent="0" lvl="0" marL="0" rtl="0" algn="r">
+              <a:lnSpc>
+                <a:spcPct val="100000"/>
+              </a:lnSpc>
+              <a:spcBef>
+                <a:spcPts val="0"/>
+              </a:spcBef>
+              <a:spcAft>
+                <a:spcPts val="0"/>
+              </a:spcAft>
+              <a:buClr>
+                <a:srgbClr val="000000"/>
+              </a:buClr>
+              <a:buSzPts val="1300"/>
+              <a:buFont typeface="Arial"/>
+              <a:buNone/>
+            </a:pPr>
+            <a:fld id="{00000000-1234-1234-1234-123412341234}" type="slidenum">
+              <a:rPr lang="de-CH"/>
+              <a:t>‹#›</a:t>
+            </a:fld>
+            <a:endParaRPr/>
+          </a:p>
+        </p:txBody>
+      </p:sp>
+    </p:spTree>
+  </p:cSld>
+  <p:clrMapOvr>
+    <a:masterClrMapping/>
+  </p:clrMapOvr>
+</p:notes>
+</file>
+
+<file path=ppt/notesSlides/notesSlide17.xml><?xml version="1.0" encoding="utf-8"?>
+<p:notes xmlns:a="http://schemas.openxmlformats.org/drawingml/2006/main" xmlns:r="http://schemas.openxmlformats.org/officeDocument/2006/relationships" xmlns:mc="http://schemas.openxmlformats.org/markup-compatibility/2006" xmlns:mv="urn:schemas-microsoft-com:mac:vml" xmlns:p="http://schemas.openxmlformats.org/presentationml/2006/main" xmlns:c="http://schemas.openxmlformats.org/drawingml/2006/chart" xmlns:dgm="http://schemas.openxmlformats.org/drawingml/2006/diagram" xmlns:o="urn:schemas-microsoft-com:office:office" xmlns:v="urn:schemas-microsoft-com:vml" xmlns:pvml="urn:schemas-microsoft-com:office:powerpoint" xmlns:com="http://schemas.openxmlformats.org/drawingml/2006/compatibility" xmlns:p14="http://schemas.microsoft.com/office/powerpoint/2010/main" xmlns:p15="http://schemas.microsoft.com/office/powerpoint/2012/main" xmlns:ahyp="http://schemas.microsoft.com/office/drawing/2018/hyperlinkcolor" showMasterPhAnim="0" showMasterSp="0">
+  <p:cSld>
+    <p:spTree>
+      <p:nvGrpSpPr>
+        <p:cNvPr id="284" name="Shape 284"/>
+        <p:cNvGrpSpPr/>
+        <p:nvPr/>
+      </p:nvGrpSpPr>
+      <p:grpSpPr>
+        <a:xfrm>
+          <a:off x="0" y="0"/>
+          <a:ext cx="0" cy="0"/>
+          <a:chOff x="0" y="0"/>
+          <a:chExt cx="0" cy="0"/>
+        </a:xfrm>
+      </p:grpSpPr>
+      <p:sp>
+        <p:nvSpPr>
+          <p:cNvPr id="285" name="Google Shape;285;g2af3d7fb70e_0_28:notes"/>
+          <p:cNvSpPr/>
+          <p:nvPr>
+            <p:ph idx="2" type="sldImg"/>
+          </p:nvPr>
+        </p:nvSpPr>
+        <p:spPr>
+          <a:xfrm>
+            <a:off x="139700" y="768350"/>
+            <a:ext cx="6819900" cy="3837000"/>
+          </a:xfrm>
+          <a:custGeom>
+            <a:rect b="b" l="l" r="r" t="t"/>
+            <a:pathLst>
+              <a:path extrusionOk="0" h="120000" w="120000">
+                <a:moveTo>
+                  <a:pt x="0" y="0"/>
+                </a:moveTo>
+                <a:lnTo>
+                  <a:pt x="120000" y="0"/>
+                </a:lnTo>
+                <a:lnTo>
+                  <a:pt x="120000" y="120000"/>
+                </a:lnTo>
+                <a:lnTo>
+                  <a:pt x="0" y="120000"/>
+                </a:lnTo>
+                <a:close/>
+              </a:path>
+            </a:pathLst>
+          </a:custGeom>
+          <a:noFill/>
+          <a:ln cap="flat" cmpd="sng" w="12700">
+            <a:solidFill>
+              <a:srgbClr val="000000"/>
+            </a:solidFill>
+            <a:prstDash val="solid"/>
+            <a:round/>
+            <a:headEnd len="sm" w="sm" type="none"/>
+            <a:tailEnd len="sm" w="sm" type="none"/>
+          </a:ln>
+        </p:spPr>
+      </p:sp>
+      <p:sp>
+        <p:nvSpPr>
+          <p:cNvPr id="286" name="Google Shape;286;g2af3d7fb70e_0_28:notes"/>
+          <p:cNvSpPr txBox="1"/>
+          <p:nvPr>
+            <p:ph idx="1" type="body"/>
+          </p:nvPr>
+        </p:nvSpPr>
+        <p:spPr>
+          <a:xfrm>
+            <a:off x="709930" y="4861441"/>
+            <a:ext cx="5679300" cy="4605600"/>
+          </a:xfrm>
+          <a:prstGeom prst="rect">
+            <a:avLst/>
+          </a:prstGeom>
+          <a:noFill/>
+          <a:ln>
+            <a:noFill/>
+          </a:ln>
+        </p:spPr>
+        <p:txBody>
+          <a:bodyPr anchorCtr="0" anchor="t" bIns="49500" lIns="99025" spcFirstLastPara="1" rIns="99025" wrap="square" tIns="49500">
+            <a:noAutofit/>
+          </a:bodyPr>
+          <a:lstStyle/>
+          <a:p>
+            <a:pPr indent="0" lvl="0" marL="0" rtl="0" algn="l">
+              <a:lnSpc>
+                <a:spcPct val="100000"/>
+              </a:lnSpc>
+              <a:spcBef>
+                <a:spcPts val="0"/>
+              </a:spcBef>
+              <a:spcAft>
+                <a:spcPts val="0"/>
+              </a:spcAft>
+              <a:buSzPts val="1400"/>
+              <a:buNone/>
+            </a:pPr>
+            <a:r>
+              <a:t/>
+            </a:r>
+            <a:endParaRPr/>
+          </a:p>
+        </p:txBody>
+      </p:sp>
+      <p:sp>
+        <p:nvSpPr>
+          <p:cNvPr id="287" name="Google Shape;287;g2af3d7fb70e_0_28:notes"/>
+          <p:cNvSpPr txBox="1"/>
+          <p:nvPr>
+            <p:ph idx="12" type="sldNum"/>
+          </p:nvPr>
+        </p:nvSpPr>
+        <p:spPr>
+          <a:xfrm>
+            <a:off x="4021294" y="9721106"/>
+            <a:ext cx="3076500" cy="511800"/>
+          </a:xfrm>
+          <a:prstGeom prst="rect">
+            <a:avLst/>
+          </a:prstGeom>
+          <a:noFill/>
+          <a:ln>
+            <a:noFill/>
+          </a:ln>
+        </p:spPr>
+        <p:txBody>
+          <a:bodyPr anchorCtr="0" anchor="b" bIns="49500" lIns="99025" spcFirstLastPara="1" rIns="99025" wrap="square" tIns="49500">
+            <a:noAutofit/>
+          </a:bodyPr>
+          <a:lstStyle/>
+          <a:p>
+            <a:pPr indent="0" lvl="0" marL="0" rtl="0" algn="r">
+              <a:lnSpc>
+                <a:spcPct val="100000"/>
+              </a:lnSpc>
+              <a:spcBef>
+                <a:spcPts val="0"/>
+              </a:spcBef>
+              <a:spcAft>
+                <a:spcPts val="0"/>
+              </a:spcAft>
+              <a:buClr>
+                <a:srgbClr val="000000"/>
+              </a:buClr>
+              <a:buSzPts val="1300"/>
+              <a:buFont typeface="Arial"/>
+              <a:buNone/>
+            </a:pPr>
+            <a:fld id="{00000000-1234-1234-1234-123412341234}" type="slidenum">
+              <a:rPr lang="de-CH"/>
+              <a:t>‹#›</a:t>
+            </a:fld>
+            <a:endParaRPr/>
+          </a:p>
+        </p:txBody>
+      </p:sp>
+    </p:spTree>
+  </p:cSld>
+  <p:clrMapOvr>
+    <a:masterClrMapping/>
+  </p:clrMapOvr>
+</p:notes>
+</file>
+
+<file path=ppt/notesSlides/notesSlide18.xml><?xml version="1.0" encoding="utf-8"?>
+<p:notes xmlns:a="http://schemas.openxmlformats.org/drawingml/2006/main" xmlns:r="http://schemas.openxmlformats.org/officeDocument/2006/relationships" xmlns:mc="http://schemas.openxmlformats.org/markup-compatibility/2006" xmlns:mv="urn:schemas-microsoft-com:mac:vml" xmlns:p="http://schemas.openxmlformats.org/presentationml/2006/main" xmlns:c="http://schemas.openxmlformats.org/drawingml/2006/chart" xmlns:dgm="http://schemas.openxmlformats.org/drawingml/2006/diagram" xmlns:o="urn:schemas-microsoft-com:office:office" xmlns:v="urn:schemas-microsoft-com:vml" xmlns:pvml="urn:schemas-microsoft-com:office:powerpoint" xmlns:com="http://schemas.openxmlformats.org/drawingml/2006/compatibility" xmlns:p14="http://schemas.microsoft.com/office/powerpoint/2010/main" xmlns:p15="http://schemas.microsoft.com/office/powerpoint/2012/main" xmlns:ahyp="http://schemas.microsoft.com/office/drawing/2018/hyperlinkcolor" showMasterPhAnim="0" showMasterSp="0">
+  <p:cSld>
+    <p:spTree>
+      <p:nvGrpSpPr>
+        <p:cNvPr id="294" name="Shape 294"/>
+        <p:cNvGrpSpPr/>
+        <p:nvPr/>
+      </p:nvGrpSpPr>
+      <p:grpSpPr>
+        <a:xfrm>
+          <a:off x="0" y="0"/>
+          <a:ext cx="0" cy="0"/>
+          <a:chOff x="0" y="0"/>
+          <a:chExt cx="0" cy="0"/>
+        </a:xfrm>
+      </p:grpSpPr>
+      <p:sp>
+        <p:nvSpPr>
+          <p:cNvPr id="295" name="Google Shape;295;p27:notes"/>
           <p:cNvSpPr txBox="1"/>
           <p:nvPr>
             <p:ph idx="1" type="body"/>
@@ -2248,7 +3438,7 @@
       </p:sp>
       <p:sp>
         <p:nvSpPr>
-          <p:cNvPr id="211" name="Google Shape;211;p27:notes"/>
+          <p:cNvPr id="296" name="Google Shape;296;p27:notes"/>
           <p:cNvSpPr/>
           <p:nvPr>
             <p:ph idx="2" type="sldImg"/>
@@ -2890,7 +4080,7 @@
       </p:grpSpPr>
       <p:sp>
         <p:nvSpPr>
-          <p:cNvPr id="154" name="Google Shape;154;g2af3d7fb70e_0_72:notes"/>
+          <p:cNvPr id="154" name="Google Shape;154;g327601c541b_0_0:notes"/>
           <p:cNvSpPr/>
           <p:nvPr>
             <p:ph idx="2" type="sldImg"/>
@@ -2935,7 +4125,7 @@
       </p:sp>
       <p:sp>
         <p:nvSpPr>
-          <p:cNvPr id="155" name="Google Shape;155;g2af3d7fb70e_0_72:notes"/>
+          <p:cNvPr id="155" name="Google Shape;155;g327601c541b_0_0:notes"/>
           <p:cNvSpPr txBox="1"/>
           <p:nvPr>
             <p:ph idx="1" type="body"/>
@@ -2982,7 +4172,7 @@
       </p:sp>
       <p:sp>
         <p:nvSpPr>
-          <p:cNvPr id="156" name="Google Shape;156;g2af3d7fb70e_0_72:notes"/>
+          <p:cNvPr id="156" name="Google Shape;156;g327601c541b_0_0:notes"/>
           <p:cNvSpPr txBox="1"/>
           <p:nvPr>
             <p:ph idx="12" type="sldNum"/>
@@ -3228,7 +4418,7 @@
       </p:grpSpPr>
       <p:sp>
         <p:nvSpPr>
-          <p:cNvPr id="178" name="Google Shape;178;g2af3d7fb70e_0_10:notes"/>
+          <p:cNvPr id="178" name="Google Shape;178;g327601c541b_0_123:notes"/>
           <p:cNvSpPr/>
           <p:nvPr>
             <p:ph idx="2" type="sldImg"/>
@@ -3273,7 +4463,7 @@
       </p:sp>
       <p:sp>
         <p:nvSpPr>
-          <p:cNvPr id="179" name="Google Shape;179;g2af3d7fb70e_0_10:notes"/>
+          <p:cNvPr id="179" name="Google Shape;179;g327601c541b_0_123:notes"/>
           <p:cNvSpPr txBox="1"/>
           <p:nvPr>
             <p:ph idx="1" type="body"/>
@@ -3320,7 +4510,7 @@
       </p:sp>
       <p:sp>
         <p:nvSpPr>
-          <p:cNvPr id="180" name="Google Shape;180;g2af3d7fb70e_0_10:notes"/>
+          <p:cNvPr id="180" name="Google Shape;180;g327601c541b_0_123:notes"/>
           <p:cNvSpPr txBox="1"/>
           <p:nvPr>
             <p:ph idx="12" type="sldNum"/>
@@ -3397,7 +4587,7 @@
       </p:grpSpPr>
       <p:sp>
         <p:nvSpPr>
-          <p:cNvPr id="189" name="Google Shape;189;g2af3d7fb70e_0_19:notes"/>
+          <p:cNvPr id="189" name="Google Shape;189;g2af3d7fb70e_0_10:notes"/>
           <p:cNvSpPr/>
           <p:nvPr>
             <p:ph idx="2" type="sldImg"/>
@@ -3442,7 +4632,7 @@
       </p:sp>
       <p:sp>
         <p:nvSpPr>
-          <p:cNvPr id="190" name="Google Shape;190;g2af3d7fb70e_0_19:notes"/>
+          <p:cNvPr id="190" name="Google Shape;190;g2af3d7fb70e_0_10:notes"/>
           <p:cNvSpPr txBox="1"/>
           <p:nvPr>
             <p:ph idx="1" type="body"/>
@@ -3489,7 +4679,7 @@
       </p:sp>
       <p:sp>
         <p:nvSpPr>
-          <p:cNvPr id="191" name="Google Shape;191;g2af3d7fb70e_0_19:notes"/>
+          <p:cNvPr id="191" name="Google Shape;191;g2af3d7fb70e_0_10:notes"/>
           <p:cNvSpPr txBox="1"/>
           <p:nvPr>
             <p:ph idx="12" type="sldNum"/>
@@ -17948,7 +19138,7 @@
       </p:grpSpPr>
       <p:sp>
         <p:nvSpPr>
-          <p:cNvPr id="204" name="Google Shape;204;g2af3d7fb70e_0_28"/>
+          <p:cNvPr id="204" name="Google Shape;204;g2af3d7fb70e_0_19"/>
           <p:cNvSpPr txBox="1"/>
           <p:nvPr>
             <p:ph type="ctrTitle"/>
@@ -17988,7 +19178,7 @@
             </a:pPr>
             <a:r>
               <a:rPr lang="de-CH"/>
-              <a:t>Q &amp; A</a:t>
+              <a:t>Demo</a:t>
             </a:r>
             <a:endParaRPr/>
           </a:p>
@@ -17996,7 +19186,72 @@
       </p:sp>
       <p:sp>
         <p:nvSpPr>
-          <p:cNvPr id="205" name="Google Shape;205;g2af3d7fb70e_0_28"/>
+          <p:cNvPr id="205" name="Google Shape;205;g2af3d7fb70e_0_19"/>
+          <p:cNvSpPr txBox="1"/>
+          <p:nvPr>
+            <p:ph idx="1" type="subTitle"/>
+          </p:nvPr>
+        </p:nvSpPr>
+        <p:spPr>
+          <a:xfrm>
+            <a:off x="838800" y="2564904"/>
+            <a:ext cx="9067800" cy="324000"/>
+          </a:xfrm>
+          <a:prstGeom prst="rect">
+            <a:avLst/>
+          </a:prstGeom>
+          <a:noFill/>
+          <a:ln>
+            <a:noFill/>
+          </a:ln>
+        </p:spPr>
+        <p:txBody>
+          <a:bodyPr anchorCtr="0" anchor="t" bIns="0" lIns="0" spcFirstLastPara="1" rIns="0" wrap="square" tIns="0">
+            <a:noAutofit/>
+          </a:bodyPr>
+          <a:lstStyle/>
+          <a:p>
+            <a:pPr indent="0" lvl="0" marL="457200" rtl="0" algn="l">
+              <a:lnSpc>
+                <a:spcPct val="115000"/>
+              </a:lnSpc>
+              <a:spcBef>
+                <a:spcPts val="0"/>
+              </a:spcBef>
+              <a:spcAft>
+                <a:spcPts val="0"/>
+              </a:spcAft>
+              <a:buNone/>
+            </a:pPr>
+            <a:r>
+              <a:t/>
+            </a:r>
+            <a:endParaRPr/>
+          </a:p>
+          <a:p>
+            <a:pPr indent="0" lvl="0" marL="457200" rtl="0" algn="l">
+              <a:lnSpc>
+                <a:spcPct val="122222"/>
+              </a:lnSpc>
+              <a:spcBef>
+                <a:spcPts val="0"/>
+              </a:spcBef>
+              <a:spcAft>
+                <a:spcPts val="0"/>
+              </a:spcAft>
+              <a:buSzPts val="1800"/>
+              <a:buNone/>
+            </a:pPr>
+            <a:r>
+              <a:t/>
+            </a:r>
+            <a:endParaRPr/>
+          </a:p>
+        </p:txBody>
+      </p:sp>
+      <p:sp>
+        <p:nvSpPr>
+          <p:cNvPr id="206" name="Google Shape;206;g2af3d7fb70e_0_19"/>
           <p:cNvSpPr txBox="1"/>
           <p:nvPr>
             <p:ph idx="12" type="sldNum"/>
@@ -18045,7 +19300,7 @@
       </p:sp>
       <p:sp>
         <p:nvSpPr>
-          <p:cNvPr id="206" name="Google Shape;206;g2af3d7fb70e_0_28"/>
+          <p:cNvPr id="207" name="Google Shape;207;g2af3d7fb70e_0_19"/>
           <p:cNvSpPr txBox="1"/>
           <p:nvPr>
             <p:ph idx="4294967295" type="ftr"/>
@@ -18112,7 +19367,7 @@
       </p:sp>
       <p:sp>
         <p:nvSpPr>
-          <p:cNvPr id="207" name="Google Shape;207;g2af3d7fb70e_0_28"/>
+          <p:cNvPr id="208" name="Google Shape;208;g2af3d7fb70e_0_19"/>
           <p:cNvSpPr txBox="1"/>
           <p:nvPr>
             <p:ph idx="4294967295" type="dt"/>
@@ -18202,7 +19457,7 @@
       </p:sp>
       <p:sp>
         <p:nvSpPr>
-          <p:cNvPr id="208" name="Google Shape;208;g2af3d7fb70e_0_28"/>
+          <p:cNvPr id="209" name="Google Shape;209;g2af3d7fb70e_0_19"/>
           <p:cNvSpPr/>
           <p:nvPr>
             <p:ph idx="2" type="pic"/>
@@ -18231,7 +19486,7 @@
   <p:cSld>
     <p:spTree>
       <p:nvGrpSpPr>
-        <p:cNvPr id="212" name="Shape 212"/>
+        <p:cNvPr id="214" name="Shape 214"/>
         <p:cNvGrpSpPr/>
         <p:nvPr/>
       </p:nvGrpSpPr>
@@ -18245,7 +19500,2695 @@
       </p:grpSpPr>
       <p:sp>
         <p:nvSpPr>
-          <p:cNvPr id="213" name="Google Shape;213;p27"/>
+          <p:cNvPr id="215" name="Google Shape;215;g327601c541b_0_78"/>
+          <p:cNvSpPr txBox="1"/>
+          <p:nvPr>
+            <p:ph type="ctrTitle"/>
+          </p:nvPr>
+        </p:nvSpPr>
+        <p:spPr>
+          <a:xfrm>
+            <a:off x="838800" y="1376363"/>
+            <a:ext cx="7284300" cy="1044600"/>
+          </a:xfrm>
+          <a:prstGeom prst="rect">
+            <a:avLst/>
+          </a:prstGeom>
+          <a:noFill/>
+          <a:ln>
+            <a:noFill/>
+          </a:ln>
+        </p:spPr>
+        <p:txBody>
+          <a:bodyPr anchorCtr="0" anchor="t" bIns="0" lIns="0" spcFirstLastPara="1" rIns="0" wrap="square" tIns="0">
+            <a:noAutofit/>
+          </a:bodyPr>
+          <a:lstStyle/>
+          <a:p>
+            <a:pPr indent="0" lvl="0" marL="0" rtl="0" algn="l">
+              <a:lnSpc>
+                <a:spcPct val="138888"/>
+              </a:lnSpc>
+              <a:spcBef>
+                <a:spcPts val="0"/>
+              </a:spcBef>
+              <a:spcAft>
+                <a:spcPts val="0"/>
+              </a:spcAft>
+              <a:buSzPts val="1800"/>
+              <a:buNone/>
+            </a:pPr>
+            <a:r>
+              <a:rPr lang="de-CH"/>
+              <a:t>Demo</a:t>
+            </a:r>
+            <a:endParaRPr/>
+          </a:p>
+        </p:txBody>
+      </p:sp>
+      <p:sp>
+        <p:nvSpPr>
+          <p:cNvPr id="216" name="Google Shape;216;g327601c541b_0_78"/>
+          <p:cNvSpPr txBox="1"/>
+          <p:nvPr>
+            <p:ph idx="1" type="subTitle"/>
+          </p:nvPr>
+        </p:nvSpPr>
+        <p:spPr>
+          <a:xfrm>
+            <a:off x="838800" y="2564904"/>
+            <a:ext cx="9067800" cy="324000"/>
+          </a:xfrm>
+          <a:prstGeom prst="rect">
+            <a:avLst/>
+          </a:prstGeom>
+          <a:noFill/>
+          <a:ln>
+            <a:noFill/>
+          </a:ln>
+        </p:spPr>
+        <p:txBody>
+          <a:bodyPr anchorCtr="0" anchor="t" bIns="0" lIns="0" spcFirstLastPara="1" rIns="0" wrap="square" tIns="0">
+            <a:noAutofit/>
+          </a:bodyPr>
+          <a:lstStyle/>
+          <a:p>
+            <a:pPr indent="0" lvl="0" marL="457200" rtl="0" algn="l">
+              <a:lnSpc>
+                <a:spcPct val="115000"/>
+              </a:lnSpc>
+              <a:spcBef>
+                <a:spcPts val="0"/>
+              </a:spcBef>
+              <a:spcAft>
+                <a:spcPts val="0"/>
+              </a:spcAft>
+              <a:buNone/>
+            </a:pPr>
+            <a:r>
+              <a:t/>
+            </a:r>
+            <a:endParaRPr/>
+          </a:p>
+          <a:p>
+            <a:pPr indent="0" lvl="0" marL="457200" rtl="0" algn="l">
+              <a:lnSpc>
+                <a:spcPct val="122222"/>
+              </a:lnSpc>
+              <a:spcBef>
+                <a:spcPts val="0"/>
+              </a:spcBef>
+              <a:spcAft>
+                <a:spcPts val="0"/>
+              </a:spcAft>
+              <a:buSzPts val="1800"/>
+              <a:buNone/>
+            </a:pPr>
+            <a:r>
+              <a:t/>
+            </a:r>
+            <a:endParaRPr/>
+          </a:p>
+        </p:txBody>
+      </p:sp>
+      <p:sp>
+        <p:nvSpPr>
+          <p:cNvPr id="217" name="Google Shape;217;g327601c541b_0_78"/>
+          <p:cNvSpPr txBox="1"/>
+          <p:nvPr>
+            <p:ph idx="12" type="sldNum"/>
+          </p:nvPr>
+        </p:nvSpPr>
+        <p:spPr>
+          <a:xfrm>
+            <a:off x="11409045" y="6333134"/>
+            <a:ext cx="731700" cy="525000"/>
+          </a:xfrm>
+          <a:prstGeom prst="rect">
+            <a:avLst/>
+          </a:prstGeom>
+          <a:noFill/>
+          <a:ln>
+            <a:noFill/>
+          </a:ln>
+        </p:spPr>
+        <p:txBody>
+          <a:bodyPr anchorCtr="0" anchor="t" bIns="0" lIns="0" spcFirstLastPara="1" rIns="0" wrap="square" tIns="21600">
+            <a:noAutofit/>
+          </a:bodyPr>
+          <a:lstStyle/>
+          <a:p>
+            <a:pPr indent="0" lvl="0" marL="0" rtl="0" algn="r">
+              <a:spcBef>
+                <a:spcPts val="0"/>
+              </a:spcBef>
+              <a:spcAft>
+                <a:spcPts val="0"/>
+              </a:spcAft>
+              <a:buClr>
+                <a:srgbClr val="000000"/>
+              </a:buClr>
+              <a:buSzPts val="600"/>
+              <a:buFont typeface="Arial"/>
+              <a:buNone/>
+            </a:pPr>
+            <a:fld id="{00000000-1234-1234-1234-123412341234}" type="slidenum">
+              <a:rPr lang="de-CH" sz="1300"/>
+              <a:t>‹#›</a:t>
+            </a:fld>
+            <a:endParaRPr sz="1300"/>
+          </a:p>
+        </p:txBody>
+      </p:sp>
+      <p:sp>
+        <p:nvSpPr>
+          <p:cNvPr id="218" name="Google Shape;218;g327601c541b_0_78"/>
+          <p:cNvSpPr txBox="1"/>
+          <p:nvPr>
+            <p:ph idx="4294967295" type="ftr"/>
+          </p:nvPr>
+        </p:nvSpPr>
+        <p:spPr>
+          <a:xfrm>
+            <a:off x="9120682" y="6525344"/>
+            <a:ext cx="2544300" cy="180000"/>
+          </a:xfrm>
+          <a:prstGeom prst="rect">
+            <a:avLst/>
+          </a:prstGeom>
+          <a:noFill/>
+          <a:ln>
+            <a:noFill/>
+          </a:ln>
+        </p:spPr>
+        <p:txBody>
+          <a:bodyPr anchorCtr="0" anchor="t" bIns="45700" lIns="91425" spcFirstLastPara="1" rIns="91425" wrap="square" tIns="45700">
+            <a:noAutofit/>
+          </a:bodyPr>
+          <a:lstStyle/>
+          <a:p>
+            <a:pPr indent="0" lvl="0" marL="0" rtl="0" algn="r">
+              <a:lnSpc>
+                <a:spcPct val="100000"/>
+              </a:lnSpc>
+              <a:spcBef>
+                <a:spcPts val="0"/>
+              </a:spcBef>
+              <a:spcAft>
+                <a:spcPts val="0"/>
+              </a:spcAft>
+              <a:buSzPts val="1400"/>
+              <a:buNone/>
+            </a:pPr>
+            <a:r>
+              <a:rPr lang="de-CH"/>
+              <a:t>University of Basel</a:t>
+            </a:r>
+            <a:endParaRPr/>
+          </a:p>
+          <a:p>
+            <a:pPr indent="0" lvl="0" marL="0" rtl="0" algn="r">
+              <a:lnSpc>
+                <a:spcPct val="100000"/>
+              </a:lnSpc>
+              <a:spcBef>
+                <a:spcPts val="0"/>
+              </a:spcBef>
+              <a:spcAft>
+                <a:spcPts val="0"/>
+              </a:spcAft>
+              <a:buSzPts val="1400"/>
+              <a:buNone/>
+            </a:pPr>
+            <a:r>
+              <a:t/>
+            </a:r>
+            <a:endParaRPr/>
+          </a:p>
+        </p:txBody>
+      </p:sp>
+      <p:sp>
+        <p:nvSpPr>
+          <p:cNvPr id="219" name="Google Shape;219;g327601c541b_0_78"/>
+          <p:cNvSpPr txBox="1"/>
+          <p:nvPr>
+            <p:ph idx="4294967295" type="dt"/>
+          </p:nvPr>
+        </p:nvSpPr>
+        <p:spPr>
+          <a:xfrm>
+            <a:off x="334800" y="6524626"/>
+            <a:ext cx="2878800" cy="180000"/>
+          </a:xfrm>
+          <a:prstGeom prst="rect">
+            <a:avLst/>
+          </a:prstGeom>
+          <a:noFill/>
+          <a:ln>
+            <a:noFill/>
+          </a:ln>
+        </p:spPr>
+        <p:txBody>
+          <a:bodyPr anchorCtr="0" anchor="t" bIns="0" lIns="0" spcFirstLastPara="1" rIns="0" wrap="square" tIns="21600">
+            <a:noAutofit/>
+          </a:bodyPr>
+          <a:lstStyle/>
+          <a:p>
+            <a:pPr indent="0" lvl="0" marL="0" rtl="0" algn="l">
+              <a:lnSpc>
+                <a:spcPct val="100000"/>
+              </a:lnSpc>
+              <a:spcBef>
+                <a:spcPts val="0"/>
+              </a:spcBef>
+              <a:spcAft>
+                <a:spcPts val="0"/>
+              </a:spcAft>
+              <a:buClr>
+                <a:schemeClr val="dk1"/>
+              </a:buClr>
+              <a:buSzPts val="1400"/>
+              <a:buFont typeface="Arial"/>
+              <a:buNone/>
+            </a:pPr>
+            <a:r>
+              <a:rPr lang="de-CH"/>
+              <a:t>Fingerprint Lock with LCD Display, 08.11.24</a:t>
+            </a:r>
+            <a:endParaRPr/>
+          </a:p>
+          <a:p>
+            <a:pPr indent="0" lvl="0" marL="0" rtl="0" algn="l">
+              <a:lnSpc>
+                <a:spcPct val="100000"/>
+              </a:lnSpc>
+              <a:spcBef>
+                <a:spcPts val="0"/>
+              </a:spcBef>
+              <a:spcAft>
+                <a:spcPts val="0"/>
+              </a:spcAft>
+              <a:buSzPts val="1400"/>
+              <a:buNone/>
+            </a:pPr>
+            <a:r>
+              <a:t/>
+            </a:r>
+            <a:endParaRPr/>
+          </a:p>
+          <a:p>
+            <a:pPr indent="0" lvl="0" marL="0" rtl="0" algn="l">
+              <a:lnSpc>
+                <a:spcPct val="100000"/>
+              </a:lnSpc>
+              <a:spcBef>
+                <a:spcPts val="0"/>
+              </a:spcBef>
+              <a:spcAft>
+                <a:spcPts val="0"/>
+              </a:spcAft>
+              <a:buSzPts val="1400"/>
+              <a:buNone/>
+            </a:pPr>
+            <a:r>
+              <a:t/>
+            </a:r>
+            <a:endParaRPr/>
+          </a:p>
+        </p:txBody>
+      </p:sp>
+      <p:sp>
+        <p:nvSpPr>
+          <p:cNvPr id="220" name="Google Shape;220;g327601c541b_0_78"/>
+          <p:cNvSpPr/>
+          <p:nvPr>
+            <p:ph idx="2" type="pic"/>
+          </p:nvPr>
+        </p:nvSpPr>
+        <p:spPr>
+          <a:xfrm>
+            <a:off x="215900" y="2997203"/>
+            <a:ext cx="11760300" cy="3641700"/>
+          </a:xfrm>
+          <a:prstGeom prst="rect">
+            <a:avLst/>
+          </a:prstGeom>
+        </p:spPr>
+      </p:sp>
+      <p:pic>
+        <p:nvPicPr>
+          <p:cNvPr id="221" name="Google Shape;221;g327601c541b_0_78"/>
+          <p:cNvPicPr preferRelativeResize="0"/>
+          <p:nvPr/>
+        </p:nvPicPr>
+        <p:blipFill rotWithShape="1">
+          <a:blip r:embed="rId3">
+            <a:alphaModFix/>
+          </a:blip>
+          <a:srcRect b="0" l="0" r="0" t="0"/>
+          <a:stretch/>
+        </p:blipFill>
+        <p:spPr>
+          <a:xfrm>
+            <a:off x="215900" y="3247125"/>
+            <a:ext cx="11760299" cy="2849930"/>
+          </a:xfrm>
+          <a:prstGeom prst="rect">
+            <a:avLst/>
+          </a:prstGeom>
+          <a:noFill/>
+          <a:ln>
+            <a:noFill/>
+          </a:ln>
+        </p:spPr>
+      </p:pic>
+    </p:spTree>
+  </p:cSld>
+  <p:clrMapOvr>
+    <a:masterClrMapping/>
+  </p:clrMapOvr>
+</p:sld>
+</file>
+
+<file path=ppt/slides/slide12.xml><?xml version="1.0" encoding="utf-8"?>
+<p:sld xmlns:a="http://schemas.openxmlformats.org/drawingml/2006/main" xmlns:r="http://schemas.openxmlformats.org/officeDocument/2006/relationships" xmlns:mc="http://schemas.openxmlformats.org/markup-compatibility/2006" xmlns:mv="urn:schemas-microsoft-com:mac:vml" xmlns:p="http://schemas.openxmlformats.org/presentationml/2006/main" xmlns:c="http://schemas.openxmlformats.org/drawingml/2006/chart" xmlns:dgm="http://schemas.openxmlformats.org/drawingml/2006/diagram" xmlns:o="urn:schemas-microsoft-com:office:office" xmlns:v="urn:schemas-microsoft-com:vml" xmlns:pvml="urn:schemas-microsoft-com:office:powerpoint" xmlns:com="http://schemas.openxmlformats.org/drawingml/2006/compatibility" xmlns:p14="http://schemas.microsoft.com/office/powerpoint/2010/main" xmlns:p15="http://schemas.microsoft.com/office/powerpoint/2012/main" xmlns:ahyp="http://schemas.microsoft.com/office/drawing/2018/hyperlinkcolor">
+  <p:cSld>
+    <p:spTree>
+      <p:nvGrpSpPr>
+        <p:cNvPr id="226" name="Shape 226"/>
+        <p:cNvGrpSpPr/>
+        <p:nvPr/>
+      </p:nvGrpSpPr>
+      <p:grpSpPr>
+        <a:xfrm>
+          <a:off x="0" y="0"/>
+          <a:ext cx="0" cy="0"/>
+          <a:chOff x="0" y="0"/>
+          <a:chExt cx="0" cy="0"/>
+        </a:xfrm>
+      </p:grpSpPr>
+      <p:sp>
+        <p:nvSpPr>
+          <p:cNvPr id="227" name="Google Shape;227;g327601c541b_0_24"/>
+          <p:cNvSpPr txBox="1"/>
+          <p:nvPr>
+            <p:ph type="ctrTitle"/>
+          </p:nvPr>
+        </p:nvSpPr>
+        <p:spPr>
+          <a:xfrm>
+            <a:off x="838800" y="1376363"/>
+            <a:ext cx="7284300" cy="1044600"/>
+          </a:xfrm>
+          <a:prstGeom prst="rect">
+            <a:avLst/>
+          </a:prstGeom>
+          <a:noFill/>
+          <a:ln>
+            <a:noFill/>
+          </a:ln>
+        </p:spPr>
+        <p:txBody>
+          <a:bodyPr anchorCtr="0" anchor="t" bIns="0" lIns="0" spcFirstLastPara="1" rIns="0" wrap="square" tIns="0">
+            <a:noAutofit/>
+          </a:bodyPr>
+          <a:lstStyle/>
+          <a:p>
+            <a:pPr indent="0" lvl="0" marL="0" rtl="0" algn="l">
+              <a:lnSpc>
+                <a:spcPct val="138888"/>
+              </a:lnSpc>
+              <a:spcBef>
+                <a:spcPts val="0"/>
+              </a:spcBef>
+              <a:spcAft>
+                <a:spcPts val="0"/>
+              </a:spcAft>
+              <a:buSzPts val="1800"/>
+              <a:buNone/>
+            </a:pPr>
+            <a:r>
+              <a:rPr lang="de-CH"/>
+              <a:t>Demo</a:t>
+            </a:r>
+            <a:endParaRPr/>
+          </a:p>
+        </p:txBody>
+      </p:sp>
+      <p:sp>
+        <p:nvSpPr>
+          <p:cNvPr id="228" name="Google Shape;228;g327601c541b_0_24"/>
+          <p:cNvSpPr txBox="1"/>
+          <p:nvPr>
+            <p:ph idx="1" type="subTitle"/>
+          </p:nvPr>
+        </p:nvSpPr>
+        <p:spPr>
+          <a:xfrm>
+            <a:off x="838800" y="2564904"/>
+            <a:ext cx="9067800" cy="324000"/>
+          </a:xfrm>
+          <a:prstGeom prst="rect">
+            <a:avLst/>
+          </a:prstGeom>
+          <a:noFill/>
+          <a:ln>
+            <a:noFill/>
+          </a:ln>
+        </p:spPr>
+        <p:txBody>
+          <a:bodyPr anchorCtr="0" anchor="t" bIns="0" lIns="0" spcFirstLastPara="1" rIns="0" wrap="square" tIns="0">
+            <a:noAutofit/>
+          </a:bodyPr>
+          <a:lstStyle/>
+          <a:p>
+            <a:pPr indent="0" lvl="0" marL="457200" rtl="0" algn="l">
+              <a:lnSpc>
+                <a:spcPct val="115000"/>
+              </a:lnSpc>
+              <a:spcBef>
+                <a:spcPts val="0"/>
+              </a:spcBef>
+              <a:spcAft>
+                <a:spcPts val="0"/>
+              </a:spcAft>
+              <a:buNone/>
+            </a:pPr>
+            <a:r>
+              <a:t/>
+            </a:r>
+            <a:endParaRPr/>
+          </a:p>
+          <a:p>
+            <a:pPr indent="0" lvl="0" marL="457200" rtl="0" algn="l">
+              <a:lnSpc>
+                <a:spcPct val="122222"/>
+              </a:lnSpc>
+              <a:spcBef>
+                <a:spcPts val="0"/>
+              </a:spcBef>
+              <a:spcAft>
+                <a:spcPts val="0"/>
+              </a:spcAft>
+              <a:buSzPts val="1800"/>
+              <a:buNone/>
+            </a:pPr>
+            <a:r>
+              <a:t/>
+            </a:r>
+            <a:endParaRPr/>
+          </a:p>
+        </p:txBody>
+      </p:sp>
+      <p:sp>
+        <p:nvSpPr>
+          <p:cNvPr id="229" name="Google Shape;229;g327601c541b_0_24"/>
+          <p:cNvSpPr txBox="1"/>
+          <p:nvPr>
+            <p:ph idx="12" type="sldNum"/>
+          </p:nvPr>
+        </p:nvSpPr>
+        <p:spPr>
+          <a:xfrm>
+            <a:off x="11409045" y="6333134"/>
+            <a:ext cx="731700" cy="525000"/>
+          </a:xfrm>
+          <a:prstGeom prst="rect">
+            <a:avLst/>
+          </a:prstGeom>
+          <a:noFill/>
+          <a:ln>
+            <a:noFill/>
+          </a:ln>
+        </p:spPr>
+        <p:txBody>
+          <a:bodyPr anchorCtr="0" anchor="t" bIns="0" lIns="0" spcFirstLastPara="1" rIns="0" wrap="square" tIns="21600">
+            <a:noAutofit/>
+          </a:bodyPr>
+          <a:lstStyle/>
+          <a:p>
+            <a:pPr indent="0" lvl="0" marL="0" rtl="0" algn="r">
+              <a:spcBef>
+                <a:spcPts val="0"/>
+              </a:spcBef>
+              <a:spcAft>
+                <a:spcPts val="0"/>
+              </a:spcAft>
+              <a:buClr>
+                <a:srgbClr val="000000"/>
+              </a:buClr>
+              <a:buSzPts val="600"/>
+              <a:buFont typeface="Arial"/>
+              <a:buNone/>
+            </a:pPr>
+            <a:fld id="{00000000-1234-1234-1234-123412341234}" type="slidenum">
+              <a:rPr lang="de-CH" sz="1300"/>
+              <a:t>‹#›</a:t>
+            </a:fld>
+            <a:endParaRPr sz="1300"/>
+          </a:p>
+        </p:txBody>
+      </p:sp>
+      <p:sp>
+        <p:nvSpPr>
+          <p:cNvPr id="230" name="Google Shape;230;g327601c541b_0_24"/>
+          <p:cNvSpPr txBox="1"/>
+          <p:nvPr>
+            <p:ph idx="4294967295" type="ftr"/>
+          </p:nvPr>
+        </p:nvSpPr>
+        <p:spPr>
+          <a:xfrm>
+            <a:off x="9120682" y="6525344"/>
+            <a:ext cx="2544300" cy="180000"/>
+          </a:xfrm>
+          <a:prstGeom prst="rect">
+            <a:avLst/>
+          </a:prstGeom>
+          <a:noFill/>
+          <a:ln>
+            <a:noFill/>
+          </a:ln>
+        </p:spPr>
+        <p:txBody>
+          <a:bodyPr anchorCtr="0" anchor="t" bIns="45700" lIns="91425" spcFirstLastPara="1" rIns="91425" wrap="square" tIns="45700">
+            <a:noAutofit/>
+          </a:bodyPr>
+          <a:lstStyle/>
+          <a:p>
+            <a:pPr indent="0" lvl="0" marL="0" rtl="0" algn="r">
+              <a:lnSpc>
+                <a:spcPct val="100000"/>
+              </a:lnSpc>
+              <a:spcBef>
+                <a:spcPts val="0"/>
+              </a:spcBef>
+              <a:spcAft>
+                <a:spcPts val="0"/>
+              </a:spcAft>
+              <a:buSzPts val="1400"/>
+              <a:buNone/>
+            </a:pPr>
+            <a:r>
+              <a:rPr lang="de-CH"/>
+              <a:t>University of Basel</a:t>
+            </a:r>
+            <a:endParaRPr/>
+          </a:p>
+          <a:p>
+            <a:pPr indent="0" lvl="0" marL="0" rtl="0" algn="r">
+              <a:lnSpc>
+                <a:spcPct val="100000"/>
+              </a:lnSpc>
+              <a:spcBef>
+                <a:spcPts val="0"/>
+              </a:spcBef>
+              <a:spcAft>
+                <a:spcPts val="0"/>
+              </a:spcAft>
+              <a:buSzPts val="1400"/>
+              <a:buNone/>
+            </a:pPr>
+            <a:r>
+              <a:t/>
+            </a:r>
+            <a:endParaRPr/>
+          </a:p>
+        </p:txBody>
+      </p:sp>
+      <p:sp>
+        <p:nvSpPr>
+          <p:cNvPr id="231" name="Google Shape;231;g327601c541b_0_24"/>
+          <p:cNvSpPr txBox="1"/>
+          <p:nvPr>
+            <p:ph idx="4294967295" type="dt"/>
+          </p:nvPr>
+        </p:nvSpPr>
+        <p:spPr>
+          <a:xfrm>
+            <a:off x="334800" y="6524626"/>
+            <a:ext cx="2878800" cy="180000"/>
+          </a:xfrm>
+          <a:prstGeom prst="rect">
+            <a:avLst/>
+          </a:prstGeom>
+          <a:noFill/>
+          <a:ln>
+            <a:noFill/>
+          </a:ln>
+        </p:spPr>
+        <p:txBody>
+          <a:bodyPr anchorCtr="0" anchor="t" bIns="0" lIns="0" spcFirstLastPara="1" rIns="0" wrap="square" tIns="21600">
+            <a:noAutofit/>
+          </a:bodyPr>
+          <a:lstStyle/>
+          <a:p>
+            <a:pPr indent="0" lvl="0" marL="0" rtl="0" algn="l">
+              <a:lnSpc>
+                <a:spcPct val="100000"/>
+              </a:lnSpc>
+              <a:spcBef>
+                <a:spcPts val="0"/>
+              </a:spcBef>
+              <a:spcAft>
+                <a:spcPts val="0"/>
+              </a:spcAft>
+              <a:buClr>
+                <a:schemeClr val="dk1"/>
+              </a:buClr>
+              <a:buSzPts val="1400"/>
+              <a:buFont typeface="Arial"/>
+              <a:buNone/>
+            </a:pPr>
+            <a:r>
+              <a:rPr lang="de-CH"/>
+              <a:t>Fingerprint Lock with LCD Display, 08.11.24</a:t>
+            </a:r>
+            <a:endParaRPr/>
+          </a:p>
+          <a:p>
+            <a:pPr indent="0" lvl="0" marL="0" rtl="0" algn="l">
+              <a:lnSpc>
+                <a:spcPct val="100000"/>
+              </a:lnSpc>
+              <a:spcBef>
+                <a:spcPts val="0"/>
+              </a:spcBef>
+              <a:spcAft>
+                <a:spcPts val="0"/>
+              </a:spcAft>
+              <a:buSzPts val="1400"/>
+              <a:buNone/>
+            </a:pPr>
+            <a:r>
+              <a:t/>
+            </a:r>
+            <a:endParaRPr/>
+          </a:p>
+          <a:p>
+            <a:pPr indent="0" lvl="0" marL="0" rtl="0" algn="l">
+              <a:lnSpc>
+                <a:spcPct val="100000"/>
+              </a:lnSpc>
+              <a:spcBef>
+                <a:spcPts val="0"/>
+              </a:spcBef>
+              <a:spcAft>
+                <a:spcPts val="0"/>
+              </a:spcAft>
+              <a:buSzPts val="1400"/>
+              <a:buNone/>
+            </a:pPr>
+            <a:r>
+              <a:t/>
+            </a:r>
+            <a:endParaRPr/>
+          </a:p>
+        </p:txBody>
+      </p:sp>
+      <p:sp>
+        <p:nvSpPr>
+          <p:cNvPr id="232" name="Google Shape;232;g327601c541b_0_24"/>
+          <p:cNvSpPr/>
+          <p:nvPr>
+            <p:ph idx="2" type="pic"/>
+          </p:nvPr>
+        </p:nvSpPr>
+        <p:spPr>
+          <a:xfrm>
+            <a:off x="215900" y="2997203"/>
+            <a:ext cx="11760300" cy="3641700"/>
+          </a:xfrm>
+          <a:prstGeom prst="rect">
+            <a:avLst/>
+          </a:prstGeom>
+        </p:spPr>
+      </p:sp>
+      <p:pic>
+        <p:nvPicPr>
+          <p:cNvPr id="233" name="Google Shape;233;g327601c541b_0_24"/>
+          <p:cNvPicPr preferRelativeResize="0"/>
+          <p:nvPr/>
+        </p:nvPicPr>
+        <p:blipFill>
+          <a:blip r:embed="rId3">
+            <a:alphaModFix/>
+          </a:blip>
+          <a:stretch>
+            <a:fillRect/>
+          </a:stretch>
+        </p:blipFill>
+        <p:spPr>
+          <a:xfrm>
+            <a:off x="238650" y="3032825"/>
+            <a:ext cx="6756833" cy="1637425"/>
+          </a:xfrm>
+          <a:prstGeom prst="rect">
+            <a:avLst/>
+          </a:prstGeom>
+          <a:noFill/>
+          <a:ln>
+            <a:noFill/>
+          </a:ln>
+        </p:spPr>
+      </p:pic>
+      <p:pic>
+        <p:nvPicPr>
+          <p:cNvPr id="234" name="Google Shape;234;g327601c541b_0_24"/>
+          <p:cNvPicPr preferRelativeResize="0"/>
+          <p:nvPr/>
+        </p:nvPicPr>
+        <p:blipFill>
+          <a:blip r:embed="rId4">
+            <a:alphaModFix/>
+          </a:blip>
+          <a:stretch>
+            <a:fillRect/>
+          </a:stretch>
+        </p:blipFill>
+        <p:spPr>
+          <a:xfrm>
+            <a:off x="5219250" y="4779088"/>
+            <a:ext cx="6756854" cy="1637425"/>
+          </a:xfrm>
+          <a:prstGeom prst="rect">
+            <a:avLst/>
+          </a:prstGeom>
+          <a:noFill/>
+          <a:ln>
+            <a:noFill/>
+          </a:ln>
+        </p:spPr>
+      </p:pic>
+    </p:spTree>
+  </p:cSld>
+  <p:clrMapOvr>
+    <a:masterClrMapping/>
+  </p:clrMapOvr>
+</p:sld>
+</file>
+
+<file path=ppt/slides/slide13.xml><?xml version="1.0" encoding="utf-8"?>
+<p:sld xmlns:a="http://schemas.openxmlformats.org/drawingml/2006/main" xmlns:r="http://schemas.openxmlformats.org/officeDocument/2006/relationships" xmlns:mc="http://schemas.openxmlformats.org/markup-compatibility/2006" xmlns:mv="urn:schemas-microsoft-com:mac:vml" xmlns:p="http://schemas.openxmlformats.org/presentationml/2006/main" xmlns:c="http://schemas.openxmlformats.org/drawingml/2006/chart" xmlns:dgm="http://schemas.openxmlformats.org/drawingml/2006/diagram" xmlns:o="urn:schemas-microsoft-com:office:office" xmlns:v="urn:schemas-microsoft-com:vml" xmlns:pvml="urn:schemas-microsoft-com:office:powerpoint" xmlns:com="http://schemas.openxmlformats.org/drawingml/2006/compatibility" xmlns:p14="http://schemas.microsoft.com/office/powerpoint/2010/main" xmlns:p15="http://schemas.microsoft.com/office/powerpoint/2012/main" xmlns:ahyp="http://schemas.microsoft.com/office/drawing/2018/hyperlinkcolor">
+  <p:cSld>
+    <p:spTree>
+      <p:nvGrpSpPr>
+        <p:cNvPr id="239" name="Shape 239"/>
+        <p:cNvGrpSpPr/>
+        <p:nvPr/>
+      </p:nvGrpSpPr>
+      <p:grpSpPr>
+        <a:xfrm>
+          <a:off x="0" y="0"/>
+          <a:ext cx="0" cy="0"/>
+          <a:chOff x="0" y="0"/>
+          <a:chExt cx="0" cy="0"/>
+        </a:xfrm>
+      </p:grpSpPr>
+      <p:sp>
+        <p:nvSpPr>
+          <p:cNvPr id="240" name="Google Shape;240;g327601c541b_0_89"/>
+          <p:cNvSpPr txBox="1"/>
+          <p:nvPr>
+            <p:ph type="ctrTitle"/>
+          </p:nvPr>
+        </p:nvSpPr>
+        <p:spPr>
+          <a:xfrm>
+            <a:off x="838800" y="1376363"/>
+            <a:ext cx="7284300" cy="1044600"/>
+          </a:xfrm>
+          <a:prstGeom prst="rect">
+            <a:avLst/>
+          </a:prstGeom>
+          <a:noFill/>
+          <a:ln>
+            <a:noFill/>
+          </a:ln>
+        </p:spPr>
+        <p:txBody>
+          <a:bodyPr anchorCtr="0" anchor="t" bIns="0" lIns="0" spcFirstLastPara="1" rIns="0" wrap="square" tIns="0">
+            <a:noAutofit/>
+          </a:bodyPr>
+          <a:lstStyle/>
+          <a:p>
+            <a:pPr indent="0" lvl="0" marL="0" rtl="0" algn="l">
+              <a:lnSpc>
+                <a:spcPct val="138888"/>
+              </a:lnSpc>
+              <a:spcBef>
+                <a:spcPts val="0"/>
+              </a:spcBef>
+              <a:spcAft>
+                <a:spcPts val="0"/>
+              </a:spcAft>
+              <a:buSzPts val="1800"/>
+              <a:buNone/>
+            </a:pPr>
+            <a:r>
+              <a:rPr lang="de-CH"/>
+              <a:t>Demo</a:t>
+            </a:r>
+            <a:endParaRPr/>
+          </a:p>
+        </p:txBody>
+      </p:sp>
+      <p:sp>
+        <p:nvSpPr>
+          <p:cNvPr id="241" name="Google Shape;241;g327601c541b_0_89"/>
+          <p:cNvSpPr txBox="1"/>
+          <p:nvPr>
+            <p:ph idx="1" type="subTitle"/>
+          </p:nvPr>
+        </p:nvSpPr>
+        <p:spPr>
+          <a:xfrm>
+            <a:off x="838800" y="2564904"/>
+            <a:ext cx="9067800" cy="324000"/>
+          </a:xfrm>
+          <a:prstGeom prst="rect">
+            <a:avLst/>
+          </a:prstGeom>
+          <a:noFill/>
+          <a:ln>
+            <a:noFill/>
+          </a:ln>
+        </p:spPr>
+        <p:txBody>
+          <a:bodyPr anchorCtr="0" anchor="t" bIns="0" lIns="0" spcFirstLastPara="1" rIns="0" wrap="square" tIns="0">
+            <a:noAutofit/>
+          </a:bodyPr>
+          <a:lstStyle/>
+          <a:p>
+            <a:pPr indent="0" lvl="0" marL="457200" rtl="0" algn="l">
+              <a:lnSpc>
+                <a:spcPct val="115000"/>
+              </a:lnSpc>
+              <a:spcBef>
+                <a:spcPts val="0"/>
+              </a:spcBef>
+              <a:spcAft>
+                <a:spcPts val="0"/>
+              </a:spcAft>
+              <a:buNone/>
+            </a:pPr>
+            <a:r>
+              <a:t/>
+            </a:r>
+            <a:endParaRPr/>
+          </a:p>
+          <a:p>
+            <a:pPr indent="0" lvl="0" marL="457200" rtl="0" algn="l">
+              <a:lnSpc>
+                <a:spcPct val="122222"/>
+              </a:lnSpc>
+              <a:spcBef>
+                <a:spcPts val="0"/>
+              </a:spcBef>
+              <a:spcAft>
+                <a:spcPts val="0"/>
+              </a:spcAft>
+              <a:buSzPts val="1800"/>
+              <a:buNone/>
+            </a:pPr>
+            <a:r>
+              <a:t/>
+            </a:r>
+            <a:endParaRPr/>
+          </a:p>
+        </p:txBody>
+      </p:sp>
+      <p:sp>
+        <p:nvSpPr>
+          <p:cNvPr id="242" name="Google Shape;242;g327601c541b_0_89"/>
+          <p:cNvSpPr txBox="1"/>
+          <p:nvPr>
+            <p:ph idx="12" type="sldNum"/>
+          </p:nvPr>
+        </p:nvSpPr>
+        <p:spPr>
+          <a:xfrm>
+            <a:off x="11409045" y="6333134"/>
+            <a:ext cx="731700" cy="525000"/>
+          </a:xfrm>
+          <a:prstGeom prst="rect">
+            <a:avLst/>
+          </a:prstGeom>
+          <a:noFill/>
+          <a:ln>
+            <a:noFill/>
+          </a:ln>
+        </p:spPr>
+        <p:txBody>
+          <a:bodyPr anchorCtr="0" anchor="t" bIns="0" lIns="0" spcFirstLastPara="1" rIns="0" wrap="square" tIns="21600">
+            <a:noAutofit/>
+          </a:bodyPr>
+          <a:lstStyle/>
+          <a:p>
+            <a:pPr indent="0" lvl="0" marL="0" rtl="0" algn="r">
+              <a:spcBef>
+                <a:spcPts val="0"/>
+              </a:spcBef>
+              <a:spcAft>
+                <a:spcPts val="0"/>
+              </a:spcAft>
+              <a:buClr>
+                <a:srgbClr val="000000"/>
+              </a:buClr>
+              <a:buSzPts val="600"/>
+              <a:buFont typeface="Arial"/>
+              <a:buNone/>
+            </a:pPr>
+            <a:fld id="{00000000-1234-1234-1234-123412341234}" type="slidenum">
+              <a:rPr lang="de-CH" sz="1300"/>
+              <a:t>‹#›</a:t>
+            </a:fld>
+            <a:endParaRPr sz="1300"/>
+          </a:p>
+        </p:txBody>
+      </p:sp>
+      <p:sp>
+        <p:nvSpPr>
+          <p:cNvPr id="243" name="Google Shape;243;g327601c541b_0_89"/>
+          <p:cNvSpPr txBox="1"/>
+          <p:nvPr>
+            <p:ph idx="4294967295" type="ftr"/>
+          </p:nvPr>
+        </p:nvSpPr>
+        <p:spPr>
+          <a:xfrm>
+            <a:off x="9120682" y="6525344"/>
+            <a:ext cx="2544300" cy="180000"/>
+          </a:xfrm>
+          <a:prstGeom prst="rect">
+            <a:avLst/>
+          </a:prstGeom>
+          <a:noFill/>
+          <a:ln>
+            <a:noFill/>
+          </a:ln>
+        </p:spPr>
+        <p:txBody>
+          <a:bodyPr anchorCtr="0" anchor="t" bIns="45700" lIns="91425" spcFirstLastPara="1" rIns="91425" wrap="square" tIns="45700">
+            <a:noAutofit/>
+          </a:bodyPr>
+          <a:lstStyle/>
+          <a:p>
+            <a:pPr indent="0" lvl="0" marL="0" rtl="0" algn="r">
+              <a:lnSpc>
+                <a:spcPct val="100000"/>
+              </a:lnSpc>
+              <a:spcBef>
+                <a:spcPts val="0"/>
+              </a:spcBef>
+              <a:spcAft>
+                <a:spcPts val="0"/>
+              </a:spcAft>
+              <a:buSzPts val="1400"/>
+              <a:buNone/>
+            </a:pPr>
+            <a:r>
+              <a:rPr lang="de-CH"/>
+              <a:t>University of Basel</a:t>
+            </a:r>
+            <a:endParaRPr/>
+          </a:p>
+          <a:p>
+            <a:pPr indent="0" lvl="0" marL="0" rtl="0" algn="r">
+              <a:lnSpc>
+                <a:spcPct val="100000"/>
+              </a:lnSpc>
+              <a:spcBef>
+                <a:spcPts val="0"/>
+              </a:spcBef>
+              <a:spcAft>
+                <a:spcPts val="0"/>
+              </a:spcAft>
+              <a:buSzPts val="1400"/>
+              <a:buNone/>
+            </a:pPr>
+            <a:r>
+              <a:t/>
+            </a:r>
+            <a:endParaRPr/>
+          </a:p>
+        </p:txBody>
+      </p:sp>
+      <p:sp>
+        <p:nvSpPr>
+          <p:cNvPr id="244" name="Google Shape;244;g327601c541b_0_89"/>
+          <p:cNvSpPr txBox="1"/>
+          <p:nvPr>
+            <p:ph idx="4294967295" type="dt"/>
+          </p:nvPr>
+        </p:nvSpPr>
+        <p:spPr>
+          <a:xfrm>
+            <a:off x="334800" y="6524626"/>
+            <a:ext cx="2878800" cy="180000"/>
+          </a:xfrm>
+          <a:prstGeom prst="rect">
+            <a:avLst/>
+          </a:prstGeom>
+          <a:noFill/>
+          <a:ln>
+            <a:noFill/>
+          </a:ln>
+        </p:spPr>
+        <p:txBody>
+          <a:bodyPr anchorCtr="0" anchor="t" bIns="0" lIns="0" spcFirstLastPara="1" rIns="0" wrap="square" tIns="21600">
+            <a:noAutofit/>
+          </a:bodyPr>
+          <a:lstStyle/>
+          <a:p>
+            <a:pPr indent="0" lvl="0" marL="0" rtl="0" algn="l">
+              <a:lnSpc>
+                <a:spcPct val="100000"/>
+              </a:lnSpc>
+              <a:spcBef>
+                <a:spcPts val="0"/>
+              </a:spcBef>
+              <a:spcAft>
+                <a:spcPts val="0"/>
+              </a:spcAft>
+              <a:buClr>
+                <a:schemeClr val="dk1"/>
+              </a:buClr>
+              <a:buSzPts val="1400"/>
+              <a:buFont typeface="Arial"/>
+              <a:buNone/>
+            </a:pPr>
+            <a:r>
+              <a:rPr lang="de-CH"/>
+              <a:t>Fingerprint Lock with LCD Display, 08.11.24</a:t>
+            </a:r>
+            <a:endParaRPr/>
+          </a:p>
+          <a:p>
+            <a:pPr indent="0" lvl="0" marL="0" rtl="0" algn="l">
+              <a:lnSpc>
+                <a:spcPct val="100000"/>
+              </a:lnSpc>
+              <a:spcBef>
+                <a:spcPts val="0"/>
+              </a:spcBef>
+              <a:spcAft>
+                <a:spcPts val="0"/>
+              </a:spcAft>
+              <a:buSzPts val="1400"/>
+              <a:buNone/>
+            </a:pPr>
+            <a:r>
+              <a:t/>
+            </a:r>
+            <a:endParaRPr/>
+          </a:p>
+          <a:p>
+            <a:pPr indent="0" lvl="0" marL="0" rtl="0" algn="l">
+              <a:lnSpc>
+                <a:spcPct val="100000"/>
+              </a:lnSpc>
+              <a:spcBef>
+                <a:spcPts val="0"/>
+              </a:spcBef>
+              <a:spcAft>
+                <a:spcPts val="0"/>
+              </a:spcAft>
+              <a:buSzPts val="1400"/>
+              <a:buNone/>
+            </a:pPr>
+            <a:r>
+              <a:t/>
+            </a:r>
+            <a:endParaRPr/>
+          </a:p>
+        </p:txBody>
+      </p:sp>
+      <p:sp>
+        <p:nvSpPr>
+          <p:cNvPr id="245" name="Google Shape;245;g327601c541b_0_89"/>
+          <p:cNvSpPr/>
+          <p:nvPr>
+            <p:ph idx="2" type="pic"/>
+          </p:nvPr>
+        </p:nvSpPr>
+        <p:spPr>
+          <a:xfrm>
+            <a:off x="215900" y="2997203"/>
+            <a:ext cx="11760300" cy="3641700"/>
+          </a:xfrm>
+          <a:prstGeom prst="rect">
+            <a:avLst/>
+          </a:prstGeom>
+        </p:spPr>
+      </p:sp>
+      <p:pic>
+        <p:nvPicPr>
+          <p:cNvPr id="246" name="Google Shape;246;g327601c541b_0_89"/>
+          <p:cNvPicPr preferRelativeResize="0"/>
+          <p:nvPr/>
+        </p:nvPicPr>
+        <p:blipFill rotWithShape="1">
+          <a:blip r:embed="rId3">
+            <a:alphaModFix/>
+          </a:blip>
+          <a:srcRect b="0" l="0" r="0" t="0"/>
+          <a:stretch/>
+        </p:blipFill>
+        <p:spPr>
+          <a:xfrm>
+            <a:off x="215900" y="3247125"/>
+            <a:ext cx="11760299" cy="2849930"/>
+          </a:xfrm>
+          <a:prstGeom prst="rect">
+            <a:avLst/>
+          </a:prstGeom>
+          <a:noFill/>
+          <a:ln>
+            <a:noFill/>
+          </a:ln>
+        </p:spPr>
+      </p:pic>
+    </p:spTree>
+  </p:cSld>
+  <p:clrMapOvr>
+    <a:masterClrMapping/>
+  </p:clrMapOvr>
+</p:sld>
+</file>
+
+<file path=ppt/slides/slide14.xml><?xml version="1.0" encoding="utf-8"?>
+<p:sld xmlns:a="http://schemas.openxmlformats.org/drawingml/2006/main" xmlns:r="http://schemas.openxmlformats.org/officeDocument/2006/relationships" xmlns:mc="http://schemas.openxmlformats.org/markup-compatibility/2006" xmlns:mv="urn:schemas-microsoft-com:mac:vml" xmlns:p="http://schemas.openxmlformats.org/presentationml/2006/main" xmlns:c="http://schemas.openxmlformats.org/drawingml/2006/chart" xmlns:dgm="http://schemas.openxmlformats.org/drawingml/2006/diagram" xmlns:o="urn:schemas-microsoft-com:office:office" xmlns:v="urn:schemas-microsoft-com:vml" xmlns:pvml="urn:schemas-microsoft-com:office:powerpoint" xmlns:com="http://schemas.openxmlformats.org/drawingml/2006/compatibility" xmlns:p14="http://schemas.microsoft.com/office/powerpoint/2010/main" xmlns:p15="http://schemas.microsoft.com/office/powerpoint/2012/main" xmlns:ahyp="http://schemas.microsoft.com/office/drawing/2018/hyperlinkcolor">
+  <p:cSld>
+    <p:spTree>
+      <p:nvGrpSpPr>
+        <p:cNvPr id="251" name="Shape 251"/>
+        <p:cNvGrpSpPr/>
+        <p:nvPr/>
+      </p:nvGrpSpPr>
+      <p:grpSpPr>
+        <a:xfrm>
+          <a:off x="0" y="0"/>
+          <a:ext cx="0" cy="0"/>
+          <a:chOff x="0" y="0"/>
+          <a:chExt cx="0" cy="0"/>
+        </a:xfrm>
+      </p:grpSpPr>
+      <p:sp>
+        <p:nvSpPr>
+          <p:cNvPr id="252" name="Google Shape;252;g327601c541b_0_67"/>
+          <p:cNvSpPr txBox="1"/>
+          <p:nvPr>
+            <p:ph type="ctrTitle"/>
+          </p:nvPr>
+        </p:nvSpPr>
+        <p:spPr>
+          <a:xfrm>
+            <a:off x="838800" y="1376363"/>
+            <a:ext cx="7284300" cy="1044600"/>
+          </a:xfrm>
+          <a:prstGeom prst="rect">
+            <a:avLst/>
+          </a:prstGeom>
+          <a:noFill/>
+          <a:ln>
+            <a:noFill/>
+          </a:ln>
+        </p:spPr>
+        <p:txBody>
+          <a:bodyPr anchorCtr="0" anchor="t" bIns="0" lIns="0" spcFirstLastPara="1" rIns="0" wrap="square" tIns="0">
+            <a:noAutofit/>
+          </a:bodyPr>
+          <a:lstStyle/>
+          <a:p>
+            <a:pPr indent="0" lvl="0" marL="0" rtl="0" algn="l">
+              <a:lnSpc>
+                <a:spcPct val="138888"/>
+              </a:lnSpc>
+              <a:spcBef>
+                <a:spcPts val="0"/>
+              </a:spcBef>
+              <a:spcAft>
+                <a:spcPts val="0"/>
+              </a:spcAft>
+              <a:buSzPts val="1800"/>
+              <a:buNone/>
+            </a:pPr>
+            <a:r>
+              <a:rPr lang="de-CH"/>
+              <a:t>Demo</a:t>
+            </a:r>
+            <a:endParaRPr/>
+          </a:p>
+        </p:txBody>
+      </p:sp>
+      <p:sp>
+        <p:nvSpPr>
+          <p:cNvPr id="253" name="Google Shape;253;g327601c541b_0_67"/>
+          <p:cNvSpPr txBox="1"/>
+          <p:nvPr>
+            <p:ph idx="1" type="subTitle"/>
+          </p:nvPr>
+        </p:nvSpPr>
+        <p:spPr>
+          <a:xfrm>
+            <a:off x="838800" y="2564904"/>
+            <a:ext cx="9067800" cy="324000"/>
+          </a:xfrm>
+          <a:prstGeom prst="rect">
+            <a:avLst/>
+          </a:prstGeom>
+          <a:noFill/>
+          <a:ln>
+            <a:noFill/>
+          </a:ln>
+        </p:spPr>
+        <p:txBody>
+          <a:bodyPr anchorCtr="0" anchor="t" bIns="0" lIns="0" spcFirstLastPara="1" rIns="0" wrap="square" tIns="0">
+            <a:noAutofit/>
+          </a:bodyPr>
+          <a:lstStyle/>
+          <a:p>
+            <a:pPr indent="0" lvl="0" marL="457200" rtl="0" algn="l">
+              <a:lnSpc>
+                <a:spcPct val="115000"/>
+              </a:lnSpc>
+              <a:spcBef>
+                <a:spcPts val="0"/>
+              </a:spcBef>
+              <a:spcAft>
+                <a:spcPts val="0"/>
+              </a:spcAft>
+              <a:buNone/>
+            </a:pPr>
+            <a:r>
+              <a:t/>
+            </a:r>
+            <a:endParaRPr/>
+          </a:p>
+          <a:p>
+            <a:pPr indent="0" lvl="0" marL="457200" rtl="0" algn="l">
+              <a:lnSpc>
+                <a:spcPct val="122222"/>
+              </a:lnSpc>
+              <a:spcBef>
+                <a:spcPts val="0"/>
+              </a:spcBef>
+              <a:spcAft>
+                <a:spcPts val="0"/>
+              </a:spcAft>
+              <a:buSzPts val="1800"/>
+              <a:buNone/>
+            </a:pPr>
+            <a:r>
+              <a:t/>
+            </a:r>
+            <a:endParaRPr/>
+          </a:p>
+        </p:txBody>
+      </p:sp>
+      <p:sp>
+        <p:nvSpPr>
+          <p:cNvPr id="254" name="Google Shape;254;g327601c541b_0_67"/>
+          <p:cNvSpPr txBox="1"/>
+          <p:nvPr>
+            <p:ph idx="12" type="sldNum"/>
+          </p:nvPr>
+        </p:nvSpPr>
+        <p:spPr>
+          <a:xfrm>
+            <a:off x="11409045" y="6333134"/>
+            <a:ext cx="731700" cy="525000"/>
+          </a:xfrm>
+          <a:prstGeom prst="rect">
+            <a:avLst/>
+          </a:prstGeom>
+          <a:noFill/>
+          <a:ln>
+            <a:noFill/>
+          </a:ln>
+        </p:spPr>
+        <p:txBody>
+          <a:bodyPr anchorCtr="0" anchor="t" bIns="0" lIns="0" spcFirstLastPara="1" rIns="0" wrap="square" tIns="21600">
+            <a:noAutofit/>
+          </a:bodyPr>
+          <a:lstStyle/>
+          <a:p>
+            <a:pPr indent="0" lvl="0" marL="0" rtl="0" algn="r">
+              <a:spcBef>
+                <a:spcPts val="0"/>
+              </a:spcBef>
+              <a:spcAft>
+                <a:spcPts val="0"/>
+              </a:spcAft>
+              <a:buClr>
+                <a:srgbClr val="000000"/>
+              </a:buClr>
+              <a:buSzPts val="600"/>
+              <a:buFont typeface="Arial"/>
+              <a:buNone/>
+            </a:pPr>
+            <a:fld id="{00000000-1234-1234-1234-123412341234}" type="slidenum">
+              <a:rPr lang="de-CH" sz="1300"/>
+              <a:t>‹#›</a:t>
+            </a:fld>
+            <a:endParaRPr sz="1300"/>
+          </a:p>
+        </p:txBody>
+      </p:sp>
+      <p:sp>
+        <p:nvSpPr>
+          <p:cNvPr id="255" name="Google Shape;255;g327601c541b_0_67"/>
+          <p:cNvSpPr txBox="1"/>
+          <p:nvPr>
+            <p:ph idx="4294967295" type="ftr"/>
+          </p:nvPr>
+        </p:nvSpPr>
+        <p:spPr>
+          <a:xfrm>
+            <a:off x="9120682" y="6525344"/>
+            <a:ext cx="2544300" cy="180000"/>
+          </a:xfrm>
+          <a:prstGeom prst="rect">
+            <a:avLst/>
+          </a:prstGeom>
+          <a:noFill/>
+          <a:ln>
+            <a:noFill/>
+          </a:ln>
+        </p:spPr>
+        <p:txBody>
+          <a:bodyPr anchorCtr="0" anchor="t" bIns="45700" lIns="91425" spcFirstLastPara="1" rIns="91425" wrap="square" tIns="45700">
+            <a:noAutofit/>
+          </a:bodyPr>
+          <a:lstStyle/>
+          <a:p>
+            <a:pPr indent="0" lvl="0" marL="0" rtl="0" algn="r">
+              <a:lnSpc>
+                <a:spcPct val="100000"/>
+              </a:lnSpc>
+              <a:spcBef>
+                <a:spcPts val="0"/>
+              </a:spcBef>
+              <a:spcAft>
+                <a:spcPts val="0"/>
+              </a:spcAft>
+              <a:buSzPts val="1400"/>
+              <a:buNone/>
+            </a:pPr>
+            <a:r>
+              <a:rPr lang="de-CH"/>
+              <a:t>University of Basel</a:t>
+            </a:r>
+            <a:endParaRPr/>
+          </a:p>
+          <a:p>
+            <a:pPr indent="0" lvl="0" marL="0" rtl="0" algn="r">
+              <a:lnSpc>
+                <a:spcPct val="100000"/>
+              </a:lnSpc>
+              <a:spcBef>
+                <a:spcPts val="0"/>
+              </a:spcBef>
+              <a:spcAft>
+                <a:spcPts val="0"/>
+              </a:spcAft>
+              <a:buSzPts val="1400"/>
+              <a:buNone/>
+            </a:pPr>
+            <a:r>
+              <a:t/>
+            </a:r>
+            <a:endParaRPr/>
+          </a:p>
+        </p:txBody>
+      </p:sp>
+      <p:sp>
+        <p:nvSpPr>
+          <p:cNvPr id="256" name="Google Shape;256;g327601c541b_0_67"/>
+          <p:cNvSpPr txBox="1"/>
+          <p:nvPr>
+            <p:ph idx="4294967295" type="dt"/>
+          </p:nvPr>
+        </p:nvSpPr>
+        <p:spPr>
+          <a:xfrm>
+            <a:off x="334800" y="6524626"/>
+            <a:ext cx="2878800" cy="180000"/>
+          </a:xfrm>
+          <a:prstGeom prst="rect">
+            <a:avLst/>
+          </a:prstGeom>
+          <a:noFill/>
+          <a:ln>
+            <a:noFill/>
+          </a:ln>
+        </p:spPr>
+        <p:txBody>
+          <a:bodyPr anchorCtr="0" anchor="t" bIns="0" lIns="0" spcFirstLastPara="1" rIns="0" wrap="square" tIns="21600">
+            <a:noAutofit/>
+          </a:bodyPr>
+          <a:lstStyle/>
+          <a:p>
+            <a:pPr indent="0" lvl="0" marL="0" rtl="0" algn="l">
+              <a:lnSpc>
+                <a:spcPct val="100000"/>
+              </a:lnSpc>
+              <a:spcBef>
+                <a:spcPts val="0"/>
+              </a:spcBef>
+              <a:spcAft>
+                <a:spcPts val="0"/>
+              </a:spcAft>
+              <a:buClr>
+                <a:schemeClr val="dk1"/>
+              </a:buClr>
+              <a:buSzPts val="1400"/>
+              <a:buFont typeface="Arial"/>
+              <a:buNone/>
+            </a:pPr>
+            <a:r>
+              <a:rPr lang="de-CH"/>
+              <a:t>Fingerprint Lock with LCD Display, 08.11.24</a:t>
+            </a:r>
+            <a:endParaRPr/>
+          </a:p>
+          <a:p>
+            <a:pPr indent="0" lvl="0" marL="0" rtl="0" algn="l">
+              <a:lnSpc>
+                <a:spcPct val="100000"/>
+              </a:lnSpc>
+              <a:spcBef>
+                <a:spcPts val="0"/>
+              </a:spcBef>
+              <a:spcAft>
+                <a:spcPts val="0"/>
+              </a:spcAft>
+              <a:buSzPts val="1400"/>
+              <a:buNone/>
+            </a:pPr>
+            <a:r>
+              <a:t/>
+            </a:r>
+            <a:endParaRPr/>
+          </a:p>
+          <a:p>
+            <a:pPr indent="0" lvl="0" marL="0" rtl="0" algn="l">
+              <a:lnSpc>
+                <a:spcPct val="100000"/>
+              </a:lnSpc>
+              <a:spcBef>
+                <a:spcPts val="0"/>
+              </a:spcBef>
+              <a:spcAft>
+                <a:spcPts val="0"/>
+              </a:spcAft>
+              <a:buSzPts val="1400"/>
+              <a:buNone/>
+            </a:pPr>
+            <a:r>
+              <a:t/>
+            </a:r>
+            <a:endParaRPr/>
+          </a:p>
+        </p:txBody>
+      </p:sp>
+      <p:sp>
+        <p:nvSpPr>
+          <p:cNvPr id="257" name="Google Shape;257;g327601c541b_0_67"/>
+          <p:cNvSpPr/>
+          <p:nvPr>
+            <p:ph idx="2" type="pic"/>
+          </p:nvPr>
+        </p:nvSpPr>
+        <p:spPr>
+          <a:xfrm>
+            <a:off x="215900" y="2997203"/>
+            <a:ext cx="11760300" cy="3641700"/>
+          </a:xfrm>
+          <a:prstGeom prst="rect">
+            <a:avLst/>
+          </a:prstGeom>
+        </p:spPr>
+      </p:sp>
+      <p:pic>
+        <p:nvPicPr>
+          <p:cNvPr id="258" name="Google Shape;258;g327601c541b_0_67"/>
+          <p:cNvPicPr preferRelativeResize="0"/>
+          <p:nvPr/>
+        </p:nvPicPr>
+        <p:blipFill rotWithShape="1">
+          <a:blip r:embed="rId3">
+            <a:alphaModFix/>
+          </a:blip>
+          <a:srcRect b="0" l="0" r="0" t="0"/>
+          <a:stretch/>
+        </p:blipFill>
+        <p:spPr>
+          <a:xfrm>
+            <a:off x="215900" y="3247125"/>
+            <a:ext cx="11760299" cy="2849930"/>
+          </a:xfrm>
+          <a:prstGeom prst="rect">
+            <a:avLst/>
+          </a:prstGeom>
+          <a:noFill/>
+          <a:ln>
+            <a:noFill/>
+          </a:ln>
+        </p:spPr>
+      </p:pic>
+    </p:spTree>
+  </p:cSld>
+  <p:clrMapOvr>
+    <a:masterClrMapping/>
+  </p:clrMapOvr>
+</p:sld>
+</file>
+
+<file path=ppt/slides/slide15.xml><?xml version="1.0" encoding="utf-8"?>
+<p:sld xmlns:a="http://schemas.openxmlformats.org/drawingml/2006/main" xmlns:r="http://schemas.openxmlformats.org/officeDocument/2006/relationships" xmlns:mc="http://schemas.openxmlformats.org/markup-compatibility/2006" xmlns:mv="urn:schemas-microsoft-com:mac:vml" xmlns:p="http://schemas.openxmlformats.org/presentationml/2006/main" xmlns:c="http://schemas.openxmlformats.org/drawingml/2006/chart" xmlns:dgm="http://schemas.openxmlformats.org/drawingml/2006/diagram" xmlns:o="urn:schemas-microsoft-com:office:office" xmlns:v="urn:schemas-microsoft-com:vml" xmlns:pvml="urn:schemas-microsoft-com:office:powerpoint" xmlns:com="http://schemas.openxmlformats.org/drawingml/2006/compatibility" xmlns:p14="http://schemas.microsoft.com/office/powerpoint/2010/main" xmlns:p15="http://schemas.microsoft.com/office/powerpoint/2012/main" xmlns:ahyp="http://schemas.microsoft.com/office/drawing/2018/hyperlinkcolor">
+  <p:cSld>
+    <p:spTree>
+      <p:nvGrpSpPr>
+        <p:cNvPr id="263" name="Shape 263"/>
+        <p:cNvGrpSpPr/>
+        <p:nvPr/>
+      </p:nvGrpSpPr>
+      <p:grpSpPr>
+        <a:xfrm>
+          <a:off x="0" y="0"/>
+          <a:ext cx="0" cy="0"/>
+          <a:chOff x="0" y="0"/>
+          <a:chExt cx="0" cy="0"/>
+        </a:xfrm>
+      </p:grpSpPr>
+      <p:sp>
+        <p:nvSpPr>
+          <p:cNvPr id="264" name="Google Shape;264;g327601c541b_0_111"/>
+          <p:cNvSpPr txBox="1"/>
+          <p:nvPr>
+            <p:ph type="ctrTitle"/>
+          </p:nvPr>
+        </p:nvSpPr>
+        <p:spPr>
+          <a:xfrm>
+            <a:off x="838800" y="1376363"/>
+            <a:ext cx="7284300" cy="1044600"/>
+          </a:xfrm>
+          <a:prstGeom prst="rect">
+            <a:avLst/>
+          </a:prstGeom>
+          <a:noFill/>
+          <a:ln>
+            <a:noFill/>
+          </a:ln>
+        </p:spPr>
+        <p:txBody>
+          <a:bodyPr anchorCtr="0" anchor="t" bIns="0" lIns="0" spcFirstLastPara="1" rIns="0" wrap="square" tIns="0">
+            <a:noAutofit/>
+          </a:bodyPr>
+          <a:lstStyle/>
+          <a:p>
+            <a:pPr indent="0" lvl="0" marL="0" rtl="0" algn="l">
+              <a:lnSpc>
+                <a:spcPct val="138888"/>
+              </a:lnSpc>
+              <a:spcBef>
+                <a:spcPts val="0"/>
+              </a:spcBef>
+              <a:spcAft>
+                <a:spcPts val="0"/>
+              </a:spcAft>
+              <a:buSzPts val="1800"/>
+              <a:buNone/>
+            </a:pPr>
+            <a:r>
+              <a:rPr lang="de-CH"/>
+              <a:t>Demo</a:t>
+            </a:r>
+            <a:endParaRPr/>
+          </a:p>
+        </p:txBody>
+      </p:sp>
+      <p:sp>
+        <p:nvSpPr>
+          <p:cNvPr id="265" name="Google Shape;265;g327601c541b_0_111"/>
+          <p:cNvSpPr txBox="1"/>
+          <p:nvPr>
+            <p:ph idx="1" type="subTitle"/>
+          </p:nvPr>
+        </p:nvSpPr>
+        <p:spPr>
+          <a:xfrm>
+            <a:off x="838800" y="2564904"/>
+            <a:ext cx="9067800" cy="324000"/>
+          </a:xfrm>
+          <a:prstGeom prst="rect">
+            <a:avLst/>
+          </a:prstGeom>
+          <a:noFill/>
+          <a:ln>
+            <a:noFill/>
+          </a:ln>
+        </p:spPr>
+        <p:txBody>
+          <a:bodyPr anchorCtr="0" anchor="t" bIns="0" lIns="0" spcFirstLastPara="1" rIns="0" wrap="square" tIns="0">
+            <a:noAutofit/>
+          </a:bodyPr>
+          <a:lstStyle/>
+          <a:p>
+            <a:pPr indent="0" lvl="0" marL="457200" rtl="0" algn="l">
+              <a:lnSpc>
+                <a:spcPct val="115000"/>
+              </a:lnSpc>
+              <a:spcBef>
+                <a:spcPts val="0"/>
+              </a:spcBef>
+              <a:spcAft>
+                <a:spcPts val="0"/>
+              </a:spcAft>
+              <a:buNone/>
+            </a:pPr>
+            <a:r>
+              <a:t/>
+            </a:r>
+            <a:endParaRPr/>
+          </a:p>
+          <a:p>
+            <a:pPr indent="0" lvl="0" marL="457200" rtl="0" algn="l">
+              <a:lnSpc>
+                <a:spcPct val="122222"/>
+              </a:lnSpc>
+              <a:spcBef>
+                <a:spcPts val="0"/>
+              </a:spcBef>
+              <a:spcAft>
+                <a:spcPts val="0"/>
+              </a:spcAft>
+              <a:buSzPts val="1800"/>
+              <a:buNone/>
+            </a:pPr>
+            <a:r>
+              <a:t/>
+            </a:r>
+            <a:endParaRPr/>
+          </a:p>
+        </p:txBody>
+      </p:sp>
+      <p:sp>
+        <p:nvSpPr>
+          <p:cNvPr id="266" name="Google Shape;266;g327601c541b_0_111"/>
+          <p:cNvSpPr txBox="1"/>
+          <p:nvPr>
+            <p:ph idx="12" type="sldNum"/>
+          </p:nvPr>
+        </p:nvSpPr>
+        <p:spPr>
+          <a:xfrm>
+            <a:off x="11409045" y="6333134"/>
+            <a:ext cx="731700" cy="525000"/>
+          </a:xfrm>
+          <a:prstGeom prst="rect">
+            <a:avLst/>
+          </a:prstGeom>
+          <a:noFill/>
+          <a:ln>
+            <a:noFill/>
+          </a:ln>
+        </p:spPr>
+        <p:txBody>
+          <a:bodyPr anchorCtr="0" anchor="t" bIns="0" lIns="0" spcFirstLastPara="1" rIns="0" wrap="square" tIns="21600">
+            <a:noAutofit/>
+          </a:bodyPr>
+          <a:lstStyle/>
+          <a:p>
+            <a:pPr indent="0" lvl="0" marL="0" rtl="0" algn="r">
+              <a:spcBef>
+                <a:spcPts val="0"/>
+              </a:spcBef>
+              <a:spcAft>
+                <a:spcPts val="0"/>
+              </a:spcAft>
+              <a:buClr>
+                <a:srgbClr val="000000"/>
+              </a:buClr>
+              <a:buSzPts val="600"/>
+              <a:buFont typeface="Arial"/>
+              <a:buNone/>
+            </a:pPr>
+            <a:fld id="{00000000-1234-1234-1234-123412341234}" type="slidenum">
+              <a:rPr lang="de-CH" sz="1300"/>
+              <a:t>‹#›</a:t>
+            </a:fld>
+            <a:endParaRPr sz="1300"/>
+          </a:p>
+        </p:txBody>
+      </p:sp>
+      <p:sp>
+        <p:nvSpPr>
+          <p:cNvPr id="267" name="Google Shape;267;g327601c541b_0_111"/>
+          <p:cNvSpPr txBox="1"/>
+          <p:nvPr>
+            <p:ph idx="4294967295" type="ftr"/>
+          </p:nvPr>
+        </p:nvSpPr>
+        <p:spPr>
+          <a:xfrm>
+            <a:off x="9120682" y="6525344"/>
+            <a:ext cx="2544300" cy="180000"/>
+          </a:xfrm>
+          <a:prstGeom prst="rect">
+            <a:avLst/>
+          </a:prstGeom>
+          <a:noFill/>
+          <a:ln>
+            <a:noFill/>
+          </a:ln>
+        </p:spPr>
+        <p:txBody>
+          <a:bodyPr anchorCtr="0" anchor="t" bIns="45700" lIns="91425" spcFirstLastPara="1" rIns="91425" wrap="square" tIns="45700">
+            <a:noAutofit/>
+          </a:bodyPr>
+          <a:lstStyle/>
+          <a:p>
+            <a:pPr indent="0" lvl="0" marL="0" rtl="0" algn="r">
+              <a:lnSpc>
+                <a:spcPct val="100000"/>
+              </a:lnSpc>
+              <a:spcBef>
+                <a:spcPts val="0"/>
+              </a:spcBef>
+              <a:spcAft>
+                <a:spcPts val="0"/>
+              </a:spcAft>
+              <a:buSzPts val="1400"/>
+              <a:buNone/>
+            </a:pPr>
+            <a:r>
+              <a:rPr lang="de-CH"/>
+              <a:t>University of Basel</a:t>
+            </a:r>
+            <a:endParaRPr/>
+          </a:p>
+          <a:p>
+            <a:pPr indent="0" lvl="0" marL="0" rtl="0" algn="r">
+              <a:lnSpc>
+                <a:spcPct val="100000"/>
+              </a:lnSpc>
+              <a:spcBef>
+                <a:spcPts val="0"/>
+              </a:spcBef>
+              <a:spcAft>
+                <a:spcPts val="0"/>
+              </a:spcAft>
+              <a:buSzPts val="1400"/>
+              <a:buNone/>
+            </a:pPr>
+            <a:r>
+              <a:t/>
+            </a:r>
+            <a:endParaRPr/>
+          </a:p>
+        </p:txBody>
+      </p:sp>
+      <p:sp>
+        <p:nvSpPr>
+          <p:cNvPr id="268" name="Google Shape;268;g327601c541b_0_111"/>
+          <p:cNvSpPr txBox="1"/>
+          <p:nvPr>
+            <p:ph idx="4294967295" type="dt"/>
+          </p:nvPr>
+        </p:nvSpPr>
+        <p:spPr>
+          <a:xfrm>
+            <a:off x="334800" y="6524626"/>
+            <a:ext cx="2878800" cy="180000"/>
+          </a:xfrm>
+          <a:prstGeom prst="rect">
+            <a:avLst/>
+          </a:prstGeom>
+          <a:noFill/>
+          <a:ln>
+            <a:noFill/>
+          </a:ln>
+        </p:spPr>
+        <p:txBody>
+          <a:bodyPr anchorCtr="0" anchor="t" bIns="0" lIns="0" spcFirstLastPara="1" rIns="0" wrap="square" tIns="21600">
+            <a:noAutofit/>
+          </a:bodyPr>
+          <a:lstStyle/>
+          <a:p>
+            <a:pPr indent="0" lvl="0" marL="0" rtl="0" algn="l">
+              <a:lnSpc>
+                <a:spcPct val="100000"/>
+              </a:lnSpc>
+              <a:spcBef>
+                <a:spcPts val="0"/>
+              </a:spcBef>
+              <a:spcAft>
+                <a:spcPts val="0"/>
+              </a:spcAft>
+              <a:buClr>
+                <a:schemeClr val="dk1"/>
+              </a:buClr>
+              <a:buSzPts val="1400"/>
+              <a:buFont typeface="Arial"/>
+              <a:buNone/>
+            </a:pPr>
+            <a:r>
+              <a:rPr lang="de-CH"/>
+              <a:t>Fingerprint Lock with LCD Display, 08.11.24</a:t>
+            </a:r>
+            <a:endParaRPr/>
+          </a:p>
+          <a:p>
+            <a:pPr indent="0" lvl="0" marL="0" rtl="0" algn="l">
+              <a:lnSpc>
+                <a:spcPct val="100000"/>
+              </a:lnSpc>
+              <a:spcBef>
+                <a:spcPts val="0"/>
+              </a:spcBef>
+              <a:spcAft>
+                <a:spcPts val="0"/>
+              </a:spcAft>
+              <a:buSzPts val="1400"/>
+              <a:buNone/>
+            </a:pPr>
+            <a:r>
+              <a:t/>
+            </a:r>
+            <a:endParaRPr/>
+          </a:p>
+          <a:p>
+            <a:pPr indent="0" lvl="0" marL="0" rtl="0" algn="l">
+              <a:lnSpc>
+                <a:spcPct val="100000"/>
+              </a:lnSpc>
+              <a:spcBef>
+                <a:spcPts val="0"/>
+              </a:spcBef>
+              <a:spcAft>
+                <a:spcPts val="0"/>
+              </a:spcAft>
+              <a:buSzPts val="1400"/>
+              <a:buNone/>
+            </a:pPr>
+            <a:r>
+              <a:t/>
+            </a:r>
+            <a:endParaRPr/>
+          </a:p>
+        </p:txBody>
+      </p:sp>
+      <p:sp>
+        <p:nvSpPr>
+          <p:cNvPr id="269" name="Google Shape;269;g327601c541b_0_111"/>
+          <p:cNvSpPr/>
+          <p:nvPr>
+            <p:ph idx="2" type="pic"/>
+          </p:nvPr>
+        </p:nvSpPr>
+        <p:spPr>
+          <a:xfrm>
+            <a:off x="215900" y="2997203"/>
+            <a:ext cx="11760300" cy="3641700"/>
+          </a:xfrm>
+          <a:prstGeom prst="rect">
+            <a:avLst/>
+          </a:prstGeom>
+        </p:spPr>
+      </p:sp>
+      <p:pic>
+        <p:nvPicPr>
+          <p:cNvPr id="270" name="Google Shape;270;g327601c541b_0_111"/>
+          <p:cNvPicPr preferRelativeResize="0"/>
+          <p:nvPr/>
+        </p:nvPicPr>
+        <p:blipFill rotWithShape="1">
+          <a:blip r:embed="rId3">
+            <a:alphaModFix/>
+          </a:blip>
+          <a:srcRect b="0" l="0" r="0" t="0"/>
+          <a:stretch/>
+        </p:blipFill>
+        <p:spPr>
+          <a:xfrm>
+            <a:off x="238650" y="3032825"/>
+            <a:ext cx="6756833" cy="1637425"/>
+          </a:xfrm>
+          <a:prstGeom prst="rect">
+            <a:avLst/>
+          </a:prstGeom>
+          <a:noFill/>
+          <a:ln>
+            <a:noFill/>
+          </a:ln>
+        </p:spPr>
+      </p:pic>
+      <p:pic>
+        <p:nvPicPr>
+          <p:cNvPr id="271" name="Google Shape;271;g327601c541b_0_111"/>
+          <p:cNvPicPr preferRelativeResize="0"/>
+          <p:nvPr/>
+        </p:nvPicPr>
+        <p:blipFill rotWithShape="1">
+          <a:blip r:embed="rId4">
+            <a:alphaModFix/>
+          </a:blip>
+          <a:srcRect b="0" l="0" r="0" t="0"/>
+          <a:stretch/>
+        </p:blipFill>
+        <p:spPr>
+          <a:xfrm>
+            <a:off x="5219250" y="4779088"/>
+            <a:ext cx="6756854" cy="1637425"/>
+          </a:xfrm>
+          <a:prstGeom prst="rect">
+            <a:avLst/>
+          </a:prstGeom>
+          <a:noFill/>
+          <a:ln>
+            <a:noFill/>
+          </a:ln>
+        </p:spPr>
+      </p:pic>
+    </p:spTree>
+  </p:cSld>
+  <p:clrMapOvr>
+    <a:masterClrMapping/>
+  </p:clrMapOvr>
+</p:sld>
+</file>
+
+<file path=ppt/slides/slide16.xml><?xml version="1.0" encoding="utf-8"?>
+<p:sld xmlns:a="http://schemas.openxmlformats.org/drawingml/2006/main" xmlns:r="http://schemas.openxmlformats.org/officeDocument/2006/relationships" xmlns:mc="http://schemas.openxmlformats.org/markup-compatibility/2006" xmlns:mv="urn:schemas-microsoft-com:mac:vml" xmlns:p="http://schemas.openxmlformats.org/presentationml/2006/main" xmlns:c="http://schemas.openxmlformats.org/drawingml/2006/chart" xmlns:dgm="http://schemas.openxmlformats.org/drawingml/2006/diagram" xmlns:o="urn:schemas-microsoft-com:office:office" xmlns:v="urn:schemas-microsoft-com:vml" xmlns:pvml="urn:schemas-microsoft-com:office:powerpoint" xmlns:com="http://schemas.openxmlformats.org/drawingml/2006/compatibility" xmlns:p14="http://schemas.microsoft.com/office/powerpoint/2010/main" xmlns:p15="http://schemas.microsoft.com/office/powerpoint/2012/main" xmlns:ahyp="http://schemas.microsoft.com/office/drawing/2018/hyperlinkcolor">
+  <p:cSld>
+    <p:spTree>
+      <p:nvGrpSpPr>
+        <p:cNvPr id="276" name="Shape 276"/>
+        <p:cNvGrpSpPr/>
+        <p:nvPr/>
+      </p:nvGrpSpPr>
+      <p:grpSpPr>
+        <a:xfrm>
+          <a:off x="0" y="0"/>
+          <a:ext cx="0" cy="0"/>
+          <a:chOff x="0" y="0"/>
+          <a:chExt cx="0" cy="0"/>
+        </a:xfrm>
+      </p:grpSpPr>
+      <p:sp>
+        <p:nvSpPr>
+          <p:cNvPr id="277" name="Google Shape;277;g327601c541b_0_56"/>
+          <p:cNvSpPr txBox="1"/>
+          <p:nvPr>
+            <p:ph type="ctrTitle"/>
+          </p:nvPr>
+        </p:nvSpPr>
+        <p:spPr>
+          <a:xfrm>
+            <a:off x="838800" y="1376363"/>
+            <a:ext cx="7284300" cy="1044600"/>
+          </a:xfrm>
+          <a:prstGeom prst="rect">
+            <a:avLst/>
+          </a:prstGeom>
+          <a:noFill/>
+          <a:ln>
+            <a:noFill/>
+          </a:ln>
+        </p:spPr>
+        <p:txBody>
+          <a:bodyPr anchorCtr="0" anchor="t" bIns="0" lIns="0" spcFirstLastPara="1" rIns="0" wrap="square" tIns="0">
+            <a:noAutofit/>
+          </a:bodyPr>
+          <a:lstStyle/>
+          <a:p>
+            <a:pPr indent="0" lvl="0" marL="0" rtl="0" algn="l">
+              <a:lnSpc>
+                <a:spcPct val="138888"/>
+              </a:lnSpc>
+              <a:spcBef>
+                <a:spcPts val="0"/>
+              </a:spcBef>
+              <a:spcAft>
+                <a:spcPts val="0"/>
+              </a:spcAft>
+              <a:buSzPts val="1800"/>
+              <a:buNone/>
+            </a:pPr>
+            <a:r>
+              <a:rPr lang="de-CH"/>
+              <a:t>Demo</a:t>
+            </a:r>
+            <a:endParaRPr/>
+          </a:p>
+        </p:txBody>
+      </p:sp>
+      <p:sp>
+        <p:nvSpPr>
+          <p:cNvPr id="278" name="Google Shape;278;g327601c541b_0_56"/>
+          <p:cNvSpPr txBox="1"/>
+          <p:nvPr>
+            <p:ph idx="1" type="subTitle"/>
+          </p:nvPr>
+        </p:nvSpPr>
+        <p:spPr>
+          <a:xfrm>
+            <a:off x="838800" y="2564904"/>
+            <a:ext cx="9067800" cy="324000"/>
+          </a:xfrm>
+          <a:prstGeom prst="rect">
+            <a:avLst/>
+          </a:prstGeom>
+          <a:noFill/>
+          <a:ln>
+            <a:noFill/>
+          </a:ln>
+        </p:spPr>
+        <p:txBody>
+          <a:bodyPr anchorCtr="0" anchor="t" bIns="0" lIns="0" spcFirstLastPara="1" rIns="0" wrap="square" tIns="0">
+            <a:noAutofit/>
+          </a:bodyPr>
+          <a:lstStyle/>
+          <a:p>
+            <a:pPr indent="0" lvl="0" marL="457200" rtl="0" algn="l">
+              <a:lnSpc>
+                <a:spcPct val="115000"/>
+              </a:lnSpc>
+              <a:spcBef>
+                <a:spcPts val="0"/>
+              </a:spcBef>
+              <a:spcAft>
+                <a:spcPts val="0"/>
+              </a:spcAft>
+              <a:buNone/>
+            </a:pPr>
+            <a:r>
+              <a:t/>
+            </a:r>
+            <a:endParaRPr/>
+          </a:p>
+          <a:p>
+            <a:pPr indent="0" lvl="0" marL="457200" rtl="0" algn="l">
+              <a:lnSpc>
+                <a:spcPct val="122222"/>
+              </a:lnSpc>
+              <a:spcBef>
+                <a:spcPts val="0"/>
+              </a:spcBef>
+              <a:spcAft>
+                <a:spcPts val="0"/>
+              </a:spcAft>
+              <a:buSzPts val="1800"/>
+              <a:buNone/>
+            </a:pPr>
+            <a:r>
+              <a:t/>
+            </a:r>
+            <a:endParaRPr/>
+          </a:p>
+        </p:txBody>
+      </p:sp>
+      <p:sp>
+        <p:nvSpPr>
+          <p:cNvPr id="279" name="Google Shape;279;g327601c541b_0_56"/>
+          <p:cNvSpPr txBox="1"/>
+          <p:nvPr>
+            <p:ph idx="12" type="sldNum"/>
+          </p:nvPr>
+        </p:nvSpPr>
+        <p:spPr>
+          <a:xfrm>
+            <a:off x="11409045" y="6333134"/>
+            <a:ext cx="731700" cy="525000"/>
+          </a:xfrm>
+          <a:prstGeom prst="rect">
+            <a:avLst/>
+          </a:prstGeom>
+          <a:noFill/>
+          <a:ln>
+            <a:noFill/>
+          </a:ln>
+        </p:spPr>
+        <p:txBody>
+          <a:bodyPr anchorCtr="0" anchor="t" bIns="0" lIns="0" spcFirstLastPara="1" rIns="0" wrap="square" tIns="21600">
+            <a:noAutofit/>
+          </a:bodyPr>
+          <a:lstStyle/>
+          <a:p>
+            <a:pPr indent="0" lvl="0" marL="0" rtl="0" algn="r">
+              <a:spcBef>
+                <a:spcPts val="0"/>
+              </a:spcBef>
+              <a:spcAft>
+                <a:spcPts val="0"/>
+              </a:spcAft>
+              <a:buClr>
+                <a:srgbClr val="000000"/>
+              </a:buClr>
+              <a:buSzPts val="600"/>
+              <a:buFont typeface="Arial"/>
+              <a:buNone/>
+            </a:pPr>
+            <a:fld id="{00000000-1234-1234-1234-123412341234}" type="slidenum">
+              <a:rPr lang="de-CH" sz="1300"/>
+              <a:t>‹#›</a:t>
+            </a:fld>
+            <a:endParaRPr sz="1300"/>
+          </a:p>
+        </p:txBody>
+      </p:sp>
+      <p:sp>
+        <p:nvSpPr>
+          <p:cNvPr id="280" name="Google Shape;280;g327601c541b_0_56"/>
+          <p:cNvSpPr txBox="1"/>
+          <p:nvPr>
+            <p:ph idx="4294967295" type="ftr"/>
+          </p:nvPr>
+        </p:nvSpPr>
+        <p:spPr>
+          <a:xfrm>
+            <a:off x="9120682" y="6525344"/>
+            <a:ext cx="2544300" cy="180000"/>
+          </a:xfrm>
+          <a:prstGeom prst="rect">
+            <a:avLst/>
+          </a:prstGeom>
+          <a:noFill/>
+          <a:ln>
+            <a:noFill/>
+          </a:ln>
+        </p:spPr>
+        <p:txBody>
+          <a:bodyPr anchorCtr="0" anchor="t" bIns="45700" lIns="91425" spcFirstLastPara="1" rIns="91425" wrap="square" tIns="45700">
+            <a:noAutofit/>
+          </a:bodyPr>
+          <a:lstStyle/>
+          <a:p>
+            <a:pPr indent="0" lvl="0" marL="0" rtl="0" algn="r">
+              <a:lnSpc>
+                <a:spcPct val="100000"/>
+              </a:lnSpc>
+              <a:spcBef>
+                <a:spcPts val="0"/>
+              </a:spcBef>
+              <a:spcAft>
+                <a:spcPts val="0"/>
+              </a:spcAft>
+              <a:buSzPts val="1400"/>
+              <a:buNone/>
+            </a:pPr>
+            <a:r>
+              <a:rPr lang="de-CH"/>
+              <a:t>University of Basel</a:t>
+            </a:r>
+            <a:endParaRPr/>
+          </a:p>
+          <a:p>
+            <a:pPr indent="0" lvl="0" marL="0" rtl="0" algn="r">
+              <a:lnSpc>
+                <a:spcPct val="100000"/>
+              </a:lnSpc>
+              <a:spcBef>
+                <a:spcPts val="0"/>
+              </a:spcBef>
+              <a:spcAft>
+                <a:spcPts val="0"/>
+              </a:spcAft>
+              <a:buSzPts val="1400"/>
+              <a:buNone/>
+            </a:pPr>
+            <a:r>
+              <a:t/>
+            </a:r>
+            <a:endParaRPr/>
+          </a:p>
+        </p:txBody>
+      </p:sp>
+      <p:sp>
+        <p:nvSpPr>
+          <p:cNvPr id="281" name="Google Shape;281;g327601c541b_0_56"/>
+          <p:cNvSpPr txBox="1"/>
+          <p:nvPr>
+            <p:ph idx="4294967295" type="dt"/>
+          </p:nvPr>
+        </p:nvSpPr>
+        <p:spPr>
+          <a:xfrm>
+            <a:off x="334800" y="6524626"/>
+            <a:ext cx="2878800" cy="180000"/>
+          </a:xfrm>
+          <a:prstGeom prst="rect">
+            <a:avLst/>
+          </a:prstGeom>
+          <a:noFill/>
+          <a:ln>
+            <a:noFill/>
+          </a:ln>
+        </p:spPr>
+        <p:txBody>
+          <a:bodyPr anchorCtr="0" anchor="t" bIns="0" lIns="0" spcFirstLastPara="1" rIns="0" wrap="square" tIns="21600">
+            <a:noAutofit/>
+          </a:bodyPr>
+          <a:lstStyle/>
+          <a:p>
+            <a:pPr indent="0" lvl="0" marL="0" rtl="0" algn="l">
+              <a:lnSpc>
+                <a:spcPct val="100000"/>
+              </a:lnSpc>
+              <a:spcBef>
+                <a:spcPts val="0"/>
+              </a:spcBef>
+              <a:spcAft>
+                <a:spcPts val="0"/>
+              </a:spcAft>
+              <a:buClr>
+                <a:schemeClr val="dk1"/>
+              </a:buClr>
+              <a:buSzPts val="1400"/>
+              <a:buFont typeface="Arial"/>
+              <a:buNone/>
+            </a:pPr>
+            <a:r>
+              <a:rPr lang="de-CH"/>
+              <a:t>Fingerprint Lock with LCD Display, 08.11.24</a:t>
+            </a:r>
+            <a:endParaRPr/>
+          </a:p>
+          <a:p>
+            <a:pPr indent="0" lvl="0" marL="0" rtl="0" algn="l">
+              <a:lnSpc>
+                <a:spcPct val="100000"/>
+              </a:lnSpc>
+              <a:spcBef>
+                <a:spcPts val="0"/>
+              </a:spcBef>
+              <a:spcAft>
+                <a:spcPts val="0"/>
+              </a:spcAft>
+              <a:buSzPts val="1400"/>
+              <a:buNone/>
+            </a:pPr>
+            <a:r>
+              <a:t/>
+            </a:r>
+            <a:endParaRPr/>
+          </a:p>
+          <a:p>
+            <a:pPr indent="0" lvl="0" marL="0" rtl="0" algn="l">
+              <a:lnSpc>
+                <a:spcPct val="100000"/>
+              </a:lnSpc>
+              <a:spcBef>
+                <a:spcPts val="0"/>
+              </a:spcBef>
+              <a:spcAft>
+                <a:spcPts val="0"/>
+              </a:spcAft>
+              <a:buSzPts val="1400"/>
+              <a:buNone/>
+            </a:pPr>
+            <a:r>
+              <a:t/>
+            </a:r>
+            <a:endParaRPr/>
+          </a:p>
+        </p:txBody>
+      </p:sp>
+      <p:sp>
+        <p:nvSpPr>
+          <p:cNvPr id="282" name="Google Shape;282;g327601c541b_0_56"/>
+          <p:cNvSpPr/>
+          <p:nvPr>
+            <p:ph idx="2" type="pic"/>
+          </p:nvPr>
+        </p:nvSpPr>
+        <p:spPr>
+          <a:xfrm>
+            <a:off x="215900" y="2997203"/>
+            <a:ext cx="11760300" cy="3641700"/>
+          </a:xfrm>
+          <a:prstGeom prst="rect">
+            <a:avLst/>
+          </a:prstGeom>
+        </p:spPr>
+      </p:sp>
+      <p:pic>
+        <p:nvPicPr>
+          <p:cNvPr id="283" name="Google Shape;283;g327601c541b_0_56"/>
+          <p:cNvPicPr preferRelativeResize="0"/>
+          <p:nvPr/>
+        </p:nvPicPr>
+        <p:blipFill>
+          <a:blip r:embed="rId3">
+            <a:alphaModFix/>
+          </a:blip>
+          <a:stretch>
+            <a:fillRect/>
+          </a:stretch>
+        </p:blipFill>
+        <p:spPr>
+          <a:xfrm>
+            <a:off x="215900" y="3247125"/>
+            <a:ext cx="11760299" cy="2849930"/>
+          </a:xfrm>
+          <a:prstGeom prst="rect">
+            <a:avLst/>
+          </a:prstGeom>
+          <a:noFill/>
+          <a:ln>
+            <a:noFill/>
+          </a:ln>
+        </p:spPr>
+      </p:pic>
+    </p:spTree>
+  </p:cSld>
+  <p:clrMapOvr>
+    <a:masterClrMapping/>
+  </p:clrMapOvr>
+</p:sld>
+</file>
+
+<file path=ppt/slides/slide17.xml><?xml version="1.0" encoding="utf-8"?>
+<p:sld xmlns:a="http://schemas.openxmlformats.org/drawingml/2006/main" xmlns:r="http://schemas.openxmlformats.org/officeDocument/2006/relationships" xmlns:mc="http://schemas.openxmlformats.org/markup-compatibility/2006" xmlns:mv="urn:schemas-microsoft-com:mac:vml" xmlns:p="http://schemas.openxmlformats.org/presentationml/2006/main" xmlns:c="http://schemas.openxmlformats.org/drawingml/2006/chart" xmlns:dgm="http://schemas.openxmlformats.org/drawingml/2006/diagram" xmlns:o="urn:schemas-microsoft-com:office:office" xmlns:v="urn:schemas-microsoft-com:vml" xmlns:pvml="urn:schemas-microsoft-com:office:powerpoint" xmlns:com="http://schemas.openxmlformats.org/drawingml/2006/compatibility" xmlns:p14="http://schemas.microsoft.com/office/powerpoint/2010/main" xmlns:p15="http://schemas.microsoft.com/office/powerpoint/2012/main" xmlns:ahyp="http://schemas.microsoft.com/office/drawing/2018/hyperlinkcolor">
+  <p:cSld>
+    <p:spTree>
+      <p:nvGrpSpPr>
+        <p:cNvPr id="288" name="Shape 288"/>
+        <p:cNvGrpSpPr/>
+        <p:nvPr/>
+      </p:nvGrpSpPr>
+      <p:grpSpPr>
+        <a:xfrm>
+          <a:off x="0" y="0"/>
+          <a:ext cx="0" cy="0"/>
+          <a:chOff x="0" y="0"/>
+          <a:chExt cx="0" cy="0"/>
+        </a:xfrm>
+      </p:grpSpPr>
+      <p:sp>
+        <p:nvSpPr>
+          <p:cNvPr id="289" name="Google Shape;289;g2af3d7fb70e_0_28"/>
+          <p:cNvSpPr txBox="1"/>
+          <p:nvPr>
+            <p:ph type="ctrTitle"/>
+          </p:nvPr>
+        </p:nvSpPr>
+        <p:spPr>
+          <a:xfrm>
+            <a:off x="838800" y="1376363"/>
+            <a:ext cx="7284300" cy="1044600"/>
+          </a:xfrm>
+          <a:prstGeom prst="rect">
+            <a:avLst/>
+          </a:prstGeom>
+          <a:noFill/>
+          <a:ln>
+            <a:noFill/>
+          </a:ln>
+        </p:spPr>
+        <p:txBody>
+          <a:bodyPr anchorCtr="0" anchor="t" bIns="0" lIns="0" spcFirstLastPara="1" rIns="0" wrap="square" tIns="0">
+            <a:noAutofit/>
+          </a:bodyPr>
+          <a:lstStyle/>
+          <a:p>
+            <a:pPr indent="0" lvl="0" marL="0" rtl="0" algn="l">
+              <a:lnSpc>
+                <a:spcPct val="138888"/>
+              </a:lnSpc>
+              <a:spcBef>
+                <a:spcPts val="0"/>
+              </a:spcBef>
+              <a:spcAft>
+                <a:spcPts val="0"/>
+              </a:spcAft>
+              <a:buSzPts val="1800"/>
+              <a:buNone/>
+            </a:pPr>
+            <a:r>
+              <a:rPr lang="de-CH"/>
+              <a:t>Q &amp; A</a:t>
+            </a:r>
+            <a:endParaRPr/>
+          </a:p>
+        </p:txBody>
+      </p:sp>
+      <p:sp>
+        <p:nvSpPr>
+          <p:cNvPr id="290" name="Google Shape;290;g2af3d7fb70e_0_28"/>
+          <p:cNvSpPr txBox="1"/>
+          <p:nvPr>
+            <p:ph idx="12" type="sldNum"/>
+          </p:nvPr>
+        </p:nvSpPr>
+        <p:spPr>
+          <a:xfrm>
+            <a:off x="11409045" y="6333134"/>
+            <a:ext cx="731700" cy="525000"/>
+          </a:xfrm>
+          <a:prstGeom prst="rect">
+            <a:avLst/>
+          </a:prstGeom>
+          <a:noFill/>
+          <a:ln>
+            <a:noFill/>
+          </a:ln>
+        </p:spPr>
+        <p:txBody>
+          <a:bodyPr anchorCtr="0" anchor="t" bIns="0" lIns="0" spcFirstLastPara="1" rIns="0" wrap="square" tIns="21600">
+            <a:noAutofit/>
+          </a:bodyPr>
+          <a:lstStyle/>
+          <a:p>
+            <a:pPr indent="0" lvl="0" marL="0" rtl="0" algn="r">
+              <a:spcBef>
+                <a:spcPts val="0"/>
+              </a:spcBef>
+              <a:spcAft>
+                <a:spcPts val="0"/>
+              </a:spcAft>
+              <a:buClr>
+                <a:srgbClr val="000000"/>
+              </a:buClr>
+              <a:buSzPts val="600"/>
+              <a:buFont typeface="Arial"/>
+              <a:buNone/>
+            </a:pPr>
+            <a:fld id="{00000000-1234-1234-1234-123412341234}" type="slidenum">
+              <a:rPr lang="de-CH" sz="1300"/>
+              <a:t>‹#›</a:t>
+            </a:fld>
+            <a:endParaRPr sz="1300"/>
+          </a:p>
+        </p:txBody>
+      </p:sp>
+      <p:sp>
+        <p:nvSpPr>
+          <p:cNvPr id="291" name="Google Shape;291;g2af3d7fb70e_0_28"/>
+          <p:cNvSpPr txBox="1"/>
+          <p:nvPr>
+            <p:ph idx="4294967295" type="ftr"/>
+          </p:nvPr>
+        </p:nvSpPr>
+        <p:spPr>
+          <a:xfrm>
+            <a:off x="9120682" y="6525344"/>
+            <a:ext cx="2544300" cy="180000"/>
+          </a:xfrm>
+          <a:prstGeom prst="rect">
+            <a:avLst/>
+          </a:prstGeom>
+          <a:noFill/>
+          <a:ln>
+            <a:noFill/>
+          </a:ln>
+        </p:spPr>
+        <p:txBody>
+          <a:bodyPr anchorCtr="0" anchor="t" bIns="45700" lIns="91425" spcFirstLastPara="1" rIns="91425" wrap="square" tIns="45700">
+            <a:noAutofit/>
+          </a:bodyPr>
+          <a:lstStyle/>
+          <a:p>
+            <a:pPr indent="0" lvl="0" marL="0" rtl="0" algn="r">
+              <a:lnSpc>
+                <a:spcPct val="100000"/>
+              </a:lnSpc>
+              <a:spcBef>
+                <a:spcPts val="0"/>
+              </a:spcBef>
+              <a:spcAft>
+                <a:spcPts val="0"/>
+              </a:spcAft>
+              <a:buSzPts val="1400"/>
+              <a:buNone/>
+            </a:pPr>
+            <a:r>
+              <a:rPr lang="de-CH"/>
+              <a:t>University of Basel</a:t>
+            </a:r>
+            <a:endParaRPr/>
+          </a:p>
+          <a:p>
+            <a:pPr indent="0" lvl="0" marL="0" rtl="0" algn="r">
+              <a:lnSpc>
+                <a:spcPct val="100000"/>
+              </a:lnSpc>
+              <a:spcBef>
+                <a:spcPts val="0"/>
+              </a:spcBef>
+              <a:spcAft>
+                <a:spcPts val="0"/>
+              </a:spcAft>
+              <a:buSzPts val="1400"/>
+              <a:buNone/>
+            </a:pPr>
+            <a:r>
+              <a:t/>
+            </a:r>
+            <a:endParaRPr/>
+          </a:p>
+        </p:txBody>
+      </p:sp>
+      <p:sp>
+        <p:nvSpPr>
+          <p:cNvPr id="292" name="Google Shape;292;g2af3d7fb70e_0_28"/>
+          <p:cNvSpPr txBox="1"/>
+          <p:nvPr>
+            <p:ph idx="4294967295" type="dt"/>
+          </p:nvPr>
+        </p:nvSpPr>
+        <p:spPr>
+          <a:xfrm>
+            <a:off x="334800" y="6524626"/>
+            <a:ext cx="2878800" cy="180000"/>
+          </a:xfrm>
+          <a:prstGeom prst="rect">
+            <a:avLst/>
+          </a:prstGeom>
+          <a:noFill/>
+          <a:ln>
+            <a:noFill/>
+          </a:ln>
+        </p:spPr>
+        <p:txBody>
+          <a:bodyPr anchorCtr="0" anchor="t" bIns="0" lIns="0" spcFirstLastPara="1" rIns="0" wrap="square" tIns="21600">
+            <a:noAutofit/>
+          </a:bodyPr>
+          <a:lstStyle/>
+          <a:p>
+            <a:pPr indent="0" lvl="0" marL="0" rtl="0" algn="l">
+              <a:lnSpc>
+                <a:spcPct val="100000"/>
+              </a:lnSpc>
+              <a:spcBef>
+                <a:spcPts val="0"/>
+              </a:spcBef>
+              <a:spcAft>
+                <a:spcPts val="0"/>
+              </a:spcAft>
+              <a:buClr>
+                <a:schemeClr val="dk1"/>
+              </a:buClr>
+              <a:buSzPts val="1400"/>
+              <a:buFont typeface="Arial"/>
+              <a:buNone/>
+            </a:pPr>
+            <a:r>
+              <a:rPr lang="de-CH"/>
+              <a:t>Fingerprint Lock with LCD Display, 08.11.24</a:t>
+            </a:r>
+            <a:endParaRPr/>
+          </a:p>
+          <a:p>
+            <a:pPr indent="0" lvl="0" marL="0" rtl="0" algn="l">
+              <a:lnSpc>
+                <a:spcPct val="100000"/>
+              </a:lnSpc>
+              <a:spcBef>
+                <a:spcPts val="0"/>
+              </a:spcBef>
+              <a:spcAft>
+                <a:spcPts val="0"/>
+              </a:spcAft>
+              <a:buSzPts val="1400"/>
+              <a:buNone/>
+            </a:pPr>
+            <a:r>
+              <a:t/>
+            </a:r>
+            <a:endParaRPr/>
+          </a:p>
+          <a:p>
+            <a:pPr indent="0" lvl="0" marL="0" rtl="0" algn="l">
+              <a:lnSpc>
+                <a:spcPct val="100000"/>
+              </a:lnSpc>
+              <a:spcBef>
+                <a:spcPts val="0"/>
+              </a:spcBef>
+              <a:spcAft>
+                <a:spcPts val="0"/>
+              </a:spcAft>
+              <a:buSzPts val="1400"/>
+              <a:buNone/>
+            </a:pPr>
+            <a:r>
+              <a:t/>
+            </a:r>
+            <a:endParaRPr/>
+          </a:p>
+        </p:txBody>
+      </p:sp>
+      <p:sp>
+        <p:nvSpPr>
+          <p:cNvPr id="293" name="Google Shape;293;g2af3d7fb70e_0_28"/>
+          <p:cNvSpPr/>
+          <p:nvPr>
+            <p:ph idx="2" type="pic"/>
+          </p:nvPr>
+        </p:nvSpPr>
+        <p:spPr>
+          <a:xfrm>
+            <a:off x="215900" y="2997203"/>
+            <a:ext cx="11760300" cy="3641700"/>
+          </a:xfrm>
+          <a:prstGeom prst="rect">
+            <a:avLst/>
+          </a:prstGeom>
+        </p:spPr>
+      </p:sp>
+    </p:spTree>
+  </p:cSld>
+  <p:clrMapOvr>
+    <a:masterClrMapping/>
+  </p:clrMapOvr>
+</p:sld>
+</file>
+
+<file path=ppt/slides/slide18.xml><?xml version="1.0" encoding="utf-8"?>
+<p:sld xmlns:a="http://schemas.openxmlformats.org/drawingml/2006/main" xmlns:r="http://schemas.openxmlformats.org/officeDocument/2006/relationships" xmlns:mc="http://schemas.openxmlformats.org/markup-compatibility/2006" xmlns:mv="urn:schemas-microsoft-com:mac:vml" xmlns:p="http://schemas.openxmlformats.org/presentationml/2006/main" xmlns:c="http://schemas.openxmlformats.org/drawingml/2006/chart" xmlns:dgm="http://schemas.openxmlformats.org/drawingml/2006/diagram" xmlns:o="urn:schemas-microsoft-com:office:office" xmlns:v="urn:schemas-microsoft-com:vml" xmlns:pvml="urn:schemas-microsoft-com:office:powerpoint" xmlns:com="http://schemas.openxmlformats.org/drawingml/2006/compatibility" xmlns:p14="http://schemas.microsoft.com/office/powerpoint/2010/main" xmlns:p15="http://schemas.microsoft.com/office/powerpoint/2012/main" xmlns:ahyp="http://schemas.microsoft.com/office/drawing/2018/hyperlinkcolor">
+  <p:cSld>
+    <p:spTree>
+      <p:nvGrpSpPr>
+        <p:cNvPr id="297" name="Shape 297"/>
+        <p:cNvGrpSpPr/>
+        <p:nvPr/>
+      </p:nvGrpSpPr>
+      <p:grpSpPr>
+        <a:xfrm>
+          <a:off x="0" y="0"/>
+          <a:ext cx="0" cy="0"/>
+          <a:chOff x="0" y="0"/>
+          <a:chExt cx="0" cy="0"/>
+        </a:xfrm>
+      </p:grpSpPr>
+      <p:sp>
+        <p:nvSpPr>
+          <p:cNvPr id="298" name="Google Shape;298;p27"/>
           <p:cNvSpPr txBox="1"/>
           <p:nvPr>
             <p:ph type="ctrTitle"/>
@@ -20700,7 +24643,7 @@
       </p:grpSpPr>
       <p:sp>
         <p:nvSpPr>
-          <p:cNvPr id="158" name="Google Shape;158;g2af3d7fb70e_0_72"/>
+          <p:cNvPr id="158" name="Google Shape;158;g327601c541b_0_0"/>
           <p:cNvSpPr txBox="1"/>
           <p:nvPr>
             <p:ph type="title"/>
@@ -20748,7 +24691,7 @@
       </p:sp>
       <p:sp>
         <p:nvSpPr>
-          <p:cNvPr id="159" name="Google Shape;159;g2af3d7fb70e_0_72"/>
+          <p:cNvPr id="159" name="Google Shape;159;g327601c541b_0_0"/>
           <p:cNvSpPr txBox="1"/>
           <p:nvPr>
             <p:ph idx="1" type="body"/>
@@ -20793,7 +24736,7 @@
             <a:endParaRPr b="1"/>
           </a:p>
           <a:p>
-            <a:pPr indent="-381000" lvl="0" marL="457200" rtl="0" algn="l">
+            <a:pPr indent="-368300" lvl="0" marL="457200" rtl="0" algn="l">
               <a:lnSpc>
                 <a:spcPct val="115000"/>
               </a:lnSpc>
@@ -20803,101 +24746,41 @@
               <a:spcAft>
                 <a:spcPts val="0"/>
               </a:spcAft>
-              <a:buSzPts val="2400"/>
+              <a:buSzPts val="2200"/>
               <a:buChar char="●"/>
             </a:pPr>
             <a:r>
-              <a:rPr lang="de-CH" sz="1700"/>
+              <a:rPr lang="de-CH" sz="1500"/>
               <a:t>Arduino UNO R4 </a:t>
             </a:r>
             <a:r>
-              <a:rPr lang="de-CH" sz="1700">
+              <a:rPr lang="de-CH" sz="1500">
                 <a:solidFill>
-                  <a:srgbClr val="A61C00"/>
+                  <a:srgbClr val="980000"/>
                 </a:solidFill>
               </a:rPr>
               <a:t>Minima</a:t>
             </a:r>
             <a:r>
-              <a:rPr lang="de-CH" sz="1700"/>
+              <a:rPr lang="de-CH" sz="1500"/>
               <a:t>/</a:t>
             </a:r>
             <a:r>
-              <a:rPr lang="de-CH" sz="1700">
+              <a:rPr lang="de-CH" sz="1500">
                 <a:solidFill>
                   <a:srgbClr val="38761D"/>
                 </a:solidFill>
               </a:rPr>
               <a:t>WIFI</a:t>
             </a:r>
-            <a:endParaRPr sz="1700"/>
-          </a:p>
-          <a:p>
-            <a:pPr indent="-381000" lvl="0" marL="457200" rtl="0" algn="l">
-              <a:lnSpc>
-                <a:spcPct val="115000"/>
-              </a:lnSpc>
-              <a:spcBef>
-                <a:spcPts val="0"/>
-              </a:spcBef>
-              <a:spcAft>
-                <a:spcPts val="0"/>
-              </a:spcAft>
-              <a:buSzPts val="2400"/>
-              <a:buChar char="●"/>
-            </a:pPr>
-            <a:r>
-              <a:rPr lang="de-CH" sz="1700"/>
-              <a:t>R307 Fingerprint Reader</a:t>
-            </a:r>
-            <a:endParaRPr sz="1700"/>
-          </a:p>
-          <a:p>
-            <a:pPr indent="-381000" lvl="0" marL="457200" rtl="0" algn="l">
-              <a:lnSpc>
-                <a:spcPct val="115000"/>
-              </a:lnSpc>
-              <a:spcBef>
-                <a:spcPts val="0"/>
-              </a:spcBef>
-              <a:spcAft>
-                <a:spcPts val="0"/>
-              </a:spcAft>
-              <a:buSzPts val="2400"/>
-              <a:buChar char="●"/>
-            </a:pPr>
-            <a:r>
-              <a:rPr lang="de-CH" sz="1700"/>
-              <a:t>16x2 I2C LCD Display </a:t>
-            </a:r>
-            <a:endParaRPr sz="1700"/>
-          </a:p>
-          <a:p>
-            <a:pPr indent="-381000" lvl="0" marL="457200" rtl="0" algn="l">
-              <a:lnSpc>
-                <a:spcPct val="115000"/>
-              </a:lnSpc>
-              <a:spcBef>
-                <a:spcPts val="0"/>
-              </a:spcBef>
-              <a:spcAft>
-                <a:spcPts val="0"/>
-              </a:spcAft>
-              <a:buSzPts val="2400"/>
-              <a:buChar char="●"/>
-            </a:pPr>
-            <a:r>
-              <a:rPr lang="de-CH" sz="1700"/>
-              <a:t>12V DC Electromagnetic Lock</a:t>
-            </a:r>
-            <a:endParaRPr sz="1700">
+            <a:endParaRPr sz="1500">
               <a:solidFill>
                 <a:srgbClr val="38761D"/>
               </a:solidFill>
             </a:endParaRPr>
           </a:p>
           <a:p>
-            <a:pPr indent="-381000" lvl="0" marL="457200" rtl="0" algn="l">
+            <a:pPr indent="-368300" lvl="0" marL="457200" rtl="0" algn="l">
               <a:lnSpc>
                 <a:spcPct val="115000"/>
               </a:lnSpc>
@@ -20907,41 +24790,97 @@
               <a:spcAft>
                 <a:spcPts val="0"/>
               </a:spcAft>
-              <a:buSzPts val="2400"/>
+              <a:buSzPts val="2200"/>
               <a:buChar char="●"/>
             </a:pPr>
             <a:r>
-              <a:rPr lang="de-CH" sz="1700"/>
+              <a:rPr lang="de-CH" sz="1500"/>
+              <a:t>R307 Fingerprint Reader</a:t>
+            </a:r>
+            <a:endParaRPr sz="1500"/>
+          </a:p>
+          <a:p>
+            <a:pPr indent="-368300" lvl="0" marL="457200" rtl="0" algn="l">
+              <a:lnSpc>
+                <a:spcPct val="115000"/>
+              </a:lnSpc>
+              <a:spcBef>
+                <a:spcPts val="0"/>
+              </a:spcBef>
+              <a:spcAft>
+                <a:spcPts val="0"/>
+              </a:spcAft>
+              <a:buSzPts val="2200"/>
+              <a:buChar char="●"/>
+            </a:pPr>
+            <a:r>
+              <a:rPr lang="de-CH" sz="1500"/>
+              <a:t>16x2 I2C LCD Display </a:t>
+            </a:r>
+            <a:endParaRPr sz="1500"/>
+          </a:p>
+          <a:p>
+            <a:pPr indent="-368300" lvl="0" marL="457200" rtl="0" algn="l">
+              <a:lnSpc>
+                <a:spcPct val="115000"/>
+              </a:lnSpc>
+              <a:spcBef>
+                <a:spcPts val="0"/>
+              </a:spcBef>
+              <a:spcAft>
+                <a:spcPts val="0"/>
+              </a:spcAft>
+              <a:buSzPts val="2200"/>
+              <a:buChar char="●"/>
+            </a:pPr>
+            <a:r>
+              <a:rPr lang="de-CH" sz="1500"/>
+              <a:t>12V DC Electromagnetic Lock</a:t>
+            </a:r>
+            <a:endParaRPr sz="1500"/>
+          </a:p>
+          <a:p>
+            <a:pPr indent="-368300" lvl="0" marL="457200" rtl="0" algn="l">
+              <a:lnSpc>
+                <a:spcPct val="115000"/>
+              </a:lnSpc>
+              <a:spcBef>
+                <a:spcPts val="0"/>
+              </a:spcBef>
+              <a:spcAft>
+                <a:spcPts val="0"/>
+              </a:spcAft>
+              <a:buSzPts val="2200"/>
+              <a:buChar char="●"/>
+            </a:pPr>
+            <a:r>
+              <a:rPr lang="de-CH" sz="1500"/>
               <a:t>2-Channel Relay Module</a:t>
             </a:r>
+            <a:endParaRPr sz="1500"/>
+          </a:p>
+          <a:p>
+            <a:pPr indent="-368300" lvl="0" marL="457200" rtl="0" algn="l">
+              <a:lnSpc>
+                <a:spcPct val="115000"/>
+              </a:lnSpc>
+              <a:spcBef>
+                <a:spcPts val="0"/>
+              </a:spcBef>
+              <a:spcAft>
+                <a:spcPts val="0"/>
+              </a:spcAft>
+              <a:buSzPts val="2200"/>
+              <a:buChar char="●"/>
+            </a:pPr>
             <a:r>
-              <a:rPr lang="de-CH" sz="1700"/>
-              <a:t> </a:t>
-            </a:r>
-            <a:endParaRPr sz="1700"/>
-          </a:p>
-          <a:p>
-            <a:pPr indent="-381000" lvl="0" marL="457200" rtl="0" algn="l">
-              <a:lnSpc>
-                <a:spcPct val="115000"/>
-              </a:lnSpc>
-              <a:spcBef>
-                <a:spcPts val="0"/>
-              </a:spcBef>
-              <a:spcAft>
-                <a:spcPts val="0"/>
-              </a:spcAft>
-              <a:buSzPts val="2400"/>
-              <a:buChar char="●"/>
-            </a:pPr>
-            <a:r>
-              <a:rPr lang="de-CH" sz="1700"/>
+              <a:rPr lang="de-CH" sz="1500"/>
               <a:t>12V DC Power Supply</a:t>
             </a:r>
-            <a:endParaRPr sz="1700"/>
-          </a:p>
-          <a:p>
-            <a:pPr indent="-381000" lvl="0" marL="457200" rtl="0" algn="l">
+            <a:endParaRPr sz="1500"/>
+          </a:p>
+          <a:p>
+            <a:pPr indent="-368300" lvl="0" marL="457200" rtl="0" algn="l">
               <a:lnSpc>
                 <a:spcPct val="115000"/>
               </a:lnSpc>
@@ -20951,17 +24890,17 @@
               <a:spcAft>
                 <a:spcPts val="0"/>
               </a:spcAft>
-              <a:buSzPts val="2400"/>
+              <a:buSzPts val="2200"/>
               <a:buChar char="●"/>
             </a:pPr>
             <a:r>
-              <a:rPr lang="de-CH" sz="1700"/>
+              <a:rPr lang="de-CH" sz="1500"/>
               <a:t>Jumper Wires &amp; Breadboard</a:t>
             </a:r>
-            <a:endParaRPr sz="1700"/>
-          </a:p>
-          <a:p>
-            <a:pPr indent="-381000" lvl="0" marL="457200" rtl="0" algn="l">
+            <a:endParaRPr sz="1500"/>
+          </a:p>
+          <a:p>
+            <a:pPr indent="-368300" lvl="0" marL="457200" rtl="0" algn="l">
               <a:lnSpc>
                 <a:spcPct val="115000"/>
               </a:lnSpc>
@@ -20974,25 +24913,25 @@
               <a:buClr>
                 <a:srgbClr val="980000"/>
               </a:buClr>
-              <a:buSzPts val="2400"/>
+              <a:buSzPts val="2200"/>
               <a:buChar char="●"/>
             </a:pPr>
             <a:r>
-              <a:rPr lang="de-CH" sz="1700">
+              <a:rPr lang="de-CH" sz="1500">
                 <a:solidFill>
                   <a:srgbClr val="980000"/>
                 </a:solidFill>
               </a:rPr>
               <a:t>RTC SD3031</a:t>
             </a:r>
-            <a:endParaRPr sz="1700">
+            <a:endParaRPr sz="1500">
               <a:solidFill>
                 <a:srgbClr val="980000"/>
               </a:solidFill>
             </a:endParaRPr>
           </a:p>
           <a:p>
-            <a:pPr indent="-381000" lvl="0" marL="457200" rtl="0" algn="l">
+            <a:pPr indent="-368300" lvl="0" marL="457200" rtl="0" algn="l">
               <a:lnSpc>
                 <a:spcPct val="115000"/>
               </a:lnSpc>
@@ -21005,26 +24944,49 @@
               <a:buClr>
                 <a:srgbClr val="38761D"/>
               </a:buClr>
-              <a:buSzPts val="2400"/>
+              <a:buSzPts val="2200"/>
               <a:buChar char="●"/>
             </a:pPr>
             <a:r>
-              <a:rPr lang="de-CH" sz="1700">
+              <a:rPr lang="de-CH" sz="1500">
                 <a:solidFill>
                   <a:srgbClr val="38761D"/>
                 </a:solidFill>
               </a:rPr>
-              <a:t>Wood, Hinge, </a:t>
+              <a:t>Keypad 4x4 Matrix</a:t>
             </a:r>
+            <a:endParaRPr sz="1500">
+              <a:solidFill>
+                <a:srgbClr val="980000"/>
+              </a:solidFill>
+            </a:endParaRPr>
+          </a:p>
+          <a:p>
+            <a:pPr indent="-368300" lvl="0" marL="457200" rtl="0" algn="l">
+              <a:lnSpc>
+                <a:spcPct val="115000"/>
+              </a:lnSpc>
+              <a:spcBef>
+                <a:spcPts val="0"/>
+              </a:spcBef>
+              <a:spcAft>
+                <a:spcPts val="0"/>
+              </a:spcAft>
+              <a:buClr>
+                <a:srgbClr val="38761D"/>
+              </a:buClr>
+              <a:buSzPts val="2200"/>
+              <a:buChar char="●"/>
+            </a:pPr>
             <a:r>
-              <a:rPr lang="de-CH" sz="1700">
+              <a:rPr lang="de-CH" sz="1500">
                 <a:solidFill>
                   <a:srgbClr val="38761D"/>
                 </a:solidFill>
               </a:rPr>
-              <a:t>Door Handle</a:t>
+              <a:t>Wood, Hinge, Door Handle</a:t>
             </a:r>
-            <a:endParaRPr sz="1700">
+            <a:endParaRPr sz="1500">
               <a:solidFill>
                 <a:srgbClr val="38761D"/>
               </a:solidFill>
@@ -21047,7 +25009,7 @@
             <a:r>
               <a:t/>
             </a:r>
-            <a:endParaRPr sz="1700"/>
+            <a:endParaRPr sz="1500"/>
           </a:p>
           <a:p>
             <a:pPr indent="0" lvl="0" marL="0" rtl="0" algn="l">
@@ -21064,10 +25026,10 @@
               <a:buNone/>
             </a:pPr>
             <a:r>
-              <a:rPr lang="de-CH" sz="1700"/>
+              <a:rPr lang="de-CH" sz="1500"/>
               <a:t>Total HW Costs: 236.66 CHF (initially Planned: 106 CHF)</a:t>
             </a:r>
-            <a:endParaRPr sz="1700"/>
+            <a:endParaRPr sz="1500"/>
           </a:p>
           <a:p>
             <a:pPr indent="0" lvl="0" marL="457200" rtl="0" algn="l">
@@ -21092,7 +25054,7 @@
       </p:sp>
       <p:sp>
         <p:nvSpPr>
-          <p:cNvPr id="160" name="Google Shape;160;g2af3d7fb70e_0_72"/>
+          <p:cNvPr id="160" name="Google Shape;160;g327601c541b_0_0"/>
           <p:cNvSpPr txBox="1"/>
           <p:nvPr>
             <p:ph idx="12" type="sldNum"/>
@@ -21124,6 +25086,11 @@
               <a:spcAft>
                 <a:spcPts val="0"/>
               </a:spcAft>
+              <a:buClr>
+                <a:srgbClr val="000000"/>
+              </a:buClr>
+              <a:buSzPts val="600"/>
+              <a:buFont typeface="Arial"/>
               <a:buNone/>
             </a:pPr>
             <a:fld id="{00000000-1234-1234-1234-123412341234}" type="slidenum">
@@ -21136,7 +25103,7 @@
       </p:sp>
       <p:sp>
         <p:nvSpPr>
-          <p:cNvPr id="161" name="Google Shape;161;g2af3d7fb70e_0_72"/>
+          <p:cNvPr id="161" name="Google Shape;161;g327601c541b_0_0"/>
           <p:cNvSpPr txBox="1"/>
           <p:nvPr>
             <p:ph idx="11" type="ftr"/>
@@ -21203,7 +25170,7 @@
       </p:sp>
       <p:sp>
         <p:nvSpPr>
-          <p:cNvPr id="162" name="Google Shape;162;g2af3d7fb70e_0_72"/>
+          <p:cNvPr id="162" name="Google Shape;162;g327601c541b_0_0"/>
           <p:cNvSpPr txBox="1"/>
           <p:nvPr>
             <p:ph idx="10" type="dt"/>
@@ -21293,7 +25260,7 @@
       </p:sp>
       <p:pic>
         <p:nvPicPr>
-          <p:cNvPr id="163" name="Google Shape;163;g2af3d7fb70e_0_72"/>
+          <p:cNvPr id="163" name="Google Shape;163;g327601c541b_0_0"/>
           <p:cNvPicPr preferRelativeResize="0"/>
           <p:nvPr/>
         </p:nvPicPr>
@@ -21321,7 +25288,7 @@
       </p:pic>
       <p:pic>
         <p:nvPicPr>
-          <p:cNvPr id="164" name="Google Shape;164;g2af3d7fb70e_0_72"/>
+          <p:cNvPr id="164" name="Google Shape;164;g327601c541b_0_0"/>
           <p:cNvPicPr preferRelativeResize="0"/>
           <p:nvPr/>
         </p:nvPicPr>
@@ -21349,7 +25316,7 @@
       </p:pic>
       <p:pic>
         <p:nvPicPr>
-          <p:cNvPr id="165" name="Google Shape;165;g2af3d7fb70e_0_72"/>
+          <p:cNvPr id="165" name="Google Shape;165;g327601c541b_0_0"/>
           <p:cNvPicPr preferRelativeResize="0"/>
           <p:nvPr/>
         </p:nvPicPr>
@@ -22005,7 +25972,7 @@
       </p:grpSpPr>
       <p:sp>
         <p:nvSpPr>
-          <p:cNvPr id="182" name="Google Shape;182;g2af3d7fb70e_0_10"/>
+          <p:cNvPr id="182" name="Google Shape;182;g327601c541b_0_123"/>
           <p:cNvSpPr txBox="1"/>
           <p:nvPr>
             <p:ph type="title"/>
@@ -22045,7 +26012,7 @@
             </a:pPr>
             <a:r>
               <a:rPr lang="de-CH"/>
-              <a:t>Challenges Faced</a:t>
+              <a:t>Software Implementation</a:t>
             </a:r>
             <a:endParaRPr/>
           </a:p>
@@ -22053,7 +26020,7 @@
       </p:sp>
       <p:sp>
         <p:nvSpPr>
-          <p:cNvPr id="183" name="Google Shape;183;g2af3d7fb70e_0_10"/>
+          <p:cNvPr id="183" name="Google Shape;183;g327601c541b_0_123"/>
           <p:cNvSpPr txBox="1"/>
           <p:nvPr>
             <p:ph idx="1" type="body"/>
@@ -22061,8 +26028,8 @@
         </p:nvSpPr>
         <p:spPr>
           <a:xfrm>
-            <a:off x="334800" y="1522800"/>
-            <a:ext cx="5688000" cy="4716600"/>
+            <a:off x="334800" y="1520826"/>
+            <a:ext cx="11521800" cy="4716600"/>
           </a:xfrm>
           <a:prstGeom prst="rect">
             <a:avLst/>
@@ -22078,9 +26045,9 @@
           </a:bodyPr>
           <a:lstStyle/>
           <a:p>
-            <a:pPr indent="-342900" lvl="0" marL="457200" rtl="0" algn="l">
-              <a:lnSpc>
-                <a:spcPct val="115000"/>
+            <a:pPr indent="0" lvl="0" marL="0" rtl="0" algn="l">
+              <a:lnSpc>
+                <a:spcPct val="122222"/>
               </a:lnSpc>
               <a:spcBef>
                 <a:spcPts val="0"/>
@@ -22089,16 +26056,16 @@
                 <a:spcPts val="0"/>
               </a:spcAft>
               <a:buSzPts val="1800"/>
-              <a:buAutoNum type="arabicPeriod"/>
+              <a:buNone/>
             </a:pPr>
             <a:r>
               <a:rPr b="1" lang="de-CH"/>
-              <a:t>Keypad Sensitivity Issues</a:t>
+              <a:t>Programming Environment</a:t>
             </a:r>
             <a:endParaRPr b="1"/>
           </a:p>
           <a:p>
-            <a:pPr indent="0" lvl="0" marL="0" rtl="0" algn="l">
+            <a:pPr indent="-342900" lvl="0" marL="457200" rtl="0" algn="l">
               <a:lnSpc>
                 <a:spcPct val="115000"/>
               </a:lnSpc>
@@ -22108,15 +26075,12 @@
               <a:spcAft>
                 <a:spcPts val="0"/>
               </a:spcAft>
-              <a:buNone/>
-            </a:pPr>
-            <a:r>
-              <a:rPr b="1" lang="de-CH"/>
-              <a:t>		Problem: </a:t>
-            </a:r>
+              <a:buSzPts val="1800"/>
+              <a:buChar char="➔"/>
+            </a:pPr>
             <a:r>
               <a:rPr lang="de-CH"/>
-              <a:t>Keypad produced ghost inputs			and was overly sensitive</a:t>
+              <a:t>Developed using Arduino IDE (C++)</a:t>
             </a:r>
             <a:endParaRPr/>
           </a:p>
@@ -22132,133 +26096,16 @@
                 <a:spcPts val="0"/>
               </a:spcAft>
               <a:buSzPts val="1800"/>
-              <a:buAutoNum type="arabicPeriod"/>
-            </a:pPr>
-            <a:r>
-              <a:rPr b="1" lang="de-CH"/>
-              <a:t>RTC Module Challenges</a:t>
-            </a:r>
-            <a:endParaRPr b="1"/>
-          </a:p>
-          <a:p>
-            <a:pPr indent="0" lvl="0" marL="914400" rtl="0" algn="l">
-              <a:lnSpc>
-                <a:spcPct val="115000"/>
-              </a:lnSpc>
-              <a:spcBef>
-                <a:spcPts val="0"/>
-              </a:spcBef>
-              <a:spcAft>
-                <a:spcPts val="0"/>
-              </a:spcAft>
-              <a:buNone/>
-            </a:pPr>
-            <a:r>
-              <a:rPr b="1" lang="de-CH"/>
-              <a:t>Problem: </a:t>
-            </a:r>
+              <a:buChar char="➔"/>
+            </a:pPr>
             <a:r>
               <a:rPr lang="de-CH"/>
-              <a:t>Difficulties in getting the RTC Module to function correctly</a:t>
-            </a:r>
-            <a:endParaRPr b="1"/>
-          </a:p>
-          <a:p>
-            <a:pPr indent="-342900" lvl="0" marL="457200" rtl="0" algn="l">
-              <a:lnSpc>
-                <a:spcPct val="115000"/>
-              </a:lnSpc>
-              <a:spcBef>
-                <a:spcPts val="0"/>
-              </a:spcBef>
-              <a:spcAft>
-                <a:spcPts val="0"/>
-              </a:spcAft>
-              <a:buSzPts val="1800"/>
-              <a:buAutoNum type="arabicPeriod"/>
-            </a:pPr>
-            <a:r>
-              <a:rPr b="1" lang="de-CH"/>
-              <a:t>Power Supply Issues</a:t>
-            </a:r>
-            <a:endParaRPr b="1"/>
-          </a:p>
-          <a:p>
-            <a:pPr indent="0" lvl="0" marL="914400" rtl="0" algn="l">
-              <a:lnSpc>
-                <a:spcPct val="115000"/>
-              </a:lnSpc>
-              <a:spcBef>
-                <a:spcPts val="0"/>
-              </a:spcBef>
-              <a:spcAft>
-                <a:spcPts val="0"/>
-              </a:spcAft>
-              <a:buNone/>
-            </a:pPr>
-            <a:r>
-              <a:rPr b="1" lang="de-CH"/>
-              <a:t>Problem: </a:t>
-            </a:r>
-            <a:r>
-              <a:rPr lang="de-CH"/>
-              <a:t>Wrong power supply caused multiple failures; components stopped working, Arduino board was not recognized by the computer</a:t>
+              <a:t>Serial communication for debugging</a:t>
             </a:r>
             <a:endParaRPr/>
           </a:p>
           <a:p>
-            <a:pPr indent="-342900" lvl="0" marL="457200" rtl="0" algn="l">
-              <a:lnSpc>
-                <a:spcPct val="115000"/>
-              </a:lnSpc>
-              <a:spcBef>
-                <a:spcPts val="0"/>
-              </a:spcBef>
-              <a:spcAft>
-                <a:spcPts val="0"/>
-              </a:spcAft>
-              <a:buSzPts val="1800"/>
-              <a:buAutoNum type="arabicPeriod"/>
-            </a:pPr>
-            <a:r>
-              <a:rPr b="1" lang="de-CH"/>
-              <a:t>LCD Backlight Failure</a:t>
-            </a:r>
-            <a:endParaRPr b="1"/>
-          </a:p>
-          <a:p>
             <a:pPr indent="0" lvl="0" marL="0" rtl="0" algn="l">
-              <a:lnSpc>
-                <a:spcPct val="115000"/>
-              </a:lnSpc>
-              <a:spcBef>
-                <a:spcPts val="0"/>
-              </a:spcBef>
-              <a:spcAft>
-                <a:spcPts val="0"/>
-              </a:spcAft>
-              <a:buNone/>
-            </a:pPr>
-            <a:r>
-              <a:rPr b="1" lang="de-CH"/>
-              <a:t>		Problem: </a:t>
-            </a:r>
-            <a:r>
-              <a:rPr lang="de-CH"/>
-              <a:t>LCD backlight stopped functioning 		at full </a:t>
-            </a:r>
-            <a:r>
-              <a:rPr lang="de-CH"/>
-              <a:t>potential</a:t>
-            </a:r>
-            <a:r>
-              <a:rPr lang="de-CH"/>
-              <a:t> </a:t>
-            </a:r>
-            <a:endParaRPr/>
-          </a:p>
-          <a:p>
-            <a:pPr indent="0" lvl="0" marL="457200" rtl="0" algn="l">
               <a:lnSpc>
                 <a:spcPct val="122222"/>
               </a:lnSpc>
@@ -22276,11 +26123,190 @@
             </a:r>
             <a:endParaRPr/>
           </a:p>
+          <a:p>
+            <a:pPr indent="0" lvl="0" marL="0" rtl="0" algn="l">
+              <a:lnSpc>
+                <a:spcPct val="122222"/>
+              </a:lnSpc>
+              <a:spcBef>
+                <a:spcPts val="0"/>
+              </a:spcBef>
+              <a:spcAft>
+                <a:spcPts val="0"/>
+              </a:spcAft>
+              <a:buSzPts val="1800"/>
+              <a:buNone/>
+            </a:pPr>
+            <a:r>
+              <a:rPr b="1" lang="de-CH"/>
+              <a:t>Core Functionalities</a:t>
+            </a:r>
+            <a:endParaRPr b="1"/>
+          </a:p>
+          <a:p>
+            <a:pPr indent="-342900" lvl="0" marL="457200" rtl="0" algn="l">
+              <a:lnSpc>
+                <a:spcPct val="115000"/>
+              </a:lnSpc>
+              <a:spcBef>
+                <a:spcPts val="0"/>
+              </a:spcBef>
+              <a:spcAft>
+                <a:spcPts val="0"/>
+              </a:spcAft>
+              <a:buSzPts val="1800"/>
+              <a:buChar char="➔"/>
+            </a:pPr>
+            <a:r>
+              <a:rPr lang="de-CH"/>
+              <a:t>Fingerprint Enrollment and Verification</a:t>
+            </a:r>
+            <a:endParaRPr/>
+          </a:p>
+          <a:p>
+            <a:pPr indent="-342900" lvl="0" marL="457200" rtl="0" algn="l">
+              <a:lnSpc>
+                <a:spcPct val="115000"/>
+              </a:lnSpc>
+              <a:spcBef>
+                <a:spcPts val="0"/>
+              </a:spcBef>
+              <a:spcAft>
+                <a:spcPts val="0"/>
+              </a:spcAft>
+              <a:buSzPts val="1800"/>
+              <a:buChar char="➔"/>
+            </a:pPr>
+            <a:r>
+              <a:rPr lang="de-CH"/>
+              <a:t>Time-Based Access Control</a:t>
+            </a:r>
+            <a:endParaRPr/>
+          </a:p>
+          <a:p>
+            <a:pPr indent="-342900" lvl="1" marL="914400" rtl="0" algn="l">
+              <a:lnSpc>
+                <a:spcPct val="115000"/>
+              </a:lnSpc>
+              <a:spcBef>
+                <a:spcPts val="0"/>
+              </a:spcBef>
+              <a:spcAft>
+                <a:spcPts val="0"/>
+              </a:spcAft>
+              <a:buSzPts val="1800"/>
+              <a:buChar char="–"/>
+            </a:pPr>
+            <a:r>
+              <a:rPr i="1" lang="de-CH"/>
+              <a:t>Access to predefined time slots</a:t>
+            </a:r>
+            <a:endParaRPr i="1"/>
+          </a:p>
+          <a:p>
+            <a:pPr indent="-342900" lvl="0" marL="457200" rtl="0" algn="l">
+              <a:lnSpc>
+                <a:spcPct val="115000"/>
+              </a:lnSpc>
+              <a:spcBef>
+                <a:spcPts val="0"/>
+              </a:spcBef>
+              <a:spcAft>
+                <a:spcPts val="0"/>
+              </a:spcAft>
+              <a:buSzPts val="1800"/>
+              <a:buChar char="➔"/>
+            </a:pPr>
+            <a:r>
+              <a:rPr lang="de-CH"/>
+              <a:t>LCD Display Handling</a:t>
+            </a:r>
+            <a:endParaRPr/>
+          </a:p>
+          <a:p>
+            <a:pPr indent="-342900" lvl="1" marL="914400" rtl="0" algn="l">
+              <a:lnSpc>
+                <a:spcPct val="115000"/>
+              </a:lnSpc>
+              <a:spcBef>
+                <a:spcPts val="0"/>
+              </a:spcBef>
+              <a:spcAft>
+                <a:spcPts val="0"/>
+              </a:spcAft>
+              <a:buSzPts val="1800"/>
+              <a:buChar char="–"/>
+            </a:pPr>
+            <a:r>
+              <a:rPr i="1" lang="de-CH"/>
+              <a:t>User Feedback Messages</a:t>
+            </a:r>
+            <a:endParaRPr i="1"/>
+          </a:p>
+          <a:p>
+            <a:pPr indent="-342900" lvl="0" marL="457200" rtl="0" algn="l">
+              <a:lnSpc>
+                <a:spcPct val="115000"/>
+              </a:lnSpc>
+              <a:spcBef>
+                <a:spcPts val="0"/>
+              </a:spcBef>
+              <a:spcAft>
+                <a:spcPts val="0"/>
+              </a:spcAft>
+              <a:buSzPts val="1800"/>
+              <a:buChar char="➔"/>
+            </a:pPr>
+            <a:r>
+              <a:rPr lang="de-CH"/>
+              <a:t>Relay Control</a:t>
+            </a:r>
+            <a:endParaRPr/>
+          </a:p>
+          <a:p>
+            <a:pPr indent="-342900" lvl="1" marL="914400" rtl="0" algn="l">
+              <a:lnSpc>
+                <a:spcPct val="115000"/>
+              </a:lnSpc>
+              <a:spcBef>
+                <a:spcPts val="0"/>
+              </a:spcBef>
+              <a:spcAft>
+                <a:spcPts val="0"/>
+              </a:spcAft>
+              <a:buSzPts val="1800"/>
+              <a:buChar char="–"/>
+            </a:pPr>
+            <a:r>
+              <a:rPr i="1" lang="de-CH"/>
+              <a:t>Lock Activation upon Verification and Time</a:t>
+            </a:r>
+            <a:endParaRPr i="1"/>
+          </a:p>
+          <a:p>
+            <a:pPr indent="0" lvl="0" marL="457200" rtl="0" algn="l">
+              <a:lnSpc>
+                <a:spcPct val="122222"/>
+              </a:lnSpc>
+              <a:spcBef>
+                <a:spcPts val="0"/>
+              </a:spcBef>
+              <a:spcAft>
+                <a:spcPts val="0"/>
+              </a:spcAft>
+              <a:buSzPts val="1800"/>
+              <a:buNone/>
+            </a:pPr>
+            <a:r>
+              <a:t/>
+            </a:r>
+            <a:endParaRPr/>
+          </a:p>
         </p:txBody>
       </p:sp>
       <p:sp>
         <p:nvSpPr>
-          <p:cNvPr id="184" name="Google Shape;184;g2af3d7fb70e_0_10"/>
+          <p:cNvPr id="184" name="Google Shape;184;g327601c541b_0_123"/>
           <p:cNvSpPr txBox="1"/>
           <p:nvPr>
             <p:ph idx="12" type="sldNum"/>
@@ -22306,6 +26332,9 @@
           <a:lstStyle/>
           <a:p>
             <a:pPr indent="0" lvl="0" marL="0" rtl="0" algn="r">
+              <a:lnSpc>
+                <a:spcPct val="100000"/>
+              </a:lnSpc>
               <a:spcBef>
                 <a:spcPts val="0"/>
               </a:spcBef>
@@ -22329,7 +26358,7 @@
       </p:sp>
       <p:sp>
         <p:nvSpPr>
-          <p:cNvPr id="185" name="Google Shape;185;g2af3d7fb70e_0_10"/>
+          <p:cNvPr id="185" name="Google Shape;185;g327601c541b_0_123"/>
           <p:cNvSpPr txBox="1"/>
           <p:nvPr>
             <p:ph idx="11" type="ftr"/>
@@ -22396,7 +26425,7 @@
       </p:sp>
       <p:sp>
         <p:nvSpPr>
-          <p:cNvPr id="186" name="Google Shape;186;g2af3d7fb70e_0_10"/>
+          <p:cNvPr id="186" name="Google Shape;186;g327601c541b_0_123"/>
           <p:cNvSpPr txBox="1"/>
           <p:nvPr>
             <p:ph idx="10" type="dt"/>
@@ -22484,159 +26513,33 @@
           </a:p>
         </p:txBody>
       </p:sp>
-      <p:sp>
-        <p:nvSpPr>
-          <p:cNvPr id="187" name="Google Shape;187;g2af3d7fb70e_0_10"/>
-          <p:cNvSpPr txBox="1"/>
-          <p:nvPr>
-            <p:ph idx="2" type="body"/>
-          </p:nvPr>
-        </p:nvSpPr>
+      <p:pic>
+        <p:nvPicPr>
+          <p:cNvPr id="187" name="Google Shape;187;g327601c541b_0_123"/>
+          <p:cNvPicPr preferRelativeResize="0"/>
+          <p:nvPr/>
+        </p:nvPicPr>
+        <p:blipFill rotWithShape="1">
+          <a:blip r:embed="rId3">
+            <a:alphaModFix/>
+          </a:blip>
+          <a:srcRect b="0" l="110" r="-110" t="0"/>
+          <a:stretch/>
+        </p:blipFill>
         <p:spPr>
           <a:xfrm>
-            <a:off x="6166800" y="1520826"/>
-            <a:ext cx="5688000" cy="4716600"/>
+            <a:off x="6508750" y="760775"/>
+            <a:ext cx="5336749" cy="5336448"/>
           </a:xfrm>
           <a:prstGeom prst="rect">
             <a:avLst/>
           </a:prstGeom>
+          <a:noFill/>
+          <a:ln>
+            <a:noFill/>
+          </a:ln>
         </p:spPr>
-        <p:txBody>
-          <a:bodyPr anchorCtr="0" anchor="t" bIns="0" lIns="0" spcFirstLastPara="1" rIns="0" wrap="square" tIns="0">
-            <a:noAutofit/>
-          </a:bodyPr>
-          <a:lstStyle/>
-          <a:p>
-            <a:pPr indent="-342900" lvl="0" marL="457200" rtl="0" algn="l">
-              <a:spcBef>
-                <a:spcPts val="0"/>
-              </a:spcBef>
-              <a:spcAft>
-                <a:spcPts val="0"/>
-              </a:spcAft>
-              <a:buSzPts val="1800"/>
-              <a:buAutoNum type="arabicPeriod"/>
-            </a:pPr>
-            <a:r>
-              <a:rPr b="1" lang="de-CH"/>
-              <a:t>Solution: </a:t>
-            </a:r>
-            <a:r>
-              <a:rPr lang="de-CH"/>
-              <a:t>Switched to a more stable keypad library, which resolved the issue and improved input accuracy</a:t>
-            </a:r>
-            <a:endParaRPr/>
-          </a:p>
-          <a:p>
-            <a:pPr indent="-342900" lvl="0" marL="457200" rtl="0" algn="l">
-              <a:spcBef>
-                <a:spcPts val="0"/>
-              </a:spcBef>
-              <a:spcAft>
-                <a:spcPts val="0"/>
-              </a:spcAft>
-              <a:buSzPts val="1800"/>
-              <a:buAutoNum type="arabicPeriod"/>
-            </a:pPr>
-            <a:r>
-              <a:rPr b="1" lang="de-CH"/>
-              <a:t>Solution: </a:t>
-            </a:r>
-            <a:r>
-              <a:rPr lang="de-CH"/>
-              <a:t>same as 3.</a:t>
-            </a:r>
-            <a:endParaRPr/>
-          </a:p>
-          <a:p>
-            <a:pPr indent="0" lvl="0" marL="0" rtl="0" algn="l">
-              <a:spcBef>
-                <a:spcPts val="0"/>
-              </a:spcBef>
-              <a:spcAft>
-                <a:spcPts val="0"/>
-              </a:spcAft>
-              <a:buNone/>
-            </a:pPr>
-            <a:r>
-              <a:t/>
-            </a:r>
-            <a:endParaRPr/>
-          </a:p>
-          <a:p>
-            <a:pPr indent="0" lvl="0" marL="0" rtl="0" algn="l">
-              <a:spcBef>
-                <a:spcPts val="0"/>
-              </a:spcBef>
-              <a:spcAft>
-                <a:spcPts val="0"/>
-              </a:spcAft>
-              <a:buNone/>
-            </a:pPr>
-            <a:r>
-              <a:t/>
-            </a:r>
-            <a:endParaRPr/>
-          </a:p>
-          <a:p>
-            <a:pPr indent="-342900" lvl="0" marL="457200" rtl="0" algn="l">
-              <a:spcBef>
-                <a:spcPts val="0"/>
-              </a:spcBef>
-              <a:spcAft>
-                <a:spcPts val="0"/>
-              </a:spcAft>
-              <a:buSzPts val="1800"/>
-              <a:buAutoNum type="arabicPeriod"/>
-            </a:pPr>
-            <a:r>
-              <a:rPr b="1" lang="de-CH"/>
-              <a:t>Solution: </a:t>
-            </a:r>
-            <a:r>
-              <a:rPr lang="de-CH"/>
-              <a:t>Purchased a new Arduino board with a Wi-Fi module, allowing us to fetch time from the network instead of relying on the RTC module</a:t>
-            </a:r>
-            <a:endParaRPr/>
-          </a:p>
-          <a:p>
-            <a:pPr indent="0" lvl="0" marL="0" rtl="0" algn="l">
-              <a:spcBef>
-                <a:spcPts val="0"/>
-              </a:spcBef>
-              <a:spcAft>
-                <a:spcPts val="0"/>
-              </a:spcAft>
-              <a:buNone/>
-            </a:pPr>
-            <a:r>
-              <a:t/>
-            </a:r>
-            <a:endParaRPr/>
-          </a:p>
-          <a:p>
-            <a:pPr indent="-342900" lvl="0" marL="457200" rtl="0" algn="l">
-              <a:spcBef>
-                <a:spcPts val="0"/>
-              </a:spcBef>
-              <a:spcAft>
-                <a:spcPts val="0"/>
-              </a:spcAft>
-              <a:buSzPts val="1800"/>
-              <a:buAutoNum type="arabicPeriod"/>
-            </a:pPr>
-            <a:r>
-              <a:rPr b="1" lang="de-CH"/>
-              <a:t>Solution: </a:t>
-            </a:r>
-            <a:r>
-              <a:rPr lang="de-CH"/>
-              <a:t>Replaced the LCD screen with a new one, which resolved the problem</a:t>
-            </a:r>
-            <a:endParaRPr/>
-          </a:p>
-        </p:txBody>
-      </p:sp>
+      </p:pic>
     </p:spTree>
   </p:cSld>
   <p:clrMapOvr>
@@ -22664,16 +26567,16 @@
       </p:grpSpPr>
       <p:sp>
         <p:nvSpPr>
-          <p:cNvPr id="193" name="Google Shape;193;g2af3d7fb70e_0_19"/>
+          <p:cNvPr id="193" name="Google Shape;193;g2af3d7fb70e_0_10"/>
           <p:cNvSpPr txBox="1"/>
           <p:nvPr>
-            <p:ph type="ctrTitle"/>
+            <p:ph type="title"/>
           </p:nvPr>
         </p:nvSpPr>
         <p:spPr>
           <a:xfrm>
-            <a:off x="838800" y="1376363"/>
-            <a:ext cx="7284300" cy="1044600"/>
+            <a:off x="334800" y="404813"/>
+            <a:ext cx="11521800" cy="756000"/>
           </a:xfrm>
           <a:prstGeom prst="rect">
             <a:avLst/>
@@ -22704,7 +26607,7 @@
             </a:pPr>
             <a:r>
               <a:rPr lang="de-CH"/>
-              <a:t>Results</a:t>
+              <a:t>Challenges Faced</a:t>
             </a:r>
             <a:endParaRPr/>
           </a:p>
@@ -22712,16 +26615,16 @@
       </p:sp>
       <p:sp>
         <p:nvSpPr>
-          <p:cNvPr id="194" name="Google Shape;194;g2af3d7fb70e_0_19"/>
+          <p:cNvPr id="194" name="Google Shape;194;g2af3d7fb70e_0_10"/>
           <p:cNvSpPr txBox="1"/>
           <p:nvPr>
-            <p:ph idx="1" type="subTitle"/>
+            <p:ph idx="1" type="body"/>
           </p:nvPr>
         </p:nvSpPr>
         <p:spPr>
           <a:xfrm>
-            <a:off x="838800" y="2564904"/>
-            <a:ext cx="9067800" cy="324000"/>
+            <a:off x="334800" y="1522800"/>
+            <a:ext cx="5688000" cy="4716600"/>
           </a:xfrm>
           <a:prstGeom prst="rect">
             <a:avLst/>
@@ -22737,16 +26640,197 @@
           </a:bodyPr>
           <a:lstStyle/>
           <a:p>
+            <a:pPr indent="-342900" lvl="0" marL="457200" rtl="0" algn="l">
+              <a:lnSpc>
+                <a:spcPct val="115000"/>
+              </a:lnSpc>
+              <a:spcBef>
+                <a:spcPts val="0"/>
+              </a:spcBef>
+              <a:spcAft>
+                <a:spcPts val="0"/>
+              </a:spcAft>
+              <a:buSzPts val="1800"/>
+              <a:buAutoNum type="arabicPeriod"/>
+            </a:pPr>
+            <a:r>
+              <a:rPr b="1" lang="de-CH"/>
+              <a:t>Keypad Sensitivity Issues</a:t>
+            </a:r>
+            <a:endParaRPr b="1"/>
+          </a:p>
+          <a:p>
+            <a:pPr indent="0" lvl="0" marL="0" rtl="0" algn="l">
+              <a:lnSpc>
+                <a:spcPct val="115000"/>
+              </a:lnSpc>
+              <a:spcBef>
+                <a:spcPts val="0"/>
+              </a:spcBef>
+              <a:spcAft>
+                <a:spcPts val="0"/>
+              </a:spcAft>
+              <a:buNone/>
+            </a:pPr>
+            <a:r>
+              <a:rPr b="1" lang="de-CH"/>
+              <a:t>		Problem: </a:t>
+            </a:r>
+            <a:r>
+              <a:rPr lang="de-CH"/>
+              <a:t>Keypad produced ghost inputs			and was overly sensitive</a:t>
+            </a:r>
+            <a:endParaRPr/>
+          </a:p>
+          <a:p>
+            <a:pPr indent="-342900" lvl="0" marL="457200" rtl="0" algn="l">
+              <a:lnSpc>
+                <a:spcPct val="115000"/>
+              </a:lnSpc>
+              <a:spcBef>
+                <a:spcPts val="0"/>
+              </a:spcBef>
+              <a:spcAft>
+                <a:spcPts val="0"/>
+              </a:spcAft>
+              <a:buSzPts val="1800"/>
+              <a:buAutoNum type="arabicPeriod"/>
+            </a:pPr>
+            <a:r>
+              <a:rPr b="1" lang="de-CH"/>
+              <a:t>RTC Module Challenges</a:t>
+            </a:r>
+            <a:endParaRPr b="1"/>
+          </a:p>
+          <a:p>
+            <a:pPr indent="0" lvl="0" marL="914400" rtl="0" algn="l">
+              <a:lnSpc>
+                <a:spcPct val="115000"/>
+              </a:lnSpc>
+              <a:spcBef>
+                <a:spcPts val="0"/>
+              </a:spcBef>
+              <a:spcAft>
+                <a:spcPts val="0"/>
+              </a:spcAft>
+              <a:buNone/>
+            </a:pPr>
+            <a:r>
+              <a:rPr b="1" lang="de-CH"/>
+              <a:t>Problem: </a:t>
+            </a:r>
+            <a:r>
+              <a:rPr lang="de-CH"/>
+              <a:t>Difficulties in getting the RTC Module to function correctly</a:t>
+            </a:r>
+            <a:endParaRPr b="1"/>
+          </a:p>
+          <a:p>
+            <a:pPr indent="-342900" lvl="0" marL="457200" rtl="0" algn="l">
+              <a:lnSpc>
+                <a:spcPct val="115000"/>
+              </a:lnSpc>
+              <a:spcBef>
+                <a:spcPts val="0"/>
+              </a:spcBef>
+              <a:spcAft>
+                <a:spcPts val="0"/>
+              </a:spcAft>
+              <a:buSzPts val="1800"/>
+              <a:buAutoNum type="arabicPeriod"/>
+            </a:pPr>
+            <a:r>
+              <a:rPr b="1" lang="de-CH"/>
+              <a:t>Power Supply Issues</a:t>
+            </a:r>
+            <a:endParaRPr b="1"/>
+          </a:p>
+          <a:p>
+            <a:pPr indent="0" lvl="0" marL="914400" rtl="0" algn="l">
+              <a:lnSpc>
+                <a:spcPct val="115000"/>
+              </a:lnSpc>
+              <a:spcBef>
+                <a:spcPts val="0"/>
+              </a:spcBef>
+              <a:spcAft>
+                <a:spcPts val="0"/>
+              </a:spcAft>
+              <a:buNone/>
+            </a:pPr>
+            <a:r>
+              <a:rPr b="1" lang="de-CH"/>
+              <a:t>Problem: </a:t>
+            </a:r>
+            <a:r>
+              <a:rPr lang="de-CH"/>
+              <a:t>Wrong power supply caused multiple failures; components stopped working, Arduino board was not recognized by the computer</a:t>
+            </a:r>
+            <a:endParaRPr/>
+          </a:p>
+          <a:p>
+            <a:pPr indent="-342900" lvl="0" marL="457200" rtl="0" algn="l">
+              <a:lnSpc>
+                <a:spcPct val="115000"/>
+              </a:lnSpc>
+              <a:spcBef>
+                <a:spcPts val="0"/>
+              </a:spcBef>
+              <a:spcAft>
+                <a:spcPts val="0"/>
+              </a:spcAft>
+              <a:buSzPts val="1800"/>
+              <a:buAutoNum type="arabicPeriod"/>
+            </a:pPr>
+            <a:r>
+              <a:rPr b="1" lang="de-CH"/>
+              <a:t>LCD Backlight Failure</a:t>
+            </a:r>
+            <a:endParaRPr b="1"/>
+          </a:p>
+          <a:p>
+            <a:pPr indent="0" lvl="0" marL="0" rtl="0" algn="l">
+              <a:lnSpc>
+                <a:spcPct val="115000"/>
+              </a:lnSpc>
+              <a:spcBef>
+                <a:spcPts val="0"/>
+              </a:spcBef>
+              <a:spcAft>
+                <a:spcPts val="0"/>
+              </a:spcAft>
+              <a:buNone/>
+            </a:pPr>
+            <a:r>
+              <a:rPr b="1" lang="de-CH"/>
+              <a:t>		Problem: </a:t>
+            </a:r>
+            <a:r>
+              <a:rPr lang="de-CH"/>
+              <a:t>LCD backlight stopped functioning 		at full </a:t>
+            </a:r>
+            <a:r>
+              <a:rPr lang="de-CH"/>
+              <a:t>potential</a:t>
+            </a:r>
+            <a:r>
+              <a:rPr lang="de-CH"/>
+              <a:t> </a:t>
+            </a:r>
+            <a:endParaRPr/>
+          </a:p>
+          <a:p>
             <a:pPr indent="0" lvl="0" marL="457200" rtl="0" algn="l">
               <a:lnSpc>
-                <a:spcPct val="115000"/>
-              </a:lnSpc>
-              <a:spcBef>
-                <a:spcPts val="0"/>
-              </a:spcBef>
-              <a:spcAft>
-                <a:spcPts val="0"/>
-              </a:spcAft>
+                <a:spcPct val="122222"/>
+              </a:lnSpc>
+              <a:spcBef>
+                <a:spcPts val="0"/>
+              </a:spcBef>
+              <a:spcAft>
+                <a:spcPts val="0"/>
+              </a:spcAft>
+              <a:buSzPts val="1800"/>
               <a:buNone/>
             </a:pPr>
             <a:r>
@@ -22754,30 +26838,11 @@
             </a:r>
             <a:endParaRPr/>
           </a:p>
-          <a:p>
-            <a:pPr indent="0" lvl="0" marL="457200" rtl="0" algn="l">
-              <a:lnSpc>
-                <a:spcPct val="122222"/>
-              </a:lnSpc>
-              <a:spcBef>
-                <a:spcPts val="0"/>
-              </a:spcBef>
-              <a:spcAft>
-                <a:spcPts val="0"/>
-              </a:spcAft>
-              <a:buSzPts val="1800"/>
-              <a:buNone/>
-            </a:pPr>
-            <a:r>
-              <a:t/>
-            </a:r>
-            <a:endParaRPr/>
-          </a:p>
         </p:txBody>
       </p:sp>
       <p:sp>
         <p:nvSpPr>
-          <p:cNvPr id="195" name="Google Shape;195;g2af3d7fb70e_0_19"/>
+          <p:cNvPr id="195" name="Google Shape;195;g2af3d7fb70e_0_10"/>
           <p:cNvSpPr txBox="1"/>
           <p:nvPr>
             <p:ph idx="12" type="sldNum"/>
@@ -22785,8 +26850,8 @@
         </p:nvSpPr>
         <p:spPr>
           <a:xfrm>
-            <a:off x="11409045" y="6333134"/>
-            <a:ext cx="731700" cy="525000"/>
+            <a:off x="11664965" y="6525344"/>
+            <a:ext cx="191700" cy="180000"/>
           </a:xfrm>
           <a:prstGeom prst="rect">
             <a:avLst/>
@@ -22817,19 +26882,19 @@
               <a:buNone/>
             </a:pPr>
             <a:fld id="{00000000-1234-1234-1234-123412341234}" type="slidenum">
-              <a:rPr lang="de-CH" sz="1300"/>
+              <a:rPr lang="de-CH"/>
               <a:t>‹#›</a:t>
             </a:fld>
-            <a:endParaRPr sz="1300"/>
+            <a:endParaRPr/>
           </a:p>
         </p:txBody>
       </p:sp>
       <p:sp>
         <p:nvSpPr>
-          <p:cNvPr id="196" name="Google Shape;196;g2af3d7fb70e_0_19"/>
+          <p:cNvPr id="196" name="Google Shape;196;g2af3d7fb70e_0_10"/>
           <p:cNvSpPr txBox="1"/>
           <p:nvPr>
-            <p:ph idx="4294967295" type="ftr"/>
+            <p:ph idx="11" type="ftr"/>
           </p:nvPr>
         </p:nvSpPr>
         <p:spPr>
@@ -22893,10 +26958,10 @@
       </p:sp>
       <p:sp>
         <p:nvSpPr>
-          <p:cNvPr id="197" name="Google Shape;197;g2af3d7fb70e_0_19"/>
+          <p:cNvPr id="197" name="Google Shape;197;g2af3d7fb70e_0_10"/>
           <p:cNvSpPr txBox="1"/>
           <p:nvPr>
-            <p:ph idx="4294967295" type="dt"/>
+            <p:ph idx="10" type="dt"/>
           </p:nvPr>
         </p:nvSpPr>
         <p:spPr>
@@ -22983,21 +27048,156 @@
       </p:sp>
       <p:sp>
         <p:nvSpPr>
-          <p:cNvPr id="198" name="Google Shape;198;g2af3d7fb70e_0_19"/>
-          <p:cNvSpPr/>
+          <p:cNvPr id="198" name="Google Shape;198;g2af3d7fb70e_0_10"/>
+          <p:cNvSpPr txBox="1"/>
           <p:nvPr>
-            <p:ph idx="2" type="pic"/>
+            <p:ph idx="2" type="body"/>
           </p:nvPr>
         </p:nvSpPr>
         <p:spPr>
           <a:xfrm>
-            <a:off x="215900" y="2997203"/>
-            <a:ext cx="11760300" cy="3641700"/>
+            <a:off x="6166800" y="1520826"/>
+            <a:ext cx="5688000" cy="4716600"/>
           </a:xfrm>
           <a:prstGeom prst="rect">
             <a:avLst/>
           </a:prstGeom>
         </p:spPr>
+        <p:txBody>
+          <a:bodyPr anchorCtr="0" anchor="t" bIns="0" lIns="0" spcFirstLastPara="1" rIns="0" wrap="square" tIns="0">
+            <a:noAutofit/>
+          </a:bodyPr>
+          <a:lstStyle/>
+          <a:p>
+            <a:pPr indent="-342900" lvl="0" marL="457200" rtl="0" algn="l">
+              <a:spcBef>
+                <a:spcPts val="0"/>
+              </a:spcBef>
+              <a:spcAft>
+                <a:spcPts val="0"/>
+              </a:spcAft>
+              <a:buSzPts val="1800"/>
+              <a:buAutoNum type="arabicPeriod"/>
+            </a:pPr>
+            <a:r>
+              <a:rPr b="1" lang="de-CH"/>
+              <a:t>Solution: </a:t>
+            </a:r>
+            <a:r>
+              <a:rPr lang="de-CH"/>
+              <a:t>Switched to a more stable keypad library, which resolved the issue and improved input accuracy</a:t>
+            </a:r>
+            <a:endParaRPr/>
+          </a:p>
+          <a:p>
+            <a:pPr indent="-342900" lvl="0" marL="457200" rtl="0" algn="l">
+              <a:spcBef>
+                <a:spcPts val="0"/>
+              </a:spcBef>
+              <a:spcAft>
+                <a:spcPts val="0"/>
+              </a:spcAft>
+              <a:buSzPts val="1800"/>
+              <a:buAutoNum type="arabicPeriod"/>
+            </a:pPr>
+            <a:r>
+              <a:rPr b="1" lang="de-CH"/>
+              <a:t>Solution: </a:t>
+            </a:r>
+            <a:r>
+              <a:rPr lang="de-CH"/>
+              <a:t>same as 3.</a:t>
+            </a:r>
+            <a:endParaRPr/>
+          </a:p>
+          <a:p>
+            <a:pPr indent="0" lvl="0" marL="0" rtl="0" algn="l">
+              <a:spcBef>
+                <a:spcPts val="0"/>
+              </a:spcBef>
+              <a:spcAft>
+                <a:spcPts val="0"/>
+              </a:spcAft>
+              <a:buNone/>
+            </a:pPr>
+            <a:r>
+              <a:t/>
+            </a:r>
+            <a:endParaRPr/>
+          </a:p>
+          <a:p>
+            <a:pPr indent="0" lvl="0" marL="0" rtl="0" algn="l">
+              <a:spcBef>
+                <a:spcPts val="0"/>
+              </a:spcBef>
+              <a:spcAft>
+                <a:spcPts val="0"/>
+              </a:spcAft>
+              <a:buNone/>
+            </a:pPr>
+            <a:r>
+              <a:t/>
+            </a:r>
+            <a:endParaRPr/>
+          </a:p>
+          <a:p>
+            <a:pPr indent="-342900" lvl="0" marL="457200" rtl="0" algn="l">
+              <a:spcBef>
+                <a:spcPts val="0"/>
+              </a:spcBef>
+              <a:spcAft>
+                <a:spcPts val="0"/>
+              </a:spcAft>
+              <a:buSzPts val="1800"/>
+              <a:buAutoNum type="arabicPeriod"/>
+            </a:pPr>
+            <a:r>
+              <a:rPr b="1" lang="de-CH"/>
+              <a:t>Solution: </a:t>
+            </a:r>
+            <a:r>
+              <a:rPr lang="de-CH"/>
+              <a:t>Purchased a new Arduino board with a Wi-Fi module, allowing us to fetch time from the network instead of relying on the RTC module</a:t>
+            </a:r>
+            <a:endParaRPr/>
+          </a:p>
+          <a:p>
+            <a:pPr indent="0" lvl="0" marL="0" rtl="0" algn="l">
+              <a:spcBef>
+                <a:spcPts val="0"/>
+              </a:spcBef>
+              <a:spcAft>
+                <a:spcPts val="0"/>
+              </a:spcAft>
+              <a:buNone/>
+            </a:pPr>
+            <a:r>
+              <a:t/>
+            </a:r>
+            <a:endParaRPr/>
+          </a:p>
+          <a:p>
+            <a:pPr indent="-342900" lvl="0" marL="457200" rtl="0" algn="l">
+              <a:spcBef>
+                <a:spcPts val="0"/>
+              </a:spcBef>
+              <a:spcAft>
+                <a:spcPts val="0"/>
+              </a:spcAft>
+              <a:buSzPts val="1800"/>
+              <a:buAutoNum type="arabicPeriod"/>
+            </a:pPr>
+            <a:r>
+              <a:rPr b="1" lang="de-CH"/>
+              <a:t>Solution: </a:t>
+            </a:r>
+            <a:r>
+              <a:rPr lang="de-CH"/>
+              <a:t>Replaced the LCD screen with a new one, which resolved the problem</a:t>
+            </a:r>
+            <a:endParaRPr/>
+          </a:p>
+        </p:txBody>
       </p:sp>
     </p:spTree>
   </p:cSld>
@@ -23008,6 +27208,285 @@
 </file>
 
 <file path=ppt/theme/theme1.xml><?xml version="1.0" encoding="utf-8"?>
+<a:theme xmlns:a="http://schemas.openxmlformats.org/drawingml/2006/main" xmlns:r="http://schemas.openxmlformats.org/officeDocument/2006/relationships" name="uni_basel_V04_de">
+  <a:themeElements>
+    <a:clrScheme name="Uni Basel">
+      <a:dk1>
+        <a:srgbClr val="000000"/>
+      </a:dk1>
+      <a:lt1>
+        <a:srgbClr val="FFFFFF"/>
+      </a:lt1>
+      <a:dk2>
+        <a:srgbClr val="006E6E"/>
+      </a:dk2>
+      <a:lt2>
+        <a:srgbClr val="BEC3C8"/>
+      </a:lt2>
+      <a:accent1>
+        <a:srgbClr val="A5D7D2"/>
+      </a:accent1>
+      <a:accent2>
+        <a:srgbClr val="1EA5A5"/>
+      </a:accent2>
+      <a:accent3>
+        <a:srgbClr val="2D373C"/>
+      </a:accent3>
+      <a:accent4>
+        <a:srgbClr val="8C9196"/>
+      </a:accent4>
+      <a:accent5>
+        <a:srgbClr val="D20537"/>
+      </a:accent5>
+      <a:accent6>
+        <a:srgbClr val="EB829B"/>
+      </a:accent6>
+      <a:hlink>
+        <a:srgbClr val="000000"/>
+      </a:hlink>
+      <a:folHlink>
+        <a:srgbClr val="000000"/>
+      </a:folHlink>
+    </a:clrScheme>
+    <a:fontScheme name="Office">
+      <a:majorFont>
+        <a:latin typeface="Arial"/>
+        <a:ea typeface=""/>
+        <a:cs typeface=""/>
+        <a:font script="Jpan" typeface="ＭＳ Ｐゴシック"/>
+        <a:font script="Hang" typeface="맑은 고딕"/>
+        <a:font script="Hans" typeface="宋体"/>
+        <a:font script="Hant" typeface="新細明體"/>
+        <a:font script="Arab" typeface="Times New Roman"/>
+        <a:font script="Hebr" typeface="Times New Roman"/>
+        <a:font script="Thai" typeface="Angsana New"/>
+        <a:font script="Ethi" typeface="Nyala"/>
+        <a:font script="Beng" typeface="Vrinda"/>
+        <a:font script="Gujr" typeface="Shruti"/>
+        <a:font script="Khmr" typeface="MoolBoran"/>
+        <a:font script="Knda" typeface="Tunga"/>
+        <a:font script="Guru" typeface="Raavi"/>
+        <a:font script="Cans" typeface="Euphemia"/>
+        <a:font script="Cher" typeface="Plantagenet Cherokee"/>
+        <a:font script="Yiii" typeface="Microsoft Yi Baiti"/>
+        <a:font script="Tibt" typeface="Microsoft Himalaya"/>
+        <a:font script="Thaa" typeface="MV Boli"/>
+        <a:font script="Deva" typeface="Mangal"/>
+        <a:font script="Telu" typeface="Gautami"/>
+        <a:font script="Taml" typeface="Latha"/>
+        <a:font script="Syrc" typeface="Estrangelo Edessa"/>
+        <a:font script="Orya" typeface="Kalinga"/>
+        <a:font script="Mlym" typeface="Kartika"/>
+        <a:font script="Laoo" typeface="DokChampa"/>
+        <a:font script="Sinh" typeface="Iskoola Pota"/>
+        <a:font script="Mong" typeface="Mongolian Baiti"/>
+        <a:font script="Viet" typeface="Times New Roman"/>
+        <a:font script="Uigh" typeface="Microsoft Uighur"/>
+        <a:font script="Geor" typeface="Sylfaen"/>
+      </a:majorFont>
+      <a:minorFont>
+        <a:latin typeface="Arial"/>
+        <a:ea typeface=""/>
+        <a:cs typeface=""/>
+        <a:font script="Jpan" typeface="ＭＳ Ｐゴシック"/>
+        <a:font script="Hang" typeface="맑은 고딕"/>
+        <a:font script="Hans" typeface="宋体"/>
+        <a:font script="Hant" typeface="新細明體"/>
+        <a:font script="Arab" typeface="Arial"/>
+        <a:font script="Hebr" typeface="Arial"/>
+        <a:font script="Thai" typeface="Cordia New"/>
+        <a:font script="Ethi" typeface="Nyala"/>
+        <a:font script="Beng" typeface="Vrinda"/>
+        <a:font script="Gujr" typeface="Shruti"/>
+        <a:font script="Khmr" typeface="DaunPenh"/>
+        <a:font script="Knda" typeface="Tunga"/>
+        <a:font script="Guru" typeface="Raavi"/>
+        <a:font script="Cans" typeface="Euphemia"/>
+        <a:font script="Cher" typeface="Plantagenet Cherokee"/>
+        <a:font script="Yiii" typeface="Microsoft Yi Baiti"/>
+        <a:font script="Tibt" typeface="Microsoft Himalaya"/>
+        <a:font script="Thaa" typeface="MV Boli"/>
+        <a:font script="Deva" typeface="Mangal"/>
+        <a:font script="Telu" typeface="Gautami"/>
+        <a:font script="Taml" typeface="Latha"/>
+        <a:font script="Syrc" typeface="Estrangelo Edessa"/>
+        <a:font script="Orya" typeface="Kalinga"/>
+        <a:font script="Mlym" typeface="Kartika"/>
+        <a:font script="Laoo" typeface="DokChampa"/>
+        <a:font script="Sinh" typeface="Iskoola Pota"/>
+        <a:font script="Mong" typeface="Mongolian Baiti"/>
+        <a:font script="Viet" typeface="Arial"/>
+        <a:font script="Uigh" typeface="Microsoft Uighur"/>
+        <a:font script="Geor" typeface="Sylfaen"/>
+      </a:minorFont>
+    </a:fontScheme>
+    <a:fmtScheme name="Office">
+      <a:fillStyleLst>
+        <a:solidFill>
+          <a:schemeClr val="phClr"/>
+        </a:solidFill>
+        <a:gradFill rotWithShape="1">
+          <a:gsLst>
+            <a:gs pos="0">
+              <a:schemeClr val="phClr">
+                <a:tint val="50000"/>
+                <a:satMod val="300000"/>
+              </a:schemeClr>
+            </a:gs>
+            <a:gs pos="35000">
+              <a:schemeClr val="phClr">
+                <a:tint val="37000"/>
+                <a:satMod val="300000"/>
+              </a:schemeClr>
+            </a:gs>
+            <a:gs pos="100000">
+              <a:schemeClr val="phClr">
+                <a:tint val="15000"/>
+                <a:satMod val="350000"/>
+              </a:schemeClr>
+            </a:gs>
+          </a:gsLst>
+          <a:lin ang="16200000" scaled="1"/>
+        </a:gradFill>
+        <a:gradFill rotWithShape="1">
+          <a:gsLst>
+            <a:gs pos="0">
+              <a:schemeClr val="phClr">
+                <a:tint val="100000"/>
+                <a:shade val="100000"/>
+                <a:satMod val="130000"/>
+              </a:schemeClr>
+            </a:gs>
+            <a:gs pos="100000">
+              <a:schemeClr val="phClr">
+                <a:tint val="50000"/>
+                <a:shade val="100000"/>
+                <a:satMod val="350000"/>
+              </a:schemeClr>
+            </a:gs>
+          </a:gsLst>
+          <a:lin ang="16200000" scaled="0"/>
+        </a:gradFill>
+      </a:fillStyleLst>
+      <a:lnStyleLst>
+        <a:ln w="9525" cap="flat" cmpd="sng" algn="ctr">
+          <a:solidFill>
+            <a:schemeClr val="phClr">
+              <a:shade val="95000"/>
+              <a:satMod val="105000"/>
+            </a:schemeClr>
+          </a:solidFill>
+          <a:prstDash val="solid"/>
+        </a:ln>
+        <a:ln w="25400" cap="flat" cmpd="sng" algn="ctr">
+          <a:solidFill>
+            <a:schemeClr val="phClr"/>
+          </a:solidFill>
+          <a:prstDash val="solid"/>
+        </a:ln>
+        <a:ln w="38100" cap="flat" cmpd="sng" algn="ctr">
+          <a:solidFill>
+            <a:schemeClr val="phClr"/>
+          </a:solidFill>
+          <a:prstDash val="solid"/>
+        </a:ln>
+      </a:lnStyleLst>
+      <a:effectStyleLst>
+        <a:effectStyle>
+          <a:effectLst>
+            <a:outerShdw blurRad="40000" dist="20000" dir="5400000" rotWithShape="0">
+              <a:srgbClr val="000000">
+                <a:alpha val="38000"/>
+              </a:srgbClr>
+            </a:outerShdw>
+          </a:effectLst>
+        </a:effectStyle>
+        <a:effectStyle>
+          <a:effectLst>
+            <a:outerShdw blurRad="40000" dist="23000" dir="5400000" rotWithShape="0">
+              <a:srgbClr val="000000">
+                <a:alpha val="35000"/>
+              </a:srgbClr>
+            </a:outerShdw>
+          </a:effectLst>
+        </a:effectStyle>
+        <a:effectStyle>
+          <a:effectLst>
+            <a:outerShdw blurRad="40000" dist="23000" dir="5400000" rotWithShape="0">
+              <a:srgbClr val="000000">
+                <a:alpha val="35000"/>
+              </a:srgbClr>
+            </a:outerShdw>
+          </a:effectLst>
+          <a:scene3d>
+            <a:camera prst="orthographicFront">
+              <a:rot lat="0" lon="0" rev="0"/>
+            </a:camera>
+            <a:lightRig rig="threePt" dir="t">
+              <a:rot lat="0" lon="0" rev="1200000"/>
+            </a:lightRig>
+          </a:scene3d>
+          <a:sp3d>
+            <a:bevelT w="63500" h="25400"/>
+          </a:sp3d>
+        </a:effectStyle>
+      </a:effectStyleLst>
+      <a:bgFillStyleLst>
+        <a:solidFill>
+          <a:schemeClr val="phClr"/>
+        </a:solidFill>
+        <a:gradFill rotWithShape="1">
+          <a:gsLst>
+            <a:gs pos="0">
+              <a:schemeClr val="phClr">
+                <a:tint val="40000"/>
+                <a:satMod val="350000"/>
+              </a:schemeClr>
+            </a:gs>
+            <a:gs pos="40000">
+              <a:schemeClr val="phClr">
+                <a:tint val="45000"/>
+                <a:shade val="99000"/>
+                <a:satMod val="350000"/>
+              </a:schemeClr>
+            </a:gs>
+            <a:gs pos="100000">
+              <a:schemeClr val="phClr">
+                <a:shade val="20000"/>
+                <a:satMod val="255000"/>
+              </a:schemeClr>
+            </a:gs>
+          </a:gsLst>
+          <a:path path="circle">
+            <a:fillToRect l="50000" t="-80000" r="50000" b="180000"/>
+          </a:path>
+        </a:gradFill>
+        <a:gradFill rotWithShape="1">
+          <a:gsLst>
+            <a:gs pos="0">
+              <a:schemeClr val="phClr">
+                <a:tint val="80000"/>
+                <a:satMod val="300000"/>
+              </a:schemeClr>
+            </a:gs>
+            <a:gs pos="100000">
+              <a:schemeClr val="phClr">
+                <a:shade val="30000"/>
+                <a:satMod val="200000"/>
+              </a:schemeClr>
+            </a:gs>
+          </a:gsLst>
+          <a:path path="circle">
+            <a:fillToRect l="50000" t="50000" r="50000" b="50000"/>
+          </a:path>
+        </a:gradFill>
+      </a:bgFillStyleLst>
+    </a:fmtScheme>
+  </a:themeElements>
+</a:theme>
+</file>
+
+<file path=ppt/theme/theme2.xml><?xml version="1.0" encoding="utf-8"?>
 <a:theme xmlns:a="http://schemas.openxmlformats.org/drawingml/2006/main" xmlns:r="http://schemas.openxmlformats.org/officeDocument/2006/relationships" name="Larissa">
   <a:themeElements>
     <a:clrScheme name="Larissa">
@@ -23284,283 +27763,4 @@
     </a:fmtScheme>
   </a:themeElements>
 </a:theme>
-</file>
-
-<file path=ppt/theme/theme2.xml><?xml version="1.0" encoding="utf-8"?>
-<a:theme xmlns:a="http://schemas.openxmlformats.org/drawingml/2006/main" xmlns:r="http://schemas.openxmlformats.org/officeDocument/2006/relationships" name="uni_basel_V04_de">
-  <a:themeElements>
-    <a:clrScheme name="Uni Basel">
-      <a:dk1>
-        <a:srgbClr val="000000"/>
-      </a:dk1>
-      <a:lt1>
-        <a:srgbClr val="FFFFFF"/>
-      </a:lt1>
-      <a:dk2>
-        <a:srgbClr val="006E6E"/>
-      </a:dk2>
-      <a:lt2>
-        <a:srgbClr val="BEC3C8"/>
-      </a:lt2>
-      <a:accent1>
-        <a:srgbClr val="A5D7D2"/>
-      </a:accent1>
-      <a:accent2>
-        <a:srgbClr val="1EA5A5"/>
-      </a:accent2>
-      <a:accent3>
-        <a:srgbClr val="2D373C"/>
-      </a:accent3>
-      <a:accent4>
-        <a:srgbClr val="8C9196"/>
-      </a:accent4>
-      <a:accent5>
-        <a:srgbClr val="D20537"/>
-      </a:accent5>
-      <a:accent6>
-        <a:srgbClr val="EB829B"/>
-      </a:accent6>
-      <a:hlink>
-        <a:srgbClr val="000000"/>
-      </a:hlink>
-      <a:folHlink>
-        <a:srgbClr val="000000"/>
-      </a:folHlink>
-    </a:clrScheme>
-    <a:fontScheme name="Office">
-      <a:majorFont>
-        <a:latin typeface="Arial"/>
-        <a:ea typeface=""/>
-        <a:cs typeface=""/>
-        <a:font script="Jpan" typeface="ＭＳ Ｐゴシック"/>
-        <a:font script="Hang" typeface="맑은 고딕"/>
-        <a:font script="Hans" typeface="宋体"/>
-        <a:font script="Hant" typeface="新細明體"/>
-        <a:font script="Arab" typeface="Times New Roman"/>
-        <a:font script="Hebr" typeface="Times New Roman"/>
-        <a:font script="Thai" typeface="Angsana New"/>
-        <a:font script="Ethi" typeface="Nyala"/>
-        <a:font script="Beng" typeface="Vrinda"/>
-        <a:font script="Gujr" typeface="Shruti"/>
-        <a:font script="Khmr" typeface="MoolBoran"/>
-        <a:font script="Knda" typeface="Tunga"/>
-        <a:font script="Guru" typeface="Raavi"/>
-        <a:font script="Cans" typeface="Euphemia"/>
-        <a:font script="Cher" typeface="Plantagenet Cherokee"/>
-        <a:font script="Yiii" typeface="Microsoft Yi Baiti"/>
-        <a:font script="Tibt" typeface="Microsoft Himalaya"/>
-        <a:font script="Thaa" typeface="MV Boli"/>
-        <a:font script="Deva" typeface="Mangal"/>
-        <a:font script="Telu" typeface="Gautami"/>
-        <a:font script="Taml" typeface="Latha"/>
-        <a:font script="Syrc" typeface="Estrangelo Edessa"/>
-        <a:font script="Orya" typeface="Kalinga"/>
-        <a:font script="Mlym" typeface="Kartika"/>
-        <a:font script="Laoo" typeface="DokChampa"/>
-        <a:font script="Sinh" typeface="Iskoola Pota"/>
-        <a:font script="Mong" typeface="Mongolian Baiti"/>
-        <a:font script="Viet" typeface="Times New Roman"/>
-        <a:font script="Uigh" typeface="Microsoft Uighur"/>
-        <a:font script="Geor" typeface="Sylfaen"/>
-      </a:majorFont>
-      <a:minorFont>
-        <a:latin typeface="Arial"/>
-        <a:ea typeface=""/>
-        <a:cs typeface=""/>
-        <a:font script="Jpan" typeface="ＭＳ Ｐゴシック"/>
-        <a:font script="Hang" typeface="맑은 고딕"/>
-        <a:font script="Hans" typeface="宋体"/>
-        <a:font script="Hant" typeface="新細明體"/>
-        <a:font script="Arab" typeface="Arial"/>
-        <a:font script="Hebr" typeface="Arial"/>
-        <a:font script="Thai" typeface="Cordia New"/>
-        <a:font script="Ethi" typeface="Nyala"/>
-        <a:font script="Beng" typeface="Vrinda"/>
-        <a:font script="Gujr" typeface="Shruti"/>
-        <a:font script="Khmr" typeface="DaunPenh"/>
-        <a:font script="Knda" typeface="Tunga"/>
-        <a:font script="Guru" typeface="Raavi"/>
-        <a:font script="Cans" typeface="Euphemia"/>
-        <a:font script="Cher" typeface="Plantagenet Cherokee"/>
-        <a:font script="Yiii" typeface="Microsoft Yi Baiti"/>
-        <a:font script="Tibt" typeface="Microsoft Himalaya"/>
-        <a:font script="Thaa" typeface="MV Boli"/>
-        <a:font script="Deva" typeface="Mangal"/>
-        <a:font script="Telu" typeface="Gautami"/>
-        <a:font script="Taml" typeface="Latha"/>
-        <a:font script="Syrc" typeface="Estrangelo Edessa"/>
-        <a:font script="Orya" typeface="Kalinga"/>
-        <a:font script="Mlym" typeface="Kartika"/>
-        <a:font script="Laoo" typeface="DokChampa"/>
-        <a:font script="Sinh" typeface="Iskoola Pota"/>
-        <a:font script="Mong" typeface="Mongolian Baiti"/>
-        <a:font script="Viet" typeface="Arial"/>
-        <a:font script="Uigh" typeface="Microsoft Uighur"/>
-        <a:font script="Geor" typeface="Sylfaen"/>
-      </a:minorFont>
-    </a:fontScheme>
-    <a:fmtScheme name="Office">
-      <a:fillStyleLst>
-        <a:solidFill>
-          <a:schemeClr val="phClr"/>
-        </a:solidFill>
-        <a:gradFill rotWithShape="1">
-          <a:gsLst>
-            <a:gs pos="0">
-              <a:schemeClr val="phClr">
-                <a:tint val="50000"/>
-                <a:satMod val="300000"/>
-              </a:schemeClr>
-            </a:gs>
-            <a:gs pos="35000">
-              <a:schemeClr val="phClr">
-                <a:tint val="37000"/>
-                <a:satMod val="300000"/>
-              </a:schemeClr>
-            </a:gs>
-            <a:gs pos="100000">
-              <a:schemeClr val="phClr">
-                <a:tint val="15000"/>
-                <a:satMod val="350000"/>
-              </a:schemeClr>
-            </a:gs>
-          </a:gsLst>
-          <a:lin ang="16200000" scaled="1"/>
-        </a:gradFill>
-        <a:gradFill rotWithShape="1">
-          <a:gsLst>
-            <a:gs pos="0">
-              <a:schemeClr val="phClr">
-                <a:tint val="100000"/>
-                <a:shade val="100000"/>
-                <a:satMod val="130000"/>
-              </a:schemeClr>
-            </a:gs>
-            <a:gs pos="100000">
-              <a:schemeClr val="phClr">
-                <a:tint val="50000"/>
-                <a:shade val="100000"/>
-                <a:satMod val="350000"/>
-              </a:schemeClr>
-            </a:gs>
-          </a:gsLst>
-          <a:lin ang="16200000" scaled="0"/>
-        </a:gradFill>
-      </a:fillStyleLst>
-      <a:lnStyleLst>
-        <a:ln w="9525" cap="flat" cmpd="sng" algn="ctr">
-          <a:solidFill>
-            <a:schemeClr val="phClr">
-              <a:shade val="95000"/>
-              <a:satMod val="105000"/>
-            </a:schemeClr>
-          </a:solidFill>
-          <a:prstDash val="solid"/>
-        </a:ln>
-        <a:ln w="25400" cap="flat" cmpd="sng" algn="ctr">
-          <a:solidFill>
-            <a:schemeClr val="phClr"/>
-          </a:solidFill>
-          <a:prstDash val="solid"/>
-        </a:ln>
-        <a:ln w="38100" cap="flat" cmpd="sng" algn="ctr">
-          <a:solidFill>
-            <a:schemeClr val="phClr"/>
-          </a:solidFill>
-          <a:prstDash val="solid"/>
-        </a:ln>
-      </a:lnStyleLst>
-      <a:effectStyleLst>
-        <a:effectStyle>
-          <a:effectLst>
-            <a:outerShdw blurRad="40000" dist="20000" dir="5400000" rotWithShape="0">
-              <a:srgbClr val="000000">
-                <a:alpha val="38000"/>
-              </a:srgbClr>
-            </a:outerShdw>
-          </a:effectLst>
-        </a:effectStyle>
-        <a:effectStyle>
-          <a:effectLst>
-            <a:outerShdw blurRad="40000" dist="23000" dir="5400000" rotWithShape="0">
-              <a:srgbClr val="000000">
-                <a:alpha val="35000"/>
-              </a:srgbClr>
-            </a:outerShdw>
-          </a:effectLst>
-        </a:effectStyle>
-        <a:effectStyle>
-          <a:effectLst>
-            <a:outerShdw blurRad="40000" dist="23000" dir="5400000" rotWithShape="0">
-              <a:srgbClr val="000000">
-                <a:alpha val="35000"/>
-              </a:srgbClr>
-            </a:outerShdw>
-          </a:effectLst>
-          <a:scene3d>
-            <a:camera prst="orthographicFront">
-              <a:rot lat="0" lon="0" rev="0"/>
-            </a:camera>
-            <a:lightRig rig="threePt" dir="t">
-              <a:rot lat="0" lon="0" rev="1200000"/>
-            </a:lightRig>
-          </a:scene3d>
-          <a:sp3d>
-            <a:bevelT w="63500" h="25400"/>
-          </a:sp3d>
-        </a:effectStyle>
-      </a:effectStyleLst>
-      <a:bgFillStyleLst>
-        <a:solidFill>
-          <a:schemeClr val="phClr"/>
-        </a:solidFill>
-        <a:gradFill rotWithShape="1">
-          <a:gsLst>
-            <a:gs pos="0">
-              <a:schemeClr val="phClr">
-                <a:tint val="40000"/>
-                <a:satMod val="350000"/>
-              </a:schemeClr>
-            </a:gs>
-            <a:gs pos="40000">
-              <a:schemeClr val="phClr">
-                <a:tint val="45000"/>
-                <a:shade val="99000"/>
-                <a:satMod val="350000"/>
-              </a:schemeClr>
-            </a:gs>
-            <a:gs pos="100000">
-              <a:schemeClr val="phClr">
-                <a:shade val="20000"/>
-                <a:satMod val="255000"/>
-              </a:schemeClr>
-            </a:gs>
-          </a:gsLst>
-          <a:path path="circle">
-            <a:fillToRect l="50000" t="-80000" r="50000" b="180000"/>
-          </a:path>
-        </a:gradFill>
-        <a:gradFill rotWithShape="1">
-          <a:gsLst>
-            <a:gs pos="0">
-              <a:schemeClr val="phClr">
-                <a:tint val="80000"/>
-                <a:satMod val="300000"/>
-              </a:schemeClr>
-            </a:gs>
-            <a:gs pos="100000">
-              <a:schemeClr val="phClr">
-                <a:shade val="30000"/>
-                <a:satMod val="200000"/>
-              </a:schemeClr>
-            </a:gs>
-          </a:gsLst>
-          <a:path path="circle">
-            <a:fillToRect l="50000" t="50000" r="50000" b="50000"/>
-          </a:path>
-        </a:gradFill>
-      </a:bgFillStyleLst>
-    </a:fmtScheme>
-  </a:themeElements>
-</a:theme>
 </file>
--- a/docs/presentation/Final Fingerprint Lock with LCD Display.pptx
+++ b/docs/presentation/Final Fingerprint Lock with LCD Display.pptx
@@ -25,7 +25,6 @@
     <p:sldId id="270" r:id="rId20"/>
     <p:sldId id="271" r:id="rId21"/>
     <p:sldId id="272" r:id="rId22"/>
-    <p:sldId id="273" r:id="rId23"/>
   </p:sldIdLst>
   <p:sldSz cy="6858000" cx="12192000"/>
   <p:notesSz cx="7099300" cy="10234600"/>
@@ -469,7 +468,7 @@
       </p15:sldGuideLst>
     </p:ext>
     <p:ext uri="GoogleSlidesCustomDataVersion2">
-      <go:slidesCustomData xmlns:go="http://customooxmlschemas.google.com/" r:id="rId24" roundtripDataSignature="AMtx7mh7/X7KvN5OwV2SUw9CbGYMfP3vPA=="/>
+      <go:slidesCustomData xmlns:go="http://customooxmlschemas.google.com/" r:id="rId23" roundtripDataSignature="AMtx7miuQM+uRH0WVoCvOtE3qVewZr2x5w=="/>
     </p:ext>
   </p:extLst>
 </p:presentation>
@@ -2025,7 +2024,7 @@
   <p:cSld>
     <p:spTree>
       <p:nvGrpSpPr>
-        <p:cNvPr id="199" name="Shape 199"/>
+        <p:cNvPr id="200" name="Shape 200"/>
         <p:cNvGrpSpPr/>
         <p:nvPr/>
       </p:nvGrpSpPr>
@@ -2039,7 +2038,7 @@
       </p:grpSpPr>
       <p:sp>
         <p:nvSpPr>
-          <p:cNvPr id="200" name="Google Shape;200;g2af3d7fb70e_0_19:notes"/>
+          <p:cNvPr id="201" name="Google Shape;201;g2af3d7fb70e_0_19:notes"/>
           <p:cNvSpPr/>
           <p:nvPr>
             <p:ph idx="2" type="sldImg"/>
@@ -2084,7 +2083,7 @@
       </p:sp>
       <p:sp>
         <p:nvSpPr>
-          <p:cNvPr id="201" name="Google Shape;201;g2af3d7fb70e_0_19:notes"/>
+          <p:cNvPr id="202" name="Google Shape;202;g2af3d7fb70e_0_19:notes"/>
           <p:cNvSpPr txBox="1"/>
           <p:nvPr>
             <p:ph idx="1" type="body"/>
@@ -2131,7 +2130,7 @@
       </p:sp>
       <p:sp>
         <p:nvSpPr>
-          <p:cNvPr id="202" name="Google Shape;202;g2af3d7fb70e_0_19:notes"/>
+          <p:cNvPr id="203" name="Google Shape;203;g2af3d7fb70e_0_19:notes"/>
           <p:cNvSpPr txBox="1"/>
           <p:nvPr>
             <p:ph idx="12" type="sldNum"/>
@@ -2194,7 +2193,7 @@
   <p:cSld>
     <p:spTree>
       <p:nvGrpSpPr>
-        <p:cNvPr id="210" name="Shape 210"/>
+        <p:cNvPr id="211" name="Shape 211"/>
         <p:cNvGrpSpPr/>
         <p:nvPr/>
       </p:nvGrpSpPr>
@@ -2208,7 +2207,7 @@
       </p:grpSpPr>
       <p:sp>
         <p:nvSpPr>
-          <p:cNvPr id="211" name="Google Shape;211;g327601c541b_0_78:notes"/>
+          <p:cNvPr id="212" name="Google Shape;212;g327601c541b_0_78:notes"/>
           <p:cNvSpPr/>
           <p:nvPr>
             <p:ph idx="2" type="sldImg"/>
@@ -2253,7 +2252,7 @@
       </p:sp>
       <p:sp>
         <p:nvSpPr>
-          <p:cNvPr id="212" name="Google Shape;212;g327601c541b_0_78:notes"/>
+          <p:cNvPr id="213" name="Google Shape;213;g327601c541b_0_78:notes"/>
           <p:cNvSpPr txBox="1"/>
           <p:nvPr>
             <p:ph idx="1" type="body"/>
@@ -2300,7 +2299,7 @@
       </p:sp>
       <p:sp>
         <p:nvSpPr>
-          <p:cNvPr id="213" name="Google Shape;213;g327601c541b_0_78:notes"/>
+          <p:cNvPr id="214" name="Google Shape;214;g327601c541b_0_78:notes"/>
           <p:cNvSpPr txBox="1"/>
           <p:nvPr>
             <p:ph idx="12" type="sldNum"/>
@@ -2363,7 +2362,7 @@
   <p:cSld>
     <p:spTree>
       <p:nvGrpSpPr>
-        <p:cNvPr id="222" name="Shape 222"/>
+        <p:cNvPr id="223" name="Shape 223"/>
         <p:cNvGrpSpPr/>
         <p:nvPr/>
       </p:nvGrpSpPr>
@@ -2377,7 +2376,7 @@
       </p:grpSpPr>
       <p:sp>
         <p:nvSpPr>
-          <p:cNvPr id="223" name="Google Shape;223;g327601c541b_0_24:notes"/>
+          <p:cNvPr id="224" name="Google Shape;224;g327601c541b_0_24:notes"/>
           <p:cNvSpPr/>
           <p:nvPr>
             <p:ph idx="2" type="sldImg"/>
@@ -2422,7 +2421,7 @@
       </p:sp>
       <p:sp>
         <p:nvSpPr>
-          <p:cNvPr id="224" name="Google Shape;224;g327601c541b_0_24:notes"/>
+          <p:cNvPr id="225" name="Google Shape;225;g327601c541b_0_24:notes"/>
           <p:cNvSpPr txBox="1"/>
           <p:nvPr>
             <p:ph idx="1" type="body"/>
@@ -2469,7 +2468,7 @@
       </p:sp>
       <p:sp>
         <p:nvSpPr>
-          <p:cNvPr id="225" name="Google Shape;225;g327601c541b_0_24:notes"/>
+          <p:cNvPr id="226" name="Google Shape;226;g327601c541b_0_24:notes"/>
           <p:cNvSpPr txBox="1"/>
           <p:nvPr>
             <p:ph idx="12" type="sldNum"/>
@@ -2532,7 +2531,7 @@
   <p:cSld>
     <p:spTree>
       <p:nvGrpSpPr>
-        <p:cNvPr id="235" name="Shape 235"/>
+        <p:cNvPr id="236" name="Shape 236"/>
         <p:cNvGrpSpPr/>
         <p:nvPr/>
       </p:nvGrpSpPr>
@@ -2546,7 +2545,7 @@
       </p:grpSpPr>
       <p:sp>
         <p:nvSpPr>
-          <p:cNvPr id="236" name="Google Shape;236;g327601c541b_0_89:notes"/>
+          <p:cNvPr id="237" name="Google Shape;237;g327601c541b_0_89:notes"/>
           <p:cNvSpPr/>
           <p:nvPr>
             <p:ph idx="2" type="sldImg"/>
@@ -2591,7 +2590,7 @@
       </p:sp>
       <p:sp>
         <p:nvSpPr>
-          <p:cNvPr id="237" name="Google Shape;237;g327601c541b_0_89:notes"/>
+          <p:cNvPr id="238" name="Google Shape;238;g327601c541b_0_89:notes"/>
           <p:cNvSpPr txBox="1"/>
           <p:nvPr>
             <p:ph idx="1" type="body"/>
@@ -2638,7 +2637,7 @@
       </p:sp>
       <p:sp>
         <p:nvSpPr>
-          <p:cNvPr id="238" name="Google Shape;238;g327601c541b_0_89:notes"/>
+          <p:cNvPr id="239" name="Google Shape;239;g327601c541b_0_89:notes"/>
           <p:cNvSpPr txBox="1"/>
           <p:nvPr>
             <p:ph idx="12" type="sldNum"/>
@@ -2701,7 +2700,7 @@
   <p:cSld>
     <p:spTree>
       <p:nvGrpSpPr>
-        <p:cNvPr id="247" name="Shape 247"/>
+        <p:cNvPr id="248" name="Shape 248"/>
         <p:cNvGrpSpPr/>
         <p:nvPr/>
       </p:nvGrpSpPr>
@@ -2715,7 +2714,7 @@
       </p:grpSpPr>
       <p:sp>
         <p:nvSpPr>
-          <p:cNvPr id="248" name="Google Shape;248;g327601c541b_0_67:notes"/>
+          <p:cNvPr id="249" name="Google Shape;249;g327601c541b_0_67:notes"/>
           <p:cNvSpPr/>
           <p:nvPr>
             <p:ph idx="2" type="sldImg"/>
@@ -2760,7 +2759,7 @@
       </p:sp>
       <p:sp>
         <p:nvSpPr>
-          <p:cNvPr id="249" name="Google Shape;249;g327601c541b_0_67:notes"/>
+          <p:cNvPr id="250" name="Google Shape;250;g327601c541b_0_67:notes"/>
           <p:cNvSpPr txBox="1"/>
           <p:nvPr>
             <p:ph idx="1" type="body"/>
@@ -2807,7 +2806,7 @@
       </p:sp>
       <p:sp>
         <p:nvSpPr>
-          <p:cNvPr id="250" name="Google Shape;250;g327601c541b_0_67:notes"/>
+          <p:cNvPr id="251" name="Google Shape;251;g327601c541b_0_67:notes"/>
           <p:cNvSpPr txBox="1"/>
           <p:nvPr>
             <p:ph idx="12" type="sldNum"/>
@@ -2870,7 +2869,7 @@
   <p:cSld>
     <p:spTree>
       <p:nvGrpSpPr>
-        <p:cNvPr id="259" name="Shape 259"/>
+        <p:cNvPr id="260" name="Shape 260"/>
         <p:cNvGrpSpPr/>
         <p:nvPr/>
       </p:nvGrpSpPr>
@@ -2884,7 +2883,7 @@
       </p:grpSpPr>
       <p:sp>
         <p:nvSpPr>
-          <p:cNvPr id="260" name="Google Shape;260;g327601c541b_0_111:notes"/>
+          <p:cNvPr id="261" name="Google Shape;261;g327601c541b_0_111:notes"/>
           <p:cNvSpPr/>
           <p:nvPr>
             <p:ph idx="2" type="sldImg"/>
@@ -2929,7 +2928,7 @@
       </p:sp>
       <p:sp>
         <p:nvSpPr>
-          <p:cNvPr id="261" name="Google Shape;261;g327601c541b_0_111:notes"/>
+          <p:cNvPr id="262" name="Google Shape;262;g327601c541b_0_111:notes"/>
           <p:cNvSpPr txBox="1"/>
           <p:nvPr>
             <p:ph idx="1" type="body"/>
@@ -2976,7 +2975,7 @@
       </p:sp>
       <p:sp>
         <p:nvSpPr>
-          <p:cNvPr id="262" name="Google Shape;262;g327601c541b_0_111:notes"/>
+          <p:cNvPr id="263" name="Google Shape;263;g327601c541b_0_111:notes"/>
           <p:cNvSpPr txBox="1"/>
           <p:nvPr>
             <p:ph idx="12" type="sldNum"/>
@@ -3039,7 +3038,7 @@
   <p:cSld>
     <p:spTree>
       <p:nvGrpSpPr>
-        <p:cNvPr id="272" name="Shape 272"/>
+        <p:cNvPr id="273" name="Shape 273"/>
         <p:cNvGrpSpPr/>
         <p:nvPr/>
       </p:nvGrpSpPr>
@@ -3053,7 +3052,7 @@
       </p:grpSpPr>
       <p:sp>
         <p:nvSpPr>
-          <p:cNvPr id="273" name="Google Shape;273;g327601c541b_0_56:notes"/>
+          <p:cNvPr id="274" name="Google Shape;274;g2af3d7fb70e_0_28:notes"/>
           <p:cNvSpPr/>
           <p:nvPr>
             <p:ph idx="2" type="sldImg"/>
@@ -3098,7 +3097,7 @@
       </p:sp>
       <p:sp>
         <p:nvSpPr>
-          <p:cNvPr id="274" name="Google Shape;274;g327601c541b_0_56:notes"/>
+          <p:cNvPr id="275" name="Google Shape;275;g2af3d7fb70e_0_28:notes"/>
           <p:cNvSpPr txBox="1"/>
           <p:nvPr>
             <p:ph idx="1" type="body"/>
@@ -3145,7 +3144,7 @@
       </p:sp>
       <p:sp>
         <p:nvSpPr>
-          <p:cNvPr id="275" name="Google Shape;275;g327601c541b_0_56:notes"/>
+          <p:cNvPr id="276" name="Google Shape;276;g2af3d7fb70e_0_28:notes"/>
           <p:cNvSpPr txBox="1"/>
           <p:nvPr>
             <p:ph idx="12" type="sldNum"/>
@@ -3208,7 +3207,7 @@
   <p:cSld>
     <p:spTree>
       <p:nvGrpSpPr>
-        <p:cNvPr id="284" name="Shape 284"/>
+        <p:cNvPr id="283" name="Shape 283"/>
         <p:cNvGrpSpPr/>
         <p:nvPr/>
       </p:nvGrpSpPr>
@@ -3222,176 +3221,7 @@
       </p:grpSpPr>
       <p:sp>
         <p:nvSpPr>
-          <p:cNvPr id="285" name="Google Shape;285;g2af3d7fb70e_0_28:notes"/>
-          <p:cNvSpPr/>
-          <p:nvPr>
-            <p:ph idx="2" type="sldImg"/>
-          </p:nvPr>
-        </p:nvSpPr>
-        <p:spPr>
-          <a:xfrm>
-            <a:off x="139700" y="768350"/>
-            <a:ext cx="6819900" cy="3837000"/>
-          </a:xfrm>
-          <a:custGeom>
-            <a:rect b="b" l="l" r="r" t="t"/>
-            <a:pathLst>
-              <a:path extrusionOk="0" h="120000" w="120000">
-                <a:moveTo>
-                  <a:pt x="0" y="0"/>
-                </a:moveTo>
-                <a:lnTo>
-                  <a:pt x="120000" y="0"/>
-                </a:lnTo>
-                <a:lnTo>
-                  <a:pt x="120000" y="120000"/>
-                </a:lnTo>
-                <a:lnTo>
-                  <a:pt x="0" y="120000"/>
-                </a:lnTo>
-                <a:close/>
-              </a:path>
-            </a:pathLst>
-          </a:custGeom>
-          <a:noFill/>
-          <a:ln cap="flat" cmpd="sng" w="12700">
-            <a:solidFill>
-              <a:srgbClr val="000000"/>
-            </a:solidFill>
-            <a:prstDash val="solid"/>
-            <a:round/>
-            <a:headEnd len="sm" w="sm" type="none"/>
-            <a:tailEnd len="sm" w="sm" type="none"/>
-          </a:ln>
-        </p:spPr>
-      </p:sp>
-      <p:sp>
-        <p:nvSpPr>
-          <p:cNvPr id="286" name="Google Shape;286;g2af3d7fb70e_0_28:notes"/>
-          <p:cNvSpPr txBox="1"/>
-          <p:nvPr>
-            <p:ph idx="1" type="body"/>
-          </p:nvPr>
-        </p:nvSpPr>
-        <p:spPr>
-          <a:xfrm>
-            <a:off x="709930" y="4861441"/>
-            <a:ext cx="5679300" cy="4605600"/>
-          </a:xfrm>
-          <a:prstGeom prst="rect">
-            <a:avLst/>
-          </a:prstGeom>
-          <a:noFill/>
-          <a:ln>
-            <a:noFill/>
-          </a:ln>
-        </p:spPr>
-        <p:txBody>
-          <a:bodyPr anchorCtr="0" anchor="t" bIns="49500" lIns="99025" spcFirstLastPara="1" rIns="99025" wrap="square" tIns="49500">
-            <a:noAutofit/>
-          </a:bodyPr>
-          <a:lstStyle/>
-          <a:p>
-            <a:pPr indent="0" lvl="0" marL="0" rtl="0" algn="l">
-              <a:lnSpc>
-                <a:spcPct val="100000"/>
-              </a:lnSpc>
-              <a:spcBef>
-                <a:spcPts val="0"/>
-              </a:spcBef>
-              <a:spcAft>
-                <a:spcPts val="0"/>
-              </a:spcAft>
-              <a:buSzPts val="1400"/>
-              <a:buNone/>
-            </a:pPr>
-            <a:r>
-              <a:t/>
-            </a:r>
-            <a:endParaRPr/>
-          </a:p>
-        </p:txBody>
-      </p:sp>
-      <p:sp>
-        <p:nvSpPr>
-          <p:cNvPr id="287" name="Google Shape;287;g2af3d7fb70e_0_28:notes"/>
-          <p:cNvSpPr txBox="1"/>
-          <p:nvPr>
-            <p:ph idx="12" type="sldNum"/>
-          </p:nvPr>
-        </p:nvSpPr>
-        <p:spPr>
-          <a:xfrm>
-            <a:off x="4021294" y="9721106"/>
-            <a:ext cx="3076500" cy="511800"/>
-          </a:xfrm>
-          <a:prstGeom prst="rect">
-            <a:avLst/>
-          </a:prstGeom>
-          <a:noFill/>
-          <a:ln>
-            <a:noFill/>
-          </a:ln>
-        </p:spPr>
-        <p:txBody>
-          <a:bodyPr anchorCtr="0" anchor="b" bIns="49500" lIns="99025" spcFirstLastPara="1" rIns="99025" wrap="square" tIns="49500">
-            <a:noAutofit/>
-          </a:bodyPr>
-          <a:lstStyle/>
-          <a:p>
-            <a:pPr indent="0" lvl="0" marL="0" rtl="0" algn="r">
-              <a:lnSpc>
-                <a:spcPct val="100000"/>
-              </a:lnSpc>
-              <a:spcBef>
-                <a:spcPts val="0"/>
-              </a:spcBef>
-              <a:spcAft>
-                <a:spcPts val="0"/>
-              </a:spcAft>
-              <a:buClr>
-                <a:srgbClr val="000000"/>
-              </a:buClr>
-              <a:buSzPts val="1300"/>
-              <a:buFont typeface="Arial"/>
-              <a:buNone/>
-            </a:pPr>
-            <a:fld id="{00000000-1234-1234-1234-123412341234}" type="slidenum">
-              <a:rPr lang="de-CH"/>
-              <a:t>‹#›</a:t>
-            </a:fld>
-            <a:endParaRPr/>
-          </a:p>
-        </p:txBody>
-      </p:sp>
-    </p:spTree>
-  </p:cSld>
-  <p:clrMapOvr>
-    <a:masterClrMapping/>
-  </p:clrMapOvr>
-</p:notes>
-</file>
-
-<file path=ppt/notesSlides/notesSlide18.xml><?xml version="1.0" encoding="utf-8"?>
-<p:notes xmlns:a="http://schemas.openxmlformats.org/drawingml/2006/main" xmlns:r="http://schemas.openxmlformats.org/officeDocument/2006/relationships" xmlns:mc="http://schemas.openxmlformats.org/markup-compatibility/2006" xmlns:mv="urn:schemas-microsoft-com:mac:vml" xmlns:p="http://schemas.openxmlformats.org/presentationml/2006/main" xmlns:c="http://schemas.openxmlformats.org/drawingml/2006/chart" xmlns:dgm="http://schemas.openxmlformats.org/drawingml/2006/diagram" xmlns:o="urn:schemas-microsoft-com:office:office" xmlns:v="urn:schemas-microsoft-com:vml" xmlns:pvml="urn:schemas-microsoft-com:office:powerpoint" xmlns:com="http://schemas.openxmlformats.org/drawingml/2006/compatibility" xmlns:p14="http://schemas.microsoft.com/office/powerpoint/2010/main" xmlns:p15="http://schemas.microsoft.com/office/powerpoint/2012/main" xmlns:ahyp="http://schemas.microsoft.com/office/drawing/2018/hyperlinkcolor" showMasterPhAnim="0" showMasterSp="0">
-  <p:cSld>
-    <p:spTree>
-      <p:nvGrpSpPr>
-        <p:cNvPr id="294" name="Shape 294"/>
-        <p:cNvGrpSpPr/>
-        <p:nvPr/>
-      </p:nvGrpSpPr>
-      <p:grpSpPr>
-        <a:xfrm>
-          <a:off x="0" y="0"/>
-          <a:ext cx="0" cy="0"/>
-          <a:chOff x="0" y="0"/>
-          <a:chExt cx="0" cy="0"/>
-        </a:xfrm>
-      </p:grpSpPr>
-      <p:sp>
-        <p:nvSpPr>
-          <p:cNvPr id="295" name="Google Shape;295;p27:notes"/>
+          <p:cNvPr id="284" name="Google Shape;284;p27:notes"/>
           <p:cNvSpPr txBox="1"/>
           <p:nvPr>
             <p:ph idx="1" type="body"/>
@@ -3438,7 +3268,7 @@
       </p:sp>
       <p:sp>
         <p:nvSpPr>
-          <p:cNvPr id="296" name="Google Shape;296;p27:notes"/>
+          <p:cNvPr id="285" name="Google Shape;285;p27:notes"/>
           <p:cNvSpPr/>
           <p:nvPr>
             <p:ph idx="2" type="sldImg"/>
@@ -4573,7 +4403,7 @@
   <p:cSld>
     <p:spTree>
       <p:nvGrpSpPr>
-        <p:cNvPr id="188" name="Shape 188"/>
+        <p:cNvPr id="189" name="Shape 189"/>
         <p:cNvGrpSpPr/>
         <p:nvPr/>
       </p:nvGrpSpPr>
@@ -4587,7 +4417,7 @@
       </p:grpSpPr>
       <p:sp>
         <p:nvSpPr>
-          <p:cNvPr id="189" name="Google Shape;189;g2af3d7fb70e_0_10:notes"/>
+          <p:cNvPr id="190" name="Google Shape;190;g2af3d7fb70e_0_10:notes"/>
           <p:cNvSpPr/>
           <p:nvPr>
             <p:ph idx="2" type="sldImg"/>
@@ -4632,7 +4462,7 @@
       </p:sp>
       <p:sp>
         <p:nvSpPr>
-          <p:cNvPr id="190" name="Google Shape;190;g2af3d7fb70e_0_10:notes"/>
+          <p:cNvPr id="191" name="Google Shape;191;g2af3d7fb70e_0_10:notes"/>
           <p:cNvSpPr txBox="1"/>
           <p:nvPr>
             <p:ph idx="1" type="body"/>
@@ -4679,7 +4509,7 @@
       </p:sp>
       <p:sp>
         <p:nvSpPr>
-          <p:cNvPr id="191" name="Google Shape;191;g2af3d7fb70e_0_10:notes"/>
+          <p:cNvPr id="192" name="Google Shape;192;g2af3d7fb70e_0_10:notes"/>
           <p:cNvSpPr txBox="1"/>
           <p:nvPr>
             <p:ph idx="12" type="sldNum"/>
@@ -19124,7 +18954,7 @@
   <p:cSld>
     <p:spTree>
       <p:nvGrpSpPr>
-        <p:cNvPr id="203" name="Shape 203"/>
+        <p:cNvPr id="204" name="Shape 204"/>
         <p:cNvGrpSpPr/>
         <p:nvPr/>
       </p:nvGrpSpPr>
@@ -19138,7 +18968,7 @@
       </p:grpSpPr>
       <p:sp>
         <p:nvSpPr>
-          <p:cNvPr id="204" name="Google Shape;204;g2af3d7fb70e_0_19"/>
+          <p:cNvPr id="205" name="Google Shape;205;g2af3d7fb70e_0_19"/>
           <p:cNvSpPr txBox="1"/>
           <p:nvPr>
             <p:ph type="ctrTitle"/>
@@ -19186,7 +19016,7 @@
       </p:sp>
       <p:sp>
         <p:nvSpPr>
-          <p:cNvPr id="205" name="Google Shape;205;g2af3d7fb70e_0_19"/>
+          <p:cNvPr id="206" name="Google Shape;206;g2af3d7fb70e_0_19"/>
           <p:cNvSpPr txBox="1"/>
           <p:nvPr>
             <p:ph idx="1" type="subTitle"/>
@@ -19251,7 +19081,7 @@
       </p:sp>
       <p:sp>
         <p:nvSpPr>
-          <p:cNvPr id="206" name="Google Shape;206;g2af3d7fb70e_0_19"/>
+          <p:cNvPr id="207" name="Google Shape;207;g2af3d7fb70e_0_19"/>
           <p:cNvSpPr txBox="1"/>
           <p:nvPr>
             <p:ph idx="12" type="sldNum"/>
@@ -19300,7 +19130,7 @@
       </p:sp>
       <p:sp>
         <p:nvSpPr>
-          <p:cNvPr id="207" name="Google Shape;207;g2af3d7fb70e_0_19"/>
+          <p:cNvPr id="208" name="Google Shape;208;g2af3d7fb70e_0_19"/>
           <p:cNvSpPr txBox="1"/>
           <p:nvPr>
             <p:ph idx="4294967295" type="ftr"/>
@@ -19367,7 +19197,7 @@
       </p:sp>
       <p:sp>
         <p:nvSpPr>
-          <p:cNvPr id="208" name="Google Shape;208;g2af3d7fb70e_0_19"/>
+          <p:cNvPr id="209" name="Google Shape;209;g2af3d7fb70e_0_19"/>
           <p:cNvSpPr txBox="1"/>
           <p:nvPr>
             <p:ph idx="4294967295" type="dt"/>
@@ -19457,7 +19287,7 @@
       </p:sp>
       <p:sp>
         <p:nvSpPr>
-          <p:cNvPr id="209" name="Google Shape;209;g2af3d7fb70e_0_19"/>
+          <p:cNvPr id="210" name="Google Shape;210;g2af3d7fb70e_0_19"/>
           <p:cNvSpPr/>
           <p:nvPr>
             <p:ph idx="2" type="pic"/>
@@ -19486,7 +19316,7 @@
   <p:cSld>
     <p:spTree>
       <p:nvGrpSpPr>
-        <p:cNvPr id="214" name="Shape 214"/>
+        <p:cNvPr id="215" name="Shape 215"/>
         <p:cNvGrpSpPr/>
         <p:nvPr/>
       </p:nvGrpSpPr>
@@ -19500,7 +19330,7 @@
       </p:grpSpPr>
       <p:sp>
         <p:nvSpPr>
-          <p:cNvPr id="215" name="Google Shape;215;g327601c541b_0_78"/>
+          <p:cNvPr id="216" name="Google Shape;216;g327601c541b_0_78"/>
           <p:cNvSpPr txBox="1"/>
           <p:nvPr>
             <p:ph type="ctrTitle"/>
@@ -19548,7 +19378,7 @@
       </p:sp>
       <p:sp>
         <p:nvSpPr>
-          <p:cNvPr id="216" name="Google Shape;216;g327601c541b_0_78"/>
+          <p:cNvPr id="217" name="Google Shape;217;g327601c541b_0_78"/>
           <p:cNvSpPr txBox="1"/>
           <p:nvPr>
             <p:ph idx="1" type="subTitle"/>
@@ -19613,7 +19443,7 @@
       </p:sp>
       <p:sp>
         <p:nvSpPr>
-          <p:cNvPr id="217" name="Google Shape;217;g327601c541b_0_78"/>
+          <p:cNvPr id="218" name="Google Shape;218;g327601c541b_0_78"/>
           <p:cNvSpPr txBox="1"/>
           <p:nvPr>
             <p:ph idx="12" type="sldNum"/>
@@ -19662,7 +19492,7 @@
       </p:sp>
       <p:sp>
         <p:nvSpPr>
-          <p:cNvPr id="218" name="Google Shape;218;g327601c541b_0_78"/>
+          <p:cNvPr id="219" name="Google Shape;219;g327601c541b_0_78"/>
           <p:cNvSpPr txBox="1"/>
           <p:nvPr>
             <p:ph idx="4294967295" type="ftr"/>
@@ -19729,7 +19559,7 @@
       </p:sp>
       <p:sp>
         <p:nvSpPr>
-          <p:cNvPr id="219" name="Google Shape;219;g327601c541b_0_78"/>
+          <p:cNvPr id="220" name="Google Shape;220;g327601c541b_0_78"/>
           <p:cNvSpPr txBox="1"/>
           <p:nvPr>
             <p:ph idx="4294967295" type="dt"/>
@@ -19819,7 +19649,7 @@
       </p:sp>
       <p:sp>
         <p:nvSpPr>
-          <p:cNvPr id="220" name="Google Shape;220;g327601c541b_0_78"/>
+          <p:cNvPr id="221" name="Google Shape;221;g327601c541b_0_78"/>
           <p:cNvSpPr/>
           <p:nvPr>
             <p:ph idx="2" type="pic"/>
@@ -19837,7 +19667,7 @@
       </p:sp>
       <p:pic>
         <p:nvPicPr>
-          <p:cNvPr id="221" name="Google Shape;221;g327601c541b_0_78"/>
+          <p:cNvPr id="222" name="Google Shape;222;g327601c541b_0_78"/>
           <p:cNvPicPr preferRelativeResize="0"/>
           <p:nvPr/>
         </p:nvPicPr>
@@ -19875,7 +19705,7 @@
   <p:cSld>
     <p:spTree>
       <p:nvGrpSpPr>
-        <p:cNvPr id="226" name="Shape 226"/>
+        <p:cNvPr id="227" name="Shape 227"/>
         <p:cNvGrpSpPr/>
         <p:nvPr/>
       </p:nvGrpSpPr>
@@ -19889,7 +19719,7 @@
       </p:grpSpPr>
       <p:sp>
         <p:nvSpPr>
-          <p:cNvPr id="227" name="Google Shape;227;g327601c541b_0_24"/>
+          <p:cNvPr id="228" name="Google Shape;228;g327601c541b_0_24"/>
           <p:cNvSpPr txBox="1"/>
           <p:nvPr>
             <p:ph type="ctrTitle"/>
@@ -19937,7 +19767,7 @@
       </p:sp>
       <p:sp>
         <p:nvSpPr>
-          <p:cNvPr id="228" name="Google Shape;228;g327601c541b_0_24"/>
+          <p:cNvPr id="229" name="Google Shape;229;g327601c541b_0_24"/>
           <p:cNvSpPr txBox="1"/>
           <p:nvPr>
             <p:ph idx="1" type="subTitle"/>
@@ -20002,7 +19832,7 @@
       </p:sp>
       <p:sp>
         <p:nvSpPr>
-          <p:cNvPr id="229" name="Google Shape;229;g327601c541b_0_24"/>
+          <p:cNvPr id="230" name="Google Shape;230;g327601c541b_0_24"/>
           <p:cNvSpPr txBox="1"/>
           <p:nvPr>
             <p:ph idx="12" type="sldNum"/>
@@ -20051,7 +19881,7 @@
       </p:sp>
       <p:sp>
         <p:nvSpPr>
-          <p:cNvPr id="230" name="Google Shape;230;g327601c541b_0_24"/>
+          <p:cNvPr id="231" name="Google Shape;231;g327601c541b_0_24"/>
           <p:cNvSpPr txBox="1"/>
           <p:nvPr>
             <p:ph idx="4294967295" type="ftr"/>
@@ -20118,7 +19948,7 @@
       </p:sp>
       <p:sp>
         <p:nvSpPr>
-          <p:cNvPr id="231" name="Google Shape;231;g327601c541b_0_24"/>
+          <p:cNvPr id="232" name="Google Shape;232;g327601c541b_0_24"/>
           <p:cNvSpPr txBox="1"/>
           <p:nvPr>
             <p:ph idx="4294967295" type="dt"/>
@@ -20208,7 +20038,7 @@
       </p:sp>
       <p:sp>
         <p:nvSpPr>
-          <p:cNvPr id="232" name="Google Shape;232;g327601c541b_0_24"/>
+          <p:cNvPr id="233" name="Google Shape;233;g327601c541b_0_24"/>
           <p:cNvSpPr/>
           <p:nvPr>
             <p:ph idx="2" type="pic"/>
@@ -20226,7 +20056,7 @@
       </p:sp>
       <p:pic>
         <p:nvPicPr>
-          <p:cNvPr id="233" name="Google Shape;233;g327601c541b_0_24"/>
+          <p:cNvPr id="234" name="Google Shape;234;g327601c541b_0_24"/>
           <p:cNvPicPr preferRelativeResize="0"/>
           <p:nvPr/>
         </p:nvPicPr>
@@ -20254,7 +20084,7 @@
       </p:pic>
       <p:pic>
         <p:nvPicPr>
-          <p:cNvPr id="234" name="Google Shape;234;g327601c541b_0_24"/>
+          <p:cNvPr id="235" name="Google Shape;235;g327601c541b_0_24"/>
           <p:cNvPicPr preferRelativeResize="0"/>
           <p:nvPr/>
         </p:nvPicPr>
@@ -20293,7 +20123,7 @@
   <p:cSld>
     <p:spTree>
       <p:nvGrpSpPr>
-        <p:cNvPr id="239" name="Shape 239"/>
+        <p:cNvPr id="240" name="Shape 240"/>
         <p:cNvGrpSpPr/>
         <p:nvPr/>
       </p:nvGrpSpPr>
@@ -20307,7 +20137,7 @@
       </p:grpSpPr>
       <p:sp>
         <p:nvSpPr>
-          <p:cNvPr id="240" name="Google Shape;240;g327601c541b_0_89"/>
+          <p:cNvPr id="241" name="Google Shape;241;g327601c541b_0_89"/>
           <p:cNvSpPr txBox="1"/>
           <p:nvPr>
             <p:ph type="ctrTitle"/>
@@ -20355,7 +20185,7 @@
       </p:sp>
       <p:sp>
         <p:nvSpPr>
-          <p:cNvPr id="241" name="Google Shape;241;g327601c541b_0_89"/>
+          <p:cNvPr id="242" name="Google Shape;242;g327601c541b_0_89"/>
           <p:cNvSpPr txBox="1"/>
           <p:nvPr>
             <p:ph idx="1" type="subTitle"/>
@@ -20420,7 +20250,7 @@
       </p:sp>
       <p:sp>
         <p:nvSpPr>
-          <p:cNvPr id="242" name="Google Shape;242;g327601c541b_0_89"/>
+          <p:cNvPr id="243" name="Google Shape;243;g327601c541b_0_89"/>
           <p:cNvSpPr txBox="1"/>
           <p:nvPr>
             <p:ph idx="12" type="sldNum"/>
@@ -20469,7 +20299,7 @@
       </p:sp>
       <p:sp>
         <p:nvSpPr>
-          <p:cNvPr id="243" name="Google Shape;243;g327601c541b_0_89"/>
+          <p:cNvPr id="244" name="Google Shape;244;g327601c541b_0_89"/>
           <p:cNvSpPr txBox="1"/>
           <p:nvPr>
             <p:ph idx="4294967295" type="ftr"/>
@@ -20536,7 +20366,7 @@
       </p:sp>
       <p:sp>
         <p:nvSpPr>
-          <p:cNvPr id="244" name="Google Shape;244;g327601c541b_0_89"/>
+          <p:cNvPr id="245" name="Google Shape;245;g327601c541b_0_89"/>
           <p:cNvSpPr txBox="1"/>
           <p:nvPr>
             <p:ph idx="4294967295" type="dt"/>
@@ -20626,7 +20456,7 @@
       </p:sp>
       <p:sp>
         <p:nvSpPr>
-          <p:cNvPr id="245" name="Google Shape;245;g327601c541b_0_89"/>
+          <p:cNvPr id="246" name="Google Shape;246;g327601c541b_0_89"/>
           <p:cNvSpPr/>
           <p:nvPr>
             <p:ph idx="2" type="pic"/>
@@ -20644,7 +20474,7 @@
       </p:sp>
       <p:pic>
         <p:nvPicPr>
-          <p:cNvPr id="246" name="Google Shape;246;g327601c541b_0_89"/>
+          <p:cNvPr id="247" name="Google Shape;247;g327601c541b_0_89"/>
           <p:cNvPicPr preferRelativeResize="0"/>
           <p:nvPr/>
         </p:nvPicPr>
@@ -20682,7 +20512,7 @@
   <p:cSld>
     <p:spTree>
       <p:nvGrpSpPr>
-        <p:cNvPr id="251" name="Shape 251"/>
+        <p:cNvPr id="252" name="Shape 252"/>
         <p:cNvGrpSpPr/>
         <p:nvPr/>
       </p:nvGrpSpPr>
@@ -20696,7 +20526,7 @@
       </p:grpSpPr>
       <p:sp>
         <p:nvSpPr>
-          <p:cNvPr id="252" name="Google Shape;252;g327601c541b_0_67"/>
+          <p:cNvPr id="253" name="Google Shape;253;g327601c541b_0_67"/>
           <p:cNvSpPr txBox="1"/>
           <p:nvPr>
             <p:ph type="ctrTitle"/>
@@ -20744,7 +20574,7 @@
       </p:sp>
       <p:sp>
         <p:nvSpPr>
-          <p:cNvPr id="253" name="Google Shape;253;g327601c541b_0_67"/>
+          <p:cNvPr id="254" name="Google Shape;254;g327601c541b_0_67"/>
           <p:cNvSpPr txBox="1"/>
           <p:nvPr>
             <p:ph idx="1" type="subTitle"/>
@@ -20809,7 +20639,7 @@
       </p:sp>
       <p:sp>
         <p:nvSpPr>
-          <p:cNvPr id="254" name="Google Shape;254;g327601c541b_0_67"/>
+          <p:cNvPr id="255" name="Google Shape;255;g327601c541b_0_67"/>
           <p:cNvSpPr txBox="1"/>
           <p:nvPr>
             <p:ph idx="12" type="sldNum"/>
@@ -20858,7 +20688,7 @@
       </p:sp>
       <p:sp>
         <p:nvSpPr>
-          <p:cNvPr id="255" name="Google Shape;255;g327601c541b_0_67"/>
+          <p:cNvPr id="256" name="Google Shape;256;g327601c541b_0_67"/>
           <p:cNvSpPr txBox="1"/>
           <p:nvPr>
             <p:ph idx="4294967295" type="ftr"/>
@@ -20925,7 +20755,7 @@
       </p:sp>
       <p:sp>
         <p:nvSpPr>
-          <p:cNvPr id="256" name="Google Shape;256;g327601c541b_0_67"/>
+          <p:cNvPr id="257" name="Google Shape;257;g327601c541b_0_67"/>
           <p:cNvSpPr txBox="1"/>
           <p:nvPr>
             <p:ph idx="4294967295" type="dt"/>
@@ -21015,7 +20845,7 @@
       </p:sp>
       <p:sp>
         <p:nvSpPr>
-          <p:cNvPr id="257" name="Google Shape;257;g327601c541b_0_67"/>
+          <p:cNvPr id="258" name="Google Shape;258;g327601c541b_0_67"/>
           <p:cNvSpPr/>
           <p:nvPr>
             <p:ph idx="2" type="pic"/>
@@ -21033,7 +20863,7 @@
       </p:sp>
       <p:pic>
         <p:nvPicPr>
-          <p:cNvPr id="258" name="Google Shape;258;g327601c541b_0_67"/>
+          <p:cNvPr id="259" name="Google Shape;259;g327601c541b_0_67"/>
           <p:cNvPicPr preferRelativeResize="0"/>
           <p:nvPr/>
         </p:nvPicPr>
@@ -21071,7 +20901,7 @@
   <p:cSld>
     <p:spTree>
       <p:nvGrpSpPr>
-        <p:cNvPr id="263" name="Shape 263"/>
+        <p:cNvPr id="264" name="Shape 264"/>
         <p:cNvGrpSpPr/>
         <p:nvPr/>
       </p:nvGrpSpPr>
@@ -21085,7 +20915,7 @@
       </p:grpSpPr>
       <p:sp>
         <p:nvSpPr>
-          <p:cNvPr id="264" name="Google Shape;264;g327601c541b_0_111"/>
+          <p:cNvPr id="265" name="Google Shape;265;g327601c541b_0_111"/>
           <p:cNvSpPr txBox="1"/>
           <p:nvPr>
             <p:ph type="ctrTitle"/>
@@ -21133,7 +20963,7 @@
       </p:sp>
       <p:sp>
         <p:nvSpPr>
-          <p:cNvPr id="265" name="Google Shape;265;g327601c541b_0_111"/>
+          <p:cNvPr id="266" name="Google Shape;266;g327601c541b_0_111"/>
           <p:cNvSpPr txBox="1"/>
           <p:nvPr>
             <p:ph idx="1" type="subTitle"/>
@@ -21198,7 +21028,7 @@
       </p:sp>
       <p:sp>
         <p:nvSpPr>
-          <p:cNvPr id="266" name="Google Shape;266;g327601c541b_0_111"/>
+          <p:cNvPr id="267" name="Google Shape;267;g327601c541b_0_111"/>
           <p:cNvSpPr txBox="1"/>
           <p:nvPr>
             <p:ph idx="12" type="sldNum"/>
@@ -21247,7 +21077,7 @@
       </p:sp>
       <p:sp>
         <p:nvSpPr>
-          <p:cNvPr id="267" name="Google Shape;267;g327601c541b_0_111"/>
+          <p:cNvPr id="268" name="Google Shape;268;g327601c541b_0_111"/>
           <p:cNvSpPr txBox="1"/>
           <p:nvPr>
             <p:ph idx="4294967295" type="ftr"/>
@@ -21314,7 +21144,7 @@
       </p:sp>
       <p:sp>
         <p:nvSpPr>
-          <p:cNvPr id="268" name="Google Shape;268;g327601c541b_0_111"/>
+          <p:cNvPr id="269" name="Google Shape;269;g327601c541b_0_111"/>
           <p:cNvSpPr txBox="1"/>
           <p:nvPr>
             <p:ph idx="4294967295" type="dt"/>
@@ -21404,7 +21234,7 @@
       </p:sp>
       <p:sp>
         <p:nvSpPr>
-          <p:cNvPr id="269" name="Google Shape;269;g327601c541b_0_111"/>
+          <p:cNvPr id="270" name="Google Shape;270;g327601c541b_0_111"/>
           <p:cNvSpPr/>
           <p:nvPr>
             <p:ph idx="2" type="pic"/>
@@ -21422,7 +21252,7 @@
       </p:sp>
       <p:pic>
         <p:nvPicPr>
-          <p:cNvPr id="270" name="Google Shape;270;g327601c541b_0_111"/>
+          <p:cNvPr id="271" name="Google Shape;271;g327601c541b_0_111"/>
           <p:cNvPicPr preferRelativeResize="0"/>
           <p:nvPr/>
         </p:nvPicPr>
@@ -21449,7 +21279,7 @@
       </p:pic>
       <p:pic>
         <p:nvPicPr>
-          <p:cNvPr id="271" name="Google Shape;271;g327601c541b_0_111"/>
+          <p:cNvPr id="272" name="Google Shape;272;g327601c541b_0_111"/>
           <p:cNvPicPr preferRelativeResize="0"/>
           <p:nvPr/>
         </p:nvPicPr>
@@ -21487,7 +21317,7 @@
   <p:cSld>
     <p:spTree>
       <p:nvGrpSpPr>
-        <p:cNvPr id="276" name="Shape 276"/>
+        <p:cNvPr id="277" name="Shape 277"/>
         <p:cNvGrpSpPr/>
         <p:nvPr/>
       </p:nvGrpSpPr>
@@ -21501,7 +21331,7 @@
       </p:grpSpPr>
       <p:sp>
         <p:nvSpPr>
-          <p:cNvPr id="277" name="Google Shape;277;g327601c541b_0_56"/>
+          <p:cNvPr id="278" name="Google Shape;278;g2af3d7fb70e_0_28"/>
           <p:cNvSpPr txBox="1"/>
           <p:nvPr>
             <p:ph type="ctrTitle"/>
@@ -21541,7 +21371,7 @@
             </a:pPr>
             <a:r>
               <a:rPr lang="de-CH"/>
-              <a:t>Demo</a:t>
+              <a:t>Q &amp; A</a:t>
             </a:r>
             <a:endParaRPr/>
           </a:p>
@@ -21549,72 +21379,7 @@
       </p:sp>
       <p:sp>
         <p:nvSpPr>
-          <p:cNvPr id="278" name="Google Shape;278;g327601c541b_0_56"/>
-          <p:cNvSpPr txBox="1"/>
-          <p:nvPr>
-            <p:ph idx="1" type="subTitle"/>
-          </p:nvPr>
-        </p:nvSpPr>
-        <p:spPr>
-          <a:xfrm>
-            <a:off x="838800" y="2564904"/>
-            <a:ext cx="9067800" cy="324000"/>
-          </a:xfrm>
-          <a:prstGeom prst="rect">
-            <a:avLst/>
-          </a:prstGeom>
-          <a:noFill/>
-          <a:ln>
-            <a:noFill/>
-          </a:ln>
-        </p:spPr>
-        <p:txBody>
-          <a:bodyPr anchorCtr="0" anchor="t" bIns="0" lIns="0" spcFirstLastPara="1" rIns="0" wrap="square" tIns="0">
-            <a:noAutofit/>
-          </a:bodyPr>
-          <a:lstStyle/>
-          <a:p>
-            <a:pPr indent="0" lvl="0" marL="457200" rtl="0" algn="l">
-              <a:lnSpc>
-                <a:spcPct val="115000"/>
-              </a:lnSpc>
-              <a:spcBef>
-                <a:spcPts val="0"/>
-              </a:spcBef>
-              <a:spcAft>
-                <a:spcPts val="0"/>
-              </a:spcAft>
-              <a:buNone/>
-            </a:pPr>
-            <a:r>
-              <a:t/>
-            </a:r>
-            <a:endParaRPr/>
-          </a:p>
-          <a:p>
-            <a:pPr indent="0" lvl="0" marL="457200" rtl="0" algn="l">
-              <a:lnSpc>
-                <a:spcPct val="122222"/>
-              </a:lnSpc>
-              <a:spcBef>
-                <a:spcPts val="0"/>
-              </a:spcBef>
-              <a:spcAft>
-                <a:spcPts val="0"/>
-              </a:spcAft>
-              <a:buSzPts val="1800"/>
-              <a:buNone/>
-            </a:pPr>
-            <a:r>
-              <a:t/>
-            </a:r>
-            <a:endParaRPr/>
-          </a:p>
-        </p:txBody>
-      </p:sp>
-      <p:sp>
-        <p:nvSpPr>
-          <p:cNvPr id="279" name="Google Shape;279;g327601c541b_0_56"/>
+          <p:cNvPr id="279" name="Google Shape;279;g2af3d7fb70e_0_28"/>
           <p:cNvSpPr txBox="1"/>
           <p:nvPr>
             <p:ph idx="12" type="sldNum"/>
@@ -21663,7 +21428,7 @@
       </p:sp>
       <p:sp>
         <p:nvSpPr>
-          <p:cNvPr id="280" name="Google Shape;280;g327601c541b_0_56"/>
+          <p:cNvPr id="280" name="Google Shape;280;g2af3d7fb70e_0_28"/>
           <p:cNvSpPr txBox="1"/>
           <p:nvPr>
             <p:ph idx="4294967295" type="ftr"/>
@@ -21730,7 +21495,7 @@
       </p:sp>
       <p:sp>
         <p:nvSpPr>
-          <p:cNvPr id="281" name="Google Shape;281;g327601c541b_0_56"/>
+          <p:cNvPr id="281" name="Google Shape;281;g2af3d7fb70e_0_28"/>
           <p:cNvSpPr txBox="1"/>
           <p:nvPr>
             <p:ph idx="4294967295" type="dt"/>
@@ -21820,332 +21585,7 @@
       </p:sp>
       <p:sp>
         <p:nvSpPr>
-          <p:cNvPr id="282" name="Google Shape;282;g327601c541b_0_56"/>
-          <p:cNvSpPr/>
-          <p:nvPr>
-            <p:ph idx="2" type="pic"/>
-          </p:nvPr>
-        </p:nvSpPr>
-        <p:spPr>
-          <a:xfrm>
-            <a:off x="215900" y="2997203"/>
-            <a:ext cx="11760300" cy="3641700"/>
-          </a:xfrm>
-          <a:prstGeom prst="rect">
-            <a:avLst/>
-          </a:prstGeom>
-        </p:spPr>
-      </p:sp>
-      <p:pic>
-        <p:nvPicPr>
-          <p:cNvPr id="283" name="Google Shape;283;g327601c541b_0_56"/>
-          <p:cNvPicPr preferRelativeResize="0"/>
-          <p:nvPr/>
-        </p:nvPicPr>
-        <p:blipFill>
-          <a:blip r:embed="rId3">
-            <a:alphaModFix/>
-          </a:blip>
-          <a:stretch>
-            <a:fillRect/>
-          </a:stretch>
-        </p:blipFill>
-        <p:spPr>
-          <a:xfrm>
-            <a:off x="215900" y="3247125"/>
-            <a:ext cx="11760299" cy="2849930"/>
-          </a:xfrm>
-          <a:prstGeom prst="rect">
-            <a:avLst/>
-          </a:prstGeom>
-          <a:noFill/>
-          <a:ln>
-            <a:noFill/>
-          </a:ln>
-        </p:spPr>
-      </p:pic>
-    </p:spTree>
-  </p:cSld>
-  <p:clrMapOvr>
-    <a:masterClrMapping/>
-  </p:clrMapOvr>
-</p:sld>
-</file>
-
-<file path=ppt/slides/slide17.xml><?xml version="1.0" encoding="utf-8"?>
-<p:sld xmlns:a="http://schemas.openxmlformats.org/drawingml/2006/main" xmlns:r="http://schemas.openxmlformats.org/officeDocument/2006/relationships" xmlns:mc="http://schemas.openxmlformats.org/markup-compatibility/2006" xmlns:mv="urn:schemas-microsoft-com:mac:vml" xmlns:p="http://schemas.openxmlformats.org/presentationml/2006/main" xmlns:c="http://schemas.openxmlformats.org/drawingml/2006/chart" xmlns:dgm="http://schemas.openxmlformats.org/drawingml/2006/diagram" xmlns:o="urn:schemas-microsoft-com:office:office" xmlns:v="urn:schemas-microsoft-com:vml" xmlns:pvml="urn:schemas-microsoft-com:office:powerpoint" xmlns:com="http://schemas.openxmlformats.org/drawingml/2006/compatibility" xmlns:p14="http://schemas.microsoft.com/office/powerpoint/2010/main" xmlns:p15="http://schemas.microsoft.com/office/powerpoint/2012/main" xmlns:ahyp="http://schemas.microsoft.com/office/drawing/2018/hyperlinkcolor">
-  <p:cSld>
-    <p:spTree>
-      <p:nvGrpSpPr>
-        <p:cNvPr id="288" name="Shape 288"/>
-        <p:cNvGrpSpPr/>
-        <p:nvPr/>
-      </p:nvGrpSpPr>
-      <p:grpSpPr>
-        <a:xfrm>
-          <a:off x="0" y="0"/>
-          <a:ext cx="0" cy="0"/>
-          <a:chOff x="0" y="0"/>
-          <a:chExt cx="0" cy="0"/>
-        </a:xfrm>
-      </p:grpSpPr>
-      <p:sp>
-        <p:nvSpPr>
-          <p:cNvPr id="289" name="Google Shape;289;g2af3d7fb70e_0_28"/>
-          <p:cNvSpPr txBox="1"/>
-          <p:nvPr>
-            <p:ph type="ctrTitle"/>
-          </p:nvPr>
-        </p:nvSpPr>
-        <p:spPr>
-          <a:xfrm>
-            <a:off x="838800" y="1376363"/>
-            <a:ext cx="7284300" cy="1044600"/>
-          </a:xfrm>
-          <a:prstGeom prst="rect">
-            <a:avLst/>
-          </a:prstGeom>
-          <a:noFill/>
-          <a:ln>
-            <a:noFill/>
-          </a:ln>
-        </p:spPr>
-        <p:txBody>
-          <a:bodyPr anchorCtr="0" anchor="t" bIns="0" lIns="0" spcFirstLastPara="1" rIns="0" wrap="square" tIns="0">
-            <a:noAutofit/>
-          </a:bodyPr>
-          <a:lstStyle/>
-          <a:p>
-            <a:pPr indent="0" lvl="0" marL="0" rtl="0" algn="l">
-              <a:lnSpc>
-                <a:spcPct val="138888"/>
-              </a:lnSpc>
-              <a:spcBef>
-                <a:spcPts val="0"/>
-              </a:spcBef>
-              <a:spcAft>
-                <a:spcPts val="0"/>
-              </a:spcAft>
-              <a:buSzPts val="1800"/>
-              <a:buNone/>
-            </a:pPr>
-            <a:r>
-              <a:rPr lang="de-CH"/>
-              <a:t>Q &amp; A</a:t>
-            </a:r>
-            <a:endParaRPr/>
-          </a:p>
-        </p:txBody>
-      </p:sp>
-      <p:sp>
-        <p:nvSpPr>
-          <p:cNvPr id="290" name="Google Shape;290;g2af3d7fb70e_0_28"/>
-          <p:cNvSpPr txBox="1"/>
-          <p:nvPr>
-            <p:ph idx="12" type="sldNum"/>
-          </p:nvPr>
-        </p:nvSpPr>
-        <p:spPr>
-          <a:xfrm>
-            <a:off x="11409045" y="6333134"/>
-            <a:ext cx="731700" cy="525000"/>
-          </a:xfrm>
-          <a:prstGeom prst="rect">
-            <a:avLst/>
-          </a:prstGeom>
-          <a:noFill/>
-          <a:ln>
-            <a:noFill/>
-          </a:ln>
-        </p:spPr>
-        <p:txBody>
-          <a:bodyPr anchorCtr="0" anchor="t" bIns="0" lIns="0" spcFirstLastPara="1" rIns="0" wrap="square" tIns="21600">
-            <a:noAutofit/>
-          </a:bodyPr>
-          <a:lstStyle/>
-          <a:p>
-            <a:pPr indent="0" lvl="0" marL="0" rtl="0" algn="r">
-              <a:spcBef>
-                <a:spcPts val="0"/>
-              </a:spcBef>
-              <a:spcAft>
-                <a:spcPts val="0"/>
-              </a:spcAft>
-              <a:buClr>
-                <a:srgbClr val="000000"/>
-              </a:buClr>
-              <a:buSzPts val="600"/>
-              <a:buFont typeface="Arial"/>
-              <a:buNone/>
-            </a:pPr>
-            <a:fld id="{00000000-1234-1234-1234-123412341234}" type="slidenum">
-              <a:rPr lang="de-CH" sz="1300"/>
-              <a:t>‹#›</a:t>
-            </a:fld>
-            <a:endParaRPr sz="1300"/>
-          </a:p>
-        </p:txBody>
-      </p:sp>
-      <p:sp>
-        <p:nvSpPr>
-          <p:cNvPr id="291" name="Google Shape;291;g2af3d7fb70e_0_28"/>
-          <p:cNvSpPr txBox="1"/>
-          <p:nvPr>
-            <p:ph idx="4294967295" type="ftr"/>
-          </p:nvPr>
-        </p:nvSpPr>
-        <p:spPr>
-          <a:xfrm>
-            <a:off x="9120682" y="6525344"/>
-            <a:ext cx="2544300" cy="180000"/>
-          </a:xfrm>
-          <a:prstGeom prst="rect">
-            <a:avLst/>
-          </a:prstGeom>
-          <a:noFill/>
-          <a:ln>
-            <a:noFill/>
-          </a:ln>
-        </p:spPr>
-        <p:txBody>
-          <a:bodyPr anchorCtr="0" anchor="t" bIns="45700" lIns="91425" spcFirstLastPara="1" rIns="91425" wrap="square" tIns="45700">
-            <a:noAutofit/>
-          </a:bodyPr>
-          <a:lstStyle/>
-          <a:p>
-            <a:pPr indent="0" lvl="0" marL="0" rtl="0" algn="r">
-              <a:lnSpc>
-                <a:spcPct val="100000"/>
-              </a:lnSpc>
-              <a:spcBef>
-                <a:spcPts val="0"/>
-              </a:spcBef>
-              <a:spcAft>
-                <a:spcPts val="0"/>
-              </a:spcAft>
-              <a:buSzPts val="1400"/>
-              <a:buNone/>
-            </a:pPr>
-            <a:r>
-              <a:rPr lang="de-CH"/>
-              <a:t>University of Basel</a:t>
-            </a:r>
-            <a:endParaRPr/>
-          </a:p>
-          <a:p>
-            <a:pPr indent="0" lvl="0" marL="0" rtl="0" algn="r">
-              <a:lnSpc>
-                <a:spcPct val="100000"/>
-              </a:lnSpc>
-              <a:spcBef>
-                <a:spcPts val="0"/>
-              </a:spcBef>
-              <a:spcAft>
-                <a:spcPts val="0"/>
-              </a:spcAft>
-              <a:buSzPts val="1400"/>
-              <a:buNone/>
-            </a:pPr>
-            <a:r>
-              <a:t/>
-            </a:r>
-            <a:endParaRPr/>
-          </a:p>
-        </p:txBody>
-      </p:sp>
-      <p:sp>
-        <p:nvSpPr>
-          <p:cNvPr id="292" name="Google Shape;292;g2af3d7fb70e_0_28"/>
-          <p:cNvSpPr txBox="1"/>
-          <p:nvPr>
-            <p:ph idx="4294967295" type="dt"/>
-          </p:nvPr>
-        </p:nvSpPr>
-        <p:spPr>
-          <a:xfrm>
-            <a:off x="334800" y="6524626"/>
-            <a:ext cx="2878800" cy="180000"/>
-          </a:xfrm>
-          <a:prstGeom prst="rect">
-            <a:avLst/>
-          </a:prstGeom>
-          <a:noFill/>
-          <a:ln>
-            <a:noFill/>
-          </a:ln>
-        </p:spPr>
-        <p:txBody>
-          <a:bodyPr anchorCtr="0" anchor="t" bIns="0" lIns="0" spcFirstLastPara="1" rIns="0" wrap="square" tIns="21600">
-            <a:noAutofit/>
-          </a:bodyPr>
-          <a:lstStyle/>
-          <a:p>
-            <a:pPr indent="0" lvl="0" marL="0" rtl="0" algn="l">
-              <a:lnSpc>
-                <a:spcPct val="100000"/>
-              </a:lnSpc>
-              <a:spcBef>
-                <a:spcPts val="0"/>
-              </a:spcBef>
-              <a:spcAft>
-                <a:spcPts val="0"/>
-              </a:spcAft>
-              <a:buClr>
-                <a:schemeClr val="dk1"/>
-              </a:buClr>
-              <a:buSzPts val="1400"/>
-              <a:buFont typeface="Arial"/>
-              <a:buNone/>
-            </a:pPr>
-            <a:r>
-              <a:rPr lang="de-CH"/>
-              <a:t>Fingerprint Lock with LCD Display, 08.11.24</a:t>
-            </a:r>
-            <a:endParaRPr/>
-          </a:p>
-          <a:p>
-            <a:pPr indent="0" lvl="0" marL="0" rtl="0" algn="l">
-              <a:lnSpc>
-                <a:spcPct val="100000"/>
-              </a:lnSpc>
-              <a:spcBef>
-                <a:spcPts val="0"/>
-              </a:spcBef>
-              <a:spcAft>
-                <a:spcPts val="0"/>
-              </a:spcAft>
-              <a:buSzPts val="1400"/>
-              <a:buNone/>
-            </a:pPr>
-            <a:r>
-              <a:t/>
-            </a:r>
-            <a:endParaRPr/>
-          </a:p>
-          <a:p>
-            <a:pPr indent="0" lvl="0" marL="0" rtl="0" algn="l">
-              <a:lnSpc>
-                <a:spcPct val="100000"/>
-              </a:lnSpc>
-              <a:spcBef>
-                <a:spcPts val="0"/>
-              </a:spcBef>
-              <a:spcAft>
-                <a:spcPts val="0"/>
-              </a:spcAft>
-              <a:buSzPts val="1400"/>
-              <a:buNone/>
-            </a:pPr>
-            <a:r>
-              <a:t/>
-            </a:r>
-            <a:endParaRPr/>
-          </a:p>
-        </p:txBody>
-      </p:sp>
-      <p:sp>
-        <p:nvSpPr>
-          <p:cNvPr id="293" name="Google Shape;293;g2af3d7fb70e_0_28"/>
+          <p:cNvPr id="282" name="Google Shape;282;g2af3d7fb70e_0_28"/>
           <p:cNvSpPr/>
           <p:nvPr>
             <p:ph idx="2" type="pic"/>
@@ -22169,12 +21609,12 @@
 </p:sld>
 </file>
 
-<file path=ppt/slides/slide18.xml><?xml version="1.0" encoding="utf-8"?>
+<file path=ppt/slides/slide17.xml><?xml version="1.0" encoding="utf-8"?>
 <p:sld xmlns:a="http://schemas.openxmlformats.org/drawingml/2006/main" xmlns:r="http://schemas.openxmlformats.org/officeDocument/2006/relationships" xmlns:mc="http://schemas.openxmlformats.org/markup-compatibility/2006" xmlns:mv="urn:schemas-microsoft-com:mac:vml" xmlns:p="http://schemas.openxmlformats.org/presentationml/2006/main" xmlns:c="http://schemas.openxmlformats.org/drawingml/2006/chart" xmlns:dgm="http://schemas.openxmlformats.org/drawingml/2006/diagram" xmlns:o="urn:schemas-microsoft-com:office:office" xmlns:v="urn:schemas-microsoft-com:vml" xmlns:pvml="urn:schemas-microsoft-com:office:powerpoint" xmlns:com="http://schemas.openxmlformats.org/drawingml/2006/compatibility" xmlns:p14="http://schemas.microsoft.com/office/powerpoint/2010/main" xmlns:p15="http://schemas.microsoft.com/office/powerpoint/2012/main" xmlns:ahyp="http://schemas.microsoft.com/office/drawing/2018/hyperlinkcolor">
   <p:cSld>
     <p:spTree>
       <p:nvGrpSpPr>
-        <p:cNvPr id="297" name="Shape 297"/>
+        <p:cNvPr id="286" name="Shape 286"/>
         <p:cNvGrpSpPr/>
         <p:nvPr/>
       </p:nvGrpSpPr>
@@ -22188,7 +21628,7 @@
       </p:grpSpPr>
       <p:sp>
         <p:nvSpPr>
-          <p:cNvPr id="298" name="Google Shape;298;p27"/>
+          <p:cNvPr id="287" name="Google Shape;287;p27"/>
           <p:cNvSpPr txBox="1"/>
           <p:nvPr>
             <p:ph type="ctrTitle"/>
@@ -25933,7 +25373,7 @@
         </p:blipFill>
         <p:spPr>
           <a:xfrm>
-            <a:off x="7588890" y="760775"/>
+            <a:off x="7055490" y="760775"/>
             <a:ext cx="3926225" cy="5336452"/>
           </a:xfrm>
           <a:prstGeom prst="rect">
@@ -26528,8 +25968,36 @@
         </p:blipFill>
         <p:spPr>
           <a:xfrm>
-            <a:off x="6508750" y="760775"/>
-            <a:ext cx="5336749" cy="5336448"/>
+            <a:off x="6813550" y="742025"/>
+            <a:ext cx="4384149" cy="4383898"/>
+          </a:xfrm>
+          <a:prstGeom prst="rect">
+            <a:avLst/>
+          </a:prstGeom>
+          <a:noFill/>
+          <a:ln>
+            <a:noFill/>
+          </a:ln>
+        </p:spPr>
+      </p:pic>
+      <p:pic>
+        <p:nvPicPr>
+          <p:cNvPr id="188" name="Google Shape;188;g327601c541b_0_123"/>
+          <p:cNvPicPr preferRelativeResize="0"/>
+          <p:nvPr/>
+        </p:nvPicPr>
+        <p:blipFill>
+          <a:blip r:embed="rId4">
+            <a:alphaModFix/>
+          </a:blip>
+          <a:stretch>
+            <a:fillRect/>
+          </a:stretch>
+        </p:blipFill>
+        <p:spPr>
+          <a:xfrm>
+            <a:off x="6743700" y="5157650"/>
+            <a:ext cx="4503752" cy="1091413"/>
           </a:xfrm>
           <a:prstGeom prst="rect">
             <a:avLst/>
@@ -26553,7 +26021,7 @@
   <p:cSld>
     <p:spTree>
       <p:nvGrpSpPr>
-        <p:cNvPr id="192" name="Shape 192"/>
+        <p:cNvPr id="193" name="Shape 193"/>
         <p:cNvGrpSpPr/>
         <p:nvPr/>
       </p:nvGrpSpPr>
@@ -26567,7 +26035,7 @@
       </p:grpSpPr>
       <p:sp>
         <p:nvSpPr>
-          <p:cNvPr id="193" name="Google Shape;193;g2af3d7fb70e_0_10"/>
+          <p:cNvPr id="194" name="Google Shape;194;g2af3d7fb70e_0_10"/>
           <p:cNvSpPr txBox="1"/>
           <p:nvPr>
             <p:ph type="title"/>
@@ -26615,7 +26083,7 @@
       </p:sp>
       <p:sp>
         <p:nvSpPr>
-          <p:cNvPr id="194" name="Google Shape;194;g2af3d7fb70e_0_10"/>
+          <p:cNvPr id="195" name="Google Shape;195;g2af3d7fb70e_0_10"/>
           <p:cNvSpPr txBox="1"/>
           <p:nvPr>
             <p:ph idx="1" type="body"/>
@@ -26842,7 +26310,7 @@
       </p:sp>
       <p:sp>
         <p:nvSpPr>
-          <p:cNvPr id="195" name="Google Shape;195;g2af3d7fb70e_0_10"/>
+          <p:cNvPr id="196" name="Google Shape;196;g2af3d7fb70e_0_10"/>
           <p:cNvSpPr txBox="1"/>
           <p:nvPr>
             <p:ph idx="12" type="sldNum"/>
@@ -26891,7 +26359,7 @@
       </p:sp>
       <p:sp>
         <p:nvSpPr>
-          <p:cNvPr id="196" name="Google Shape;196;g2af3d7fb70e_0_10"/>
+          <p:cNvPr id="197" name="Google Shape;197;g2af3d7fb70e_0_10"/>
           <p:cNvSpPr txBox="1"/>
           <p:nvPr>
             <p:ph idx="11" type="ftr"/>
@@ -26958,7 +26426,7 @@
       </p:sp>
       <p:sp>
         <p:nvSpPr>
-          <p:cNvPr id="197" name="Google Shape;197;g2af3d7fb70e_0_10"/>
+          <p:cNvPr id="198" name="Google Shape;198;g2af3d7fb70e_0_10"/>
           <p:cNvSpPr txBox="1"/>
           <p:nvPr>
             <p:ph idx="10" type="dt"/>
@@ -27048,7 +26516,7 @@
       </p:sp>
       <p:sp>
         <p:nvSpPr>
-          <p:cNvPr id="198" name="Google Shape;198;g2af3d7fb70e_0_10"/>
+          <p:cNvPr id="199" name="Google Shape;199;g2af3d7fb70e_0_10"/>
           <p:cNvSpPr txBox="1"/>
           <p:nvPr>
             <p:ph idx="2" type="body"/>
